--- a/docs/slides/Lecture3.pptx
+++ b/docs/slides/Lecture3.pptx
@@ -5,14 +5,30 @@
     <p:sldMasterId id="2147483672" r:id="rId1"/>
   </p:sldMasterIdLst>
   <p:notesMasterIdLst>
-    <p:notesMasterId r:id="rId4"/>
+    <p:notesMasterId r:id="rId20"/>
   </p:notesMasterIdLst>
   <p:handoutMasterIdLst>
-    <p:handoutMasterId r:id="rId5"/>
+    <p:handoutMasterId r:id="rId21"/>
   </p:handoutMasterIdLst>
   <p:sldIdLst>
     <p:sldId id="256" r:id="rId2"/>
     <p:sldId id="365" r:id="rId3"/>
+    <p:sldId id="436" r:id="rId4"/>
+    <p:sldId id="440" r:id="rId5"/>
+    <p:sldId id="467" r:id="rId6"/>
+    <p:sldId id="442" r:id="rId7"/>
+    <p:sldId id="468" r:id="rId8"/>
+    <p:sldId id="469" r:id="rId9"/>
+    <p:sldId id="470" r:id="rId10"/>
+    <p:sldId id="471" r:id="rId11"/>
+    <p:sldId id="472" r:id="rId12"/>
+    <p:sldId id="473" r:id="rId13"/>
+    <p:sldId id="475" r:id="rId14"/>
+    <p:sldId id="447" r:id="rId15"/>
+    <p:sldId id="476" r:id="rId16"/>
+    <p:sldId id="477" r:id="rId17"/>
+    <p:sldId id="448" r:id="rId18"/>
+    <p:sldId id="460" r:id="rId19"/>
   </p:sldIdLst>
   <p:sldSz cx="12192000" cy="6858000"/>
   <p:notesSz cx="7315200" cy="9601200"/>
@@ -119,6 +135,40 @@
             <p14:sldId id="256"/>
             <p14:sldId id="365"/>
           </p14:sldIdLst>
+        </p14:section>
+        <p14:section name="Review" id="{0097DB35-C707-464F-93AD-8B09F3BF2277}">
+          <p14:sldIdLst/>
+        </p14:section>
+        <p14:section name="If/Else" id="{0878E5BF-50FC-6C46-9EA8-5C87D0040D37}">
+          <p14:sldIdLst>
+            <p14:sldId id="436"/>
+            <p14:sldId id="440"/>
+            <p14:sldId id="467"/>
+            <p14:sldId id="442"/>
+            <p14:sldId id="468"/>
+            <p14:sldId id="469"/>
+            <p14:sldId id="470"/>
+            <p14:sldId id="471"/>
+            <p14:sldId id="472"/>
+            <p14:sldId id="473"/>
+          </p14:sldIdLst>
+        </p14:section>
+        <p14:section name="Hurdle Jumper" id="{EBAEEBF6-8DFE-774E-BFF2-F4EFA0D1D114}">
+          <p14:sldIdLst>
+            <p14:sldId id="475"/>
+            <p14:sldId id="447"/>
+            <p14:sldId id="476"/>
+            <p14:sldId id="477"/>
+          </p14:sldIdLst>
+        </p14:section>
+        <p14:section name="Decomposition" id="{745F05AF-EB73-9942-9EA2-618C2086C436}">
+          <p14:sldIdLst>
+            <p14:sldId id="448"/>
+            <p14:sldId id="460"/>
+          </p14:sldIdLst>
+        </p14:section>
+        <p14:section name="Double Beepers" id="{456EC648-47BF-3143-857C-417BAF664DD3}">
+          <p14:sldIdLst/>
         </p14:section>
       </p14:sectionLst>
     </p:ext>
@@ -1021,6 +1071,269 @@
     </a:lvl9pPr>
   </p:notesStyle>
 </p:notesMaster>
+</file>
+
+<file path=ppt/notesSlides/notesSlide1.xml><?xml version="1.0" encoding="utf-8"?>
+<p:notes xmlns:a="http://schemas.openxmlformats.org/drawingml/2006/main" xmlns:r="http://schemas.openxmlformats.org/officeDocument/2006/relationships" xmlns:p="http://schemas.openxmlformats.org/presentationml/2006/main">
+  <p:cSld>
+    <p:spTree>
+      <p:nvGrpSpPr>
+        <p:cNvPr id="1" name=""/>
+        <p:cNvGrpSpPr/>
+        <p:nvPr/>
+      </p:nvGrpSpPr>
+      <p:grpSpPr>
+        <a:xfrm>
+          <a:off x="0" y="0"/>
+          <a:ext cx="0" cy="0"/>
+          <a:chOff x="0" y="0"/>
+          <a:chExt cx="0" cy="0"/>
+        </a:xfrm>
+      </p:grpSpPr>
+      <p:sp>
+        <p:nvSpPr>
+          <p:cNvPr id="2" name="Slide Image Placeholder 1"/>
+          <p:cNvSpPr>
+            <a:spLocks noGrp="1" noRot="1" noChangeAspect="1"/>
+          </p:cNvSpPr>
+          <p:nvPr>
+            <p:ph type="sldImg"/>
+          </p:nvPr>
+        </p:nvSpPr>
+        <p:spPr/>
+      </p:sp>
+      <p:sp>
+        <p:nvSpPr>
+          <p:cNvPr id="3" name="Notes Placeholder 2"/>
+          <p:cNvSpPr>
+            <a:spLocks noGrp="1"/>
+          </p:cNvSpPr>
+          <p:nvPr>
+            <p:ph type="body" idx="1"/>
+          </p:nvPr>
+        </p:nvSpPr>
+        <p:spPr/>
+        <p:txBody>
+          <a:bodyPr/>
+          <a:lstStyle/>
+          <a:p>
+            <a:r>
+              <a:rPr lang="en-US" dirty="0"/>
+              <a:t>Karel can ask some questions</a:t>
+            </a:r>
+            <a:r>
+              <a:rPr lang="en-US" baseline="0" dirty="0"/>
+              <a:t> about its world / surroundings</a:t>
+            </a:r>
+            <a:endParaRPr lang="en-US" dirty="0"/>
+          </a:p>
+        </p:txBody>
+      </p:sp>
+      <p:sp>
+        <p:nvSpPr>
+          <p:cNvPr id="4" name="Slide Number Placeholder 3"/>
+          <p:cNvSpPr>
+            <a:spLocks noGrp="1"/>
+          </p:cNvSpPr>
+          <p:nvPr>
+            <p:ph type="sldNum" sz="quarter" idx="10"/>
+          </p:nvPr>
+        </p:nvSpPr>
+        <p:spPr/>
+        <p:txBody>
+          <a:bodyPr/>
+          <a:lstStyle/>
+          <a:p>
+            <a:fld id="{AA742258-FB98-3F4C-92C7-D00F89B753B5}" type="slidenum">
+              <a:rPr lang="en-US" altLang="x-none" smtClean="0"/>
+              <a:pPr/>
+              <a:t>6</a:t>
+            </a:fld>
+            <a:endParaRPr lang="en-US" altLang="x-none"/>
+          </a:p>
+        </p:txBody>
+      </p:sp>
+    </p:spTree>
+    <p:extLst>
+      <p:ext uri="{BB962C8B-B14F-4D97-AF65-F5344CB8AC3E}">
+        <p14:creationId xmlns:p14="http://schemas.microsoft.com/office/powerpoint/2010/main" val="871751552"/>
+      </p:ext>
+    </p:extLst>
+  </p:cSld>
+  <p:clrMapOvr>
+    <a:masterClrMapping/>
+  </p:clrMapOvr>
+</p:notes>
+</file>
+
+<file path=ppt/notesSlides/notesSlide2.xml><?xml version="1.0" encoding="utf-8"?>
+<p:notes xmlns:a="http://schemas.openxmlformats.org/drawingml/2006/main" xmlns:r="http://schemas.openxmlformats.org/officeDocument/2006/relationships" xmlns:p="http://schemas.openxmlformats.org/presentationml/2006/main">
+  <p:cSld>
+    <p:spTree>
+      <p:nvGrpSpPr>
+        <p:cNvPr id="1" name=""/>
+        <p:cNvGrpSpPr/>
+        <p:nvPr/>
+      </p:nvGrpSpPr>
+      <p:grpSpPr>
+        <a:xfrm>
+          <a:off x="0" y="0"/>
+          <a:ext cx="0" cy="0"/>
+          <a:chOff x="0" y="0"/>
+          <a:chExt cx="0" cy="0"/>
+        </a:xfrm>
+      </p:grpSpPr>
+      <p:sp>
+        <p:nvSpPr>
+          <p:cNvPr id="2" name="Slide Image Placeholder 1"/>
+          <p:cNvSpPr>
+            <a:spLocks noGrp="1" noRot="1" noChangeAspect="1"/>
+          </p:cNvSpPr>
+          <p:nvPr>
+            <p:ph type="sldImg"/>
+          </p:nvPr>
+        </p:nvSpPr>
+        <p:spPr/>
+      </p:sp>
+      <p:sp>
+        <p:nvSpPr>
+          <p:cNvPr id="3" name="Notes Placeholder 2"/>
+          <p:cNvSpPr>
+            <a:spLocks noGrp="1"/>
+          </p:cNvSpPr>
+          <p:nvPr>
+            <p:ph type="body" idx="1"/>
+          </p:nvPr>
+        </p:nvSpPr>
+        <p:spPr/>
+        <p:txBody>
+          <a:bodyPr/>
+          <a:lstStyle/>
+          <a:p>
+            <a:endParaRPr lang="en-US" dirty="0"/>
+          </a:p>
+        </p:txBody>
+      </p:sp>
+      <p:sp>
+        <p:nvSpPr>
+          <p:cNvPr id="4" name="Slide Number Placeholder 3"/>
+          <p:cNvSpPr>
+            <a:spLocks noGrp="1"/>
+          </p:cNvSpPr>
+          <p:nvPr>
+            <p:ph type="sldNum" sz="quarter" idx="10"/>
+          </p:nvPr>
+        </p:nvSpPr>
+        <p:spPr/>
+        <p:txBody>
+          <a:bodyPr/>
+          <a:lstStyle/>
+          <a:p>
+            <a:fld id="{AA742258-FB98-3F4C-92C7-D00F89B753B5}" type="slidenum">
+              <a:rPr lang="en-US" altLang="x-none" smtClean="0"/>
+              <a:pPr/>
+              <a:t>17</a:t>
+            </a:fld>
+            <a:endParaRPr lang="en-US" altLang="x-none"/>
+          </a:p>
+        </p:txBody>
+      </p:sp>
+    </p:spTree>
+    <p:extLst>
+      <p:ext uri="{BB962C8B-B14F-4D97-AF65-F5344CB8AC3E}">
+        <p14:creationId xmlns:p14="http://schemas.microsoft.com/office/powerpoint/2010/main" val="1431417550"/>
+      </p:ext>
+    </p:extLst>
+  </p:cSld>
+  <p:clrMapOvr>
+    <a:masterClrMapping/>
+  </p:clrMapOvr>
+</p:notes>
+</file>
+
+<file path=ppt/notesSlides/notesSlide3.xml><?xml version="1.0" encoding="utf-8"?>
+<p:notes xmlns:a="http://schemas.openxmlformats.org/drawingml/2006/main" xmlns:r="http://schemas.openxmlformats.org/officeDocument/2006/relationships" xmlns:p="http://schemas.openxmlformats.org/presentationml/2006/main">
+  <p:cSld>
+    <p:spTree>
+      <p:nvGrpSpPr>
+        <p:cNvPr id="1" name=""/>
+        <p:cNvGrpSpPr/>
+        <p:nvPr/>
+      </p:nvGrpSpPr>
+      <p:grpSpPr>
+        <a:xfrm>
+          <a:off x="0" y="0"/>
+          <a:ext cx="0" cy="0"/>
+          <a:chOff x="0" y="0"/>
+          <a:chExt cx="0" cy="0"/>
+        </a:xfrm>
+      </p:grpSpPr>
+      <p:sp>
+        <p:nvSpPr>
+          <p:cNvPr id="2" name="Slide Image Placeholder 1"/>
+          <p:cNvSpPr>
+            <a:spLocks noGrp="1" noRot="1" noChangeAspect="1"/>
+          </p:cNvSpPr>
+          <p:nvPr>
+            <p:ph type="sldImg"/>
+          </p:nvPr>
+        </p:nvSpPr>
+        <p:spPr/>
+      </p:sp>
+      <p:sp>
+        <p:nvSpPr>
+          <p:cNvPr id="3" name="Notes Placeholder 2"/>
+          <p:cNvSpPr>
+            <a:spLocks noGrp="1"/>
+          </p:cNvSpPr>
+          <p:nvPr>
+            <p:ph type="body" idx="1"/>
+          </p:nvPr>
+        </p:nvSpPr>
+        <p:spPr/>
+        <p:txBody>
+          <a:bodyPr/>
+          <a:lstStyle/>
+          <a:p>
+            <a:endParaRPr lang="en-US" dirty="0"/>
+          </a:p>
+        </p:txBody>
+      </p:sp>
+      <p:sp>
+        <p:nvSpPr>
+          <p:cNvPr id="4" name="Slide Number Placeholder 3"/>
+          <p:cNvSpPr>
+            <a:spLocks noGrp="1"/>
+          </p:cNvSpPr>
+          <p:nvPr>
+            <p:ph type="sldNum" sz="quarter" idx="10"/>
+          </p:nvPr>
+        </p:nvSpPr>
+        <p:spPr/>
+        <p:txBody>
+          <a:bodyPr/>
+          <a:lstStyle/>
+          <a:p>
+            <a:fld id="{AA742258-FB98-3F4C-92C7-D00F89B753B5}" type="slidenum">
+              <a:rPr lang="en-US" altLang="x-none" smtClean="0"/>
+              <a:pPr/>
+              <a:t>18</a:t>
+            </a:fld>
+            <a:endParaRPr lang="en-US" altLang="x-none"/>
+          </a:p>
+        </p:txBody>
+      </p:sp>
+    </p:spTree>
+    <p:extLst>
+      <p:ext uri="{BB962C8B-B14F-4D97-AF65-F5344CB8AC3E}">
+        <p14:creationId xmlns:p14="http://schemas.microsoft.com/office/powerpoint/2010/main" val="1797726155"/>
+      </p:ext>
+    </p:extLst>
+  </p:cSld>
+  <p:clrMapOvr>
+    <a:masterClrMapping/>
+  </p:clrMapOvr>
+</p:notes>
 </file>
 
 <file path=ppt/slideLayouts/slideLayout1.xml><?xml version="1.0" encoding="utf-8"?>
@@ -2724,7 +3037,7 @@
           <a:bodyPr lIns="0" tIns="0" rIns="0" bIns="0" anchor="b"/>
           <a:lstStyle/>
           <a:p>
-            <a:pPr>
+            <a:pPr algn="r">
               <a:spcBef>
                 <a:spcPts val="500"/>
               </a:spcBef>
@@ -2736,14 +3049,14 @@
                 </a:solidFill>
                 <a:latin typeface="Verdana" charset="0"/>
               </a:rPr>
-              <a:pPr>
+              <a:pPr algn="r">
                 <a:spcBef>
                   <a:spcPts val="500"/>
                 </a:spcBef>
               </a:pPr>
               <a:t>‹#›</a:t>
             </a:fld>
-            <a:endParaRPr lang="en-US" altLang="x-none"/>
+            <a:endParaRPr lang="en-US" altLang="x-none" dirty="0"/>
           </a:p>
         </p:txBody>
       </p:sp>
@@ -3396,6 +3709,3653 @@
 </p:sld>
 </file>
 
+<file path=ppt/slides/slide10.xml><?xml version="1.0" encoding="utf-8"?>
+<p:sld xmlns:a="http://schemas.openxmlformats.org/drawingml/2006/main" xmlns:r="http://schemas.openxmlformats.org/officeDocument/2006/relationships" xmlns:p="http://schemas.openxmlformats.org/presentationml/2006/main">
+  <p:cSld>
+    <p:spTree>
+      <p:nvGrpSpPr>
+        <p:cNvPr id="1" name=""/>
+        <p:cNvGrpSpPr/>
+        <p:nvPr/>
+      </p:nvGrpSpPr>
+      <p:grpSpPr>
+        <a:xfrm>
+          <a:off x="0" y="0"/>
+          <a:ext cx="0" cy="0"/>
+          <a:chOff x="0" y="0"/>
+          <a:chExt cx="0" cy="0"/>
+        </a:xfrm>
+      </p:grpSpPr>
+      <p:sp>
+        <p:nvSpPr>
+          <p:cNvPr id="2" name="Title 1">
+            <a:extLst>
+              <a:ext uri="{FF2B5EF4-FFF2-40B4-BE49-F238E27FC236}">
+                <a16:creationId xmlns:a16="http://schemas.microsoft.com/office/drawing/2014/main" id="{DFAB9AAB-8772-9A43-9B2C-DC3CFC6B66A0}"/>
+              </a:ext>
+            </a:extLst>
+          </p:cNvPr>
+          <p:cNvSpPr>
+            <a:spLocks noGrp="1"/>
+          </p:cNvSpPr>
+          <p:nvPr>
+            <p:ph type="title"/>
+          </p:nvPr>
+        </p:nvSpPr>
+        <p:spPr/>
+        <p:txBody>
+          <a:bodyPr/>
+          <a:lstStyle/>
+          <a:p>
+            <a:r>
+              <a:rPr lang="en-US" dirty="0"/>
+              <a:t>If/Else Statements</a:t>
+            </a:r>
+          </a:p>
+        </p:txBody>
+      </p:sp>
+      <p:sp>
+        <p:nvSpPr>
+          <p:cNvPr id="3" name="Content Placeholder 2">
+            <a:extLst>
+              <a:ext uri="{FF2B5EF4-FFF2-40B4-BE49-F238E27FC236}">
+                <a16:creationId xmlns:a16="http://schemas.microsoft.com/office/drawing/2014/main" id="{2CF00B4E-34DC-4C4A-AF44-F3885E295296}"/>
+              </a:ext>
+            </a:extLst>
+          </p:cNvPr>
+          <p:cNvSpPr>
+            <a:spLocks noGrp="1"/>
+          </p:cNvSpPr>
+          <p:nvPr>
+            <p:ph idx="1"/>
+          </p:nvPr>
+        </p:nvSpPr>
+        <p:spPr/>
+        <p:txBody>
+          <a:bodyPr/>
+          <a:lstStyle/>
+          <a:p>
+            <a:pPr marL="0" indent="0">
+              <a:buNone/>
+            </a:pPr>
+            <a:r>
+              <a:rPr lang="en-US" sz="3200" dirty="0"/>
+              <a:t>What does this code do?</a:t>
+            </a:r>
+          </a:p>
+          <a:p>
+            <a:pPr marL="0" indent="0">
+              <a:buNone/>
+            </a:pPr>
+            <a:endParaRPr lang="en-US" sz="3200" dirty="0"/>
+          </a:p>
+          <a:p>
+            <a:pPr marL="0" indent="0">
+              <a:spcBef>
+                <a:spcPts val="0"/>
+              </a:spcBef>
+              <a:buNone/>
+            </a:pPr>
+            <a:r>
+              <a:rPr lang="en-US" sz="3200" dirty="0">
+                <a:latin typeface="Consolas" panose="020B0609020204030204" pitchFamily="49" charset="0"/>
+                <a:cs typeface="Consolas" panose="020B0609020204030204" pitchFamily="49" charset="0"/>
+              </a:rPr>
+              <a:t>def main():</a:t>
+            </a:r>
+          </a:p>
+          <a:p>
+            <a:pPr marL="0" indent="0">
+              <a:spcBef>
+                <a:spcPts val="0"/>
+              </a:spcBef>
+              <a:buNone/>
+            </a:pPr>
+            <a:r>
+              <a:rPr lang="en-US" sz="3200" dirty="0">
+                <a:latin typeface="Consolas" panose="020B0609020204030204" pitchFamily="49" charset="0"/>
+                <a:cs typeface="Consolas" panose="020B0609020204030204" pitchFamily="49" charset="0"/>
+              </a:rPr>
+              <a:t>	if </a:t>
+            </a:r>
+            <a:r>
+              <a:rPr lang="en-US" sz="3200" dirty="0" err="1">
+                <a:latin typeface="Consolas" panose="020B0609020204030204" pitchFamily="49" charset="0"/>
+                <a:cs typeface="Consolas" panose="020B0609020204030204" pitchFamily="49" charset="0"/>
+              </a:rPr>
+              <a:t>beepers_present</a:t>
+            </a:r>
+            <a:r>
+              <a:rPr lang="en-US" sz="3200" dirty="0">
+                <a:latin typeface="Consolas" panose="020B0609020204030204" pitchFamily="49" charset="0"/>
+                <a:cs typeface="Consolas" panose="020B0609020204030204" pitchFamily="49" charset="0"/>
+              </a:rPr>
+              <a:t>():</a:t>
+            </a:r>
+          </a:p>
+          <a:p>
+            <a:pPr marL="0" indent="0">
+              <a:spcBef>
+                <a:spcPts val="0"/>
+              </a:spcBef>
+              <a:buNone/>
+            </a:pPr>
+            <a:r>
+              <a:rPr lang="en-US" sz="3200" dirty="0">
+                <a:latin typeface="Consolas" panose="020B0609020204030204" pitchFamily="49" charset="0"/>
+                <a:cs typeface="Consolas" panose="020B0609020204030204" pitchFamily="49" charset="0"/>
+              </a:rPr>
+              <a:t>		</a:t>
+            </a:r>
+            <a:r>
+              <a:rPr lang="en-US" sz="3200" dirty="0" err="1">
+                <a:latin typeface="Consolas" panose="020B0609020204030204" pitchFamily="49" charset="0"/>
+                <a:cs typeface="Consolas" panose="020B0609020204030204" pitchFamily="49" charset="0"/>
+              </a:rPr>
+              <a:t>pick_beeper</a:t>
+            </a:r>
+            <a:r>
+              <a:rPr lang="en-US" sz="3200" dirty="0">
+                <a:latin typeface="Consolas" panose="020B0609020204030204" pitchFamily="49" charset="0"/>
+                <a:cs typeface="Consolas" panose="020B0609020204030204" pitchFamily="49" charset="0"/>
+              </a:rPr>
+              <a:t>()</a:t>
+            </a:r>
+          </a:p>
+          <a:p>
+            <a:pPr marL="0" indent="0">
+              <a:spcBef>
+                <a:spcPts val="0"/>
+              </a:spcBef>
+              <a:buNone/>
+            </a:pPr>
+            <a:r>
+              <a:rPr lang="en-US" sz="3200" dirty="0">
+                <a:latin typeface="Consolas" panose="020B0609020204030204" pitchFamily="49" charset="0"/>
+                <a:cs typeface="Consolas" panose="020B0609020204030204" pitchFamily="49" charset="0"/>
+              </a:rPr>
+              <a:t>	else:</a:t>
+            </a:r>
+          </a:p>
+          <a:p>
+            <a:pPr marL="0" indent="0">
+              <a:spcBef>
+                <a:spcPts val="0"/>
+              </a:spcBef>
+              <a:buNone/>
+            </a:pPr>
+            <a:r>
+              <a:rPr lang="en-US" sz="3200" dirty="0">
+                <a:latin typeface="Consolas" panose="020B0609020204030204" pitchFamily="49" charset="0"/>
+                <a:cs typeface="Consolas" panose="020B0609020204030204" pitchFamily="49" charset="0"/>
+              </a:rPr>
+              <a:t>		</a:t>
+            </a:r>
+            <a:r>
+              <a:rPr lang="en-US" sz="3200" dirty="0" err="1">
+                <a:latin typeface="Consolas" panose="020B0609020204030204" pitchFamily="49" charset="0"/>
+                <a:cs typeface="Consolas" panose="020B0609020204030204" pitchFamily="49" charset="0"/>
+              </a:rPr>
+              <a:t>put_beeper</a:t>
+            </a:r>
+            <a:r>
+              <a:rPr lang="en-US" sz="3200" dirty="0">
+                <a:latin typeface="Consolas" panose="020B0609020204030204" pitchFamily="49" charset="0"/>
+                <a:cs typeface="Consolas" panose="020B0609020204030204" pitchFamily="49" charset="0"/>
+              </a:rPr>
+              <a:t>()</a:t>
+            </a:r>
+          </a:p>
+        </p:txBody>
+      </p:sp>
+    </p:spTree>
+    <p:extLst>
+      <p:ext uri="{BB962C8B-B14F-4D97-AF65-F5344CB8AC3E}">
+        <p14:creationId xmlns:p14="http://schemas.microsoft.com/office/powerpoint/2010/main" val="2594301146"/>
+      </p:ext>
+    </p:extLst>
+  </p:cSld>
+  <p:clrMapOvr>
+    <a:masterClrMapping/>
+  </p:clrMapOvr>
+</p:sld>
+</file>
+
+<file path=ppt/slides/slide11.xml><?xml version="1.0" encoding="utf-8"?>
+<p:sld xmlns:a="http://schemas.openxmlformats.org/drawingml/2006/main" xmlns:r="http://schemas.openxmlformats.org/officeDocument/2006/relationships" xmlns:p="http://schemas.openxmlformats.org/presentationml/2006/main">
+  <p:cSld>
+    <p:spTree>
+      <p:nvGrpSpPr>
+        <p:cNvPr id="1" name=""/>
+        <p:cNvGrpSpPr/>
+        <p:nvPr/>
+      </p:nvGrpSpPr>
+      <p:grpSpPr>
+        <a:xfrm>
+          <a:off x="0" y="0"/>
+          <a:ext cx="0" cy="0"/>
+          <a:chOff x="0" y="0"/>
+          <a:chExt cx="0" cy="0"/>
+        </a:xfrm>
+      </p:grpSpPr>
+      <p:sp>
+        <p:nvSpPr>
+          <p:cNvPr id="2" name="Title 1">
+            <a:extLst>
+              <a:ext uri="{FF2B5EF4-FFF2-40B4-BE49-F238E27FC236}">
+                <a16:creationId xmlns:a16="http://schemas.microsoft.com/office/drawing/2014/main" id="{1D892134-3AD6-BB46-BE38-59454E950C8D}"/>
+              </a:ext>
+            </a:extLst>
+          </p:cNvPr>
+          <p:cNvSpPr>
+            <a:spLocks noGrp="1"/>
+          </p:cNvSpPr>
+          <p:nvPr>
+            <p:ph type="title"/>
+          </p:nvPr>
+        </p:nvSpPr>
+        <p:spPr/>
+        <p:txBody>
+          <a:bodyPr/>
+          <a:lstStyle/>
+          <a:p>
+            <a:r>
+              <a:rPr lang="en-US" dirty="0"/>
+              <a:t>If/Else Statements and Indentation</a:t>
+            </a:r>
+          </a:p>
+        </p:txBody>
+      </p:sp>
+      <p:sp>
+        <p:nvSpPr>
+          <p:cNvPr id="4" name="Rectangle 3">
+            <a:extLst>
+              <a:ext uri="{FF2B5EF4-FFF2-40B4-BE49-F238E27FC236}">
+                <a16:creationId xmlns:a16="http://schemas.microsoft.com/office/drawing/2014/main" id="{C1D5E845-2B28-684E-9C4F-D0521A32374F}"/>
+              </a:ext>
+            </a:extLst>
+          </p:cNvPr>
+          <p:cNvSpPr txBox="1">
+            <a:spLocks noChangeArrowheads="1"/>
+          </p:cNvSpPr>
+          <p:nvPr/>
+        </p:nvSpPr>
+        <p:spPr bwMode="auto">
+          <a:xfrm>
+            <a:off x="457200" y="1447800"/>
+            <a:ext cx="8670925" cy="5049837"/>
+          </a:xfrm>
+          <a:prstGeom prst="rect">
+            <a:avLst/>
+          </a:prstGeom>
+          <a:noFill/>
+          <a:ln>
+            <a:noFill/>
+          </a:ln>
+          <a:effectLst/>
+          <a:extLst>
+            <a:ext uri="{909E8E84-426E-40DD-AFC4-6F175D3DCCD1}">
+              <a14:hiddenFill xmlns:a14="http://schemas.microsoft.com/office/drawing/2010/main">
+                <a:solidFill>
+                  <a:schemeClr val="accent1"/>
+                </a:solidFill>
+              </a14:hiddenFill>
+            </a:ext>
+            <a:ext uri="{91240B29-F687-4F45-9708-019B960494DF}">
+              <a14:hiddenLine xmlns:a14="http://schemas.microsoft.com/office/drawing/2010/main" w="9525">
+                <a:solidFill>
+                  <a:schemeClr val="tx1"/>
+                </a:solidFill>
+                <a:miter lim="800000"/>
+                <a:headEnd/>
+                <a:tailEnd/>
+              </a14:hiddenLine>
+            </a:ext>
+            <a:ext uri="{AF507438-7753-43E0-B8FC-AC1667EBCBE1}">
+              <a14:hiddenEffects xmlns:a14="http://schemas.microsoft.com/office/drawing/2010/main">
+                <a:effectLst>
+                  <a:outerShdw blurRad="63500" dist="38099" dir="2700000" algn="ctr" rotWithShape="0">
+                    <a:schemeClr val="bg2">
+                      <a:alpha val="74998"/>
+                    </a:schemeClr>
+                  </a:outerShdw>
+                </a:effectLst>
+              </a14:hiddenEffects>
+            </a:ext>
+            <a:ext uri="{FAA26D3D-D897-4be2-8F04-BA451C77F1D7}">
+              <ma14:placeholderFlag xmlns="" xmlns:ma14="http://schemas.microsoft.com/office/mac/drawingml/2011/main" val="1"/>
+            </a:ext>
+          </a:extLst>
+        </p:spPr>
+        <p:txBody>
+          <a:bodyPr vert="horz" wrap="square" lIns="90487" tIns="44450" rIns="90487" bIns="44450" numCol="1" anchor="t" anchorCtr="0" compatLnSpc="1">
+            <a:prstTxWarp prst="textNoShape">
+              <a:avLst/>
+            </a:prstTxWarp>
+          </a:bodyPr>
+          <a:lstStyle>
+            <a:lvl1pPr marL="228600" indent="-228600" algn="l" defTabSz="914400" rtl="0" eaLnBrk="1" latinLnBrk="0" hangingPunct="1">
+              <a:lnSpc>
+                <a:spcPct val="90000"/>
+              </a:lnSpc>
+              <a:spcBef>
+                <a:spcPts val="1000"/>
+              </a:spcBef>
+              <a:buFont typeface="Arial" panose="020B0604020202020204" pitchFamily="34" charset="0"/>
+              <a:buChar char="•"/>
+              <a:defRPr sz="2800" kern="1200">
+                <a:solidFill>
+                  <a:schemeClr val="tx1"/>
+                </a:solidFill>
+                <a:latin typeface="+mn-lt"/>
+                <a:ea typeface="+mn-ea"/>
+                <a:cs typeface="+mn-cs"/>
+              </a:defRPr>
+            </a:lvl1pPr>
+            <a:lvl2pPr marL="685800" indent="-228600" algn="l" defTabSz="914400" rtl="0" eaLnBrk="1" latinLnBrk="0" hangingPunct="1">
+              <a:lnSpc>
+                <a:spcPct val="90000"/>
+              </a:lnSpc>
+              <a:spcBef>
+                <a:spcPts val="500"/>
+              </a:spcBef>
+              <a:buFont typeface="Arial" panose="020B0604020202020204" pitchFamily="34" charset="0"/>
+              <a:buChar char="•"/>
+              <a:defRPr sz="2400" kern="1200">
+                <a:solidFill>
+                  <a:schemeClr val="tx1"/>
+                </a:solidFill>
+                <a:latin typeface="+mn-lt"/>
+                <a:ea typeface="+mn-ea"/>
+                <a:cs typeface="+mn-cs"/>
+              </a:defRPr>
+            </a:lvl2pPr>
+            <a:lvl3pPr marL="1143000" indent="-228600" algn="l" defTabSz="914400" rtl="0" eaLnBrk="1" latinLnBrk="0" hangingPunct="1">
+              <a:lnSpc>
+                <a:spcPct val="90000"/>
+              </a:lnSpc>
+              <a:spcBef>
+                <a:spcPts val="500"/>
+              </a:spcBef>
+              <a:buFont typeface="Arial" panose="020B0604020202020204" pitchFamily="34" charset="0"/>
+              <a:buChar char="•"/>
+              <a:defRPr sz="2000" kern="1200">
+                <a:solidFill>
+                  <a:schemeClr val="tx1"/>
+                </a:solidFill>
+                <a:latin typeface="+mn-lt"/>
+                <a:ea typeface="+mn-ea"/>
+                <a:cs typeface="+mn-cs"/>
+              </a:defRPr>
+            </a:lvl3pPr>
+            <a:lvl4pPr marL="1600200" indent="-228600" algn="l" defTabSz="914400" rtl="0" eaLnBrk="1" latinLnBrk="0" hangingPunct="1">
+              <a:lnSpc>
+                <a:spcPct val="90000"/>
+              </a:lnSpc>
+              <a:spcBef>
+                <a:spcPts val="500"/>
+              </a:spcBef>
+              <a:buFont typeface="Arial" panose="020B0604020202020204" pitchFamily="34" charset="0"/>
+              <a:buChar char="•"/>
+              <a:defRPr sz="1800" kern="1200">
+                <a:solidFill>
+                  <a:schemeClr val="tx1"/>
+                </a:solidFill>
+                <a:latin typeface="+mn-lt"/>
+                <a:ea typeface="+mn-ea"/>
+                <a:cs typeface="+mn-cs"/>
+              </a:defRPr>
+            </a:lvl4pPr>
+            <a:lvl5pPr marL="2057400" indent="-228600" algn="l" defTabSz="914400" rtl="0" eaLnBrk="1" latinLnBrk="0" hangingPunct="1">
+              <a:lnSpc>
+                <a:spcPct val="90000"/>
+              </a:lnSpc>
+              <a:spcBef>
+                <a:spcPts val="500"/>
+              </a:spcBef>
+              <a:buFont typeface="Arial" panose="020B0604020202020204" pitchFamily="34" charset="0"/>
+              <a:buChar char="•"/>
+              <a:defRPr sz="1800" kern="1200">
+                <a:solidFill>
+                  <a:schemeClr val="tx1"/>
+                </a:solidFill>
+                <a:latin typeface="+mn-lt"/>
+                <a:ea typeface="+mn-ea"/>
+                <a:cs typeface="+mn-cs"/>
+              </a:defRPr>
+            </a:lvl5pPr>
+            <a:lvl6pPr marL="2514600" indent="-228600" algn="l" defTabSz="914400" rtl="0" eaLnBrk="1" latinLnBrk="0" hangingPunct="1">
+              <a:lnSpc>
+                <a:spcPct val="90000"/>
+              </a:lnSpc>
+              <a:spcBef>
+                <a:spcPts val="500"/>
+              </a:spcBef>
+              <a:buFont typeface="Arial" panose="020B0604020202020204" pitchFamily="34" charset="0"/>
+              <a:buChar char="•"/>
+              <a:defRPr sz="1800" kern="1200">
+                <a:solidFill>
+                  <a:schemeClr val="tx1"/>
+                </a:solidFill>
+                <a:latin typeface="+mn-lt"/>
+                <a:ea typeface="+mn-ea"/>
+                <a:cs typeface="+mn-cs"/>
+              </a:defRPr>
+            </a:lvl6pPr>
+            <a:lvl7pPr marL="2971800" indent="-228600" algn="l" defTabSz="914400" rtl="0" eaLnBrk="1" latinLnBrk="0" hangingPunct="1">
+              <a:lnSpc>
+                <a:spcPct val="90000"/>
+              </a:lnSpc>
+              <a:spcBef>
+                <a:spcPts val="500"/>
+              </a:spcBef>
+              <a:buFont typeface="Arial" panose="020B0604020202020204" pitchFamily="34" charset="0"/>
+              <a:buChar char="•"/>
+              <a:defRPr sz="1800" kern="1200">
+                <a:solidFill>
+                  <a:schemeClr val="tx1"/>
+                </a:solidFill>
+                <a:latin typeface="+mn-lt"/>
+                <a:ea typeface="+mn-ea"/>
+                <a:cs typeface="+mn-cs"/>
+              </a:defRPr>
+            </a:lvl7pPr>
+            <a:lvl8pPr marL="3429000" indent="-228600" algn="l" defTabSz="914400" rtl="0" eaLnBrk="1" latinLnBrk="0" hangingPunct="1">
+              <a:lnSpc>
+                <a:spcPct val="90000"/>
+              </a:lnSpc>
+              <a:spcBef>
+                <a:spcPts val="500"/>
+              </a:spcBef>
+              <a:buFont typeface="Arial" panose="020B0604020202020204" pitchFamily="34" charset="0"/>
+              <a:buChar char="•"/>
+              <a:defRPr sz="1800" kern="1200">
+                <a:solidFill>
+                  <a:schemeClr val="tx1"/>
+                </a:solidFill>
+                <a:latin typeface="+mn-lt"/>
+                <a:ea typeface="+mn-ea"/>
+                <a:cs typeface="+mn-cs"/>
+              </a:defRPr>
+            </a:lvl8pPr>
+            <a:lvl9pPr marL="3886200" indent="-228600" algn="l" defTabSz="914400" rtl="0" eaLnBrk="1" latinLnBrk="0" hangingPunct="1">
+              <a:lnSpc>
+                <a:spcPct val="90000"/>
+              </a:lnSpc>
+              <a:spcBef>
+                <a:spcPts val="500"/>
+              </a:spcBef>
+              <a:buFont typeface="Arial" panose="020B0604020202020204" pitchFamily="34" charset="0"/>
+              <a:buChar char="•"/>
+              <a:defRPr sz="1800" kern="1200">
+                <a:solidFill>
+                  <a:schemeClr val="tx1"/>
+                </a:solidFill>
+                <a:latin typeface="+mn-lt"/>
+                <a:ea typeface="+mn-ea"/>
+                <a:cs typeface="+mn-cs"/>
+              </a:defRPr>
+            </a:lvl9pPr>
+          </a:lstStyle>
+          <a:p>
+            <a:pPr>
+              <a:spcBef>
+                <a:spcPct val="0"/>
+              </a:spcBef>
+              <a:buClr>
+                <a:schemeClr val="bg2"/>
+              </a:buClr>
+              <a:buFontTx/>
+              <a:buNone/>
+            </a:pPr>
+            <a:r>
+              <a:rPr lang="en-US" altLang="en-US" b="1" dirty="0">
+                <a:latin typeface="Courier New" panose="02070309020205020404" pitchFamily="49" charset="0"/>
+              </a:rPr>
+              <a:t>	if </a:t>
+            </a:r>
+            <a:r>
+              <a:rPr lang="en-US" altLang="en-US" b="1" i="1" u="sng" dirty="0">
+                <a:latin typeface="Times New Roman" panose="02020603050405020304" pitchFamily="18" charset="0"/>
+              </a:rPr>
+              <a:t>condition</a:t>
+            </a:r>
+            <a:r>
+              <a:rPr lang="en-US" altLang="en-US" b="1" dirty="0">
+                <a:latin typeface="Courier New" panose="02070309020205020404" pitchFamily="49" charset="0"/>
+              </a:rPr>
+              <a:t>:</a:t>
+            </a:r>
+          </a:p>
+          <a:p>
+            <a:pPr>
+              <a:spcBef>
+                <a:spcPct val="0"/>
+              </a:spcBef>
+              <a:buClr>
+                <a:schemeClr val="bg2"/>
+              </a:buClr>
+              <a:buFont typeface="Arial" panose="020B0604020202020204" pitchFamily="34" charset="0"/>
+              <a:buNone/>
+            </a:pPr>
+            <a:r>
+              <a:rPr lang="en-US" altLang="en-US" b="1" i="1" dirty="0">
+                <a:latin typeface="Courier New" panose="02070309020205020404" pitchFamily="49" charset="0"/>
+              </a:rPr>
+              <a:t>	    </a:t>
+            </a:r>
+            <a:r>
+              <a:rPr lang="en-US" altLang="en-US" b="1" i="1" dirty="0">
+                <a:latin typeface="Times New Roman" panose="02020603050405020304" pitchFamily="18" charset="0"/>
+              </a:rPr>
+              <a:t>statements</a:t>
+            </a:r>
+            <a:r>
+              <a:rPr lang="en-US" altLang="en-US" b="1" dirty="0">
+                <a:latin typeface="Courier New" panose="02070309020205020404" pitchFamily="49" charset="0"/>
+              </a:rPr>
+              <a:t>		  # note indenting</a:t>
+            </a:r>
+            <a:endParaRPr lang="en-US" altLang="en-US" b="1" i="1" dirty="0">
+              <a:latin typeface="Times New Roman" panose="02020603050405020304" pitchFamily="18" charset="0"/>
+            </a:endParaRPr>
+          </a:p>
+          <a:p>
+            <a:pPr>
+              <a:spcBef>
+                <a:spcPct val="0"/>
+              </a:spcBef>
+              <a:buClr>
+                <a:schemeClr val="bg2"/>
+              </a:buClr>
+              <a:buFontTx/>
+              <a:buNone/>
+            </a:pPr>
+            <a:r>
+              <a:rPr lang="en-US" altLang="en-US" b="1" dirty="0">
+                <a:latin typeface="Courier New" panose="02070309020205020404" pitchFamily="49" charset="0"/>
+              </a:rPr>
+              <a:t>	else:</a:t>
+            </a:r>
+          </a:p>
+          <a:p>
+            <a:pPr>
+              <a:spcBef>
+                <a:spcPct val="0"/>
+              </a:spcBef>
+              <a:buClr>
+                <a:schemeClr val="bg2"/>
+              </a:buClr>
+              <a:buFont typeface="Arial" panose="020B0604020202020204" pitchFamily="34" charset="0"/>
+              <a:buNone/>
+            </a:pPr>
+            <a:r>
+              <a:rPr lang="en-US" altLang="en-US" b="1" dirty="0">
+                <a:latin typeface="Courier New" panose="02070309020205020404" pitchFamily="49" charset="0"/>
+              </a:rPr>
+              <a:t>	    </a:t>
+            </a:r>
+            <a:r>
+              <a:rPr lang="en-US" altLang="en-US" b="1" i="1" dirty="0">
+                <a:latin typeface="Times New Roman" panose="02020603050405020304" pitchFamily="18" charset="0"/>
+              </a:rPr>
+              <a:t>statements</a:t>
+            </a:r>
+            <a:r>
+              <a:rPr lang="en-US" altLang="en-US" b="1" dirty="0">
+                <a:latin typeface="Courier New" panose="02070309020205020404" pitchFamily="49" charset="0"/>
+              </a:rPr>
+              <a:t>		  # note indenting</a:t>
+            </a:r>
+            <a:endParaRPr lang="en-US" altLang="en-US" b="1" i="1" dirty="0">
+              <a:latin typeface="Times New Roman" panose="02020603050405020304" pitchFamily="18" charset="0"/>
+            </a:endParaRPr>
+          </a:p>
+          <a:p>
+            <a:pPr>
+              <a:spcBef>
+                <a:spcPct val="0"/>
+              </a:spcBef>
+              <a:buClr>
+                <a:schemeClr val="bg2"/>
+              </a:buClr>
+              <a:buFontTx/>
+              <a:buNone/>
+            </a:pPr>
+            <a:endParaRPr lang="en-US" altLang="en-US" b="1" dirty="0">
+              <a:latin typeface="Courier New" panose="02070309020205020404" pitchFamily="49" charset="0"/>
+            </a:endParaRPr>
+          </a:p>
+          <a:p>
+            <a:pPr>
+              <a:spcBef>
+                <a:spcPct val="0"/>
+              </a:spcBef>
+              <a:buClr>
+                <a:schemeClr val="bg2"/>
+              </a:buClr>
+              <a:buFontTx/>
+              <a:buNone/>
+            </a:pPr>
+            <a:endParaRPr lang="en-US" altLang="en-US" b="1" dirty="0">
+              <a:latin typeface="Courier New" panose="02070309020205020404" pitchFamily="49" charset="0"/>
+            </a:endParaRPr>
+          </a:p>
+          <a:p>
+            <a:pPr>
+              <a:spcBef>
+                <a:spcPct val="0"/>
+              </a:spcBef>
+              <a:buClr>
+                <a:schemeClr val="bg2"/>
+              </a:buClr>
+              <a:buFontTx/>
+              <a:buNone/>
+            </a:pPr>
+            <a:r>
+              <a:rPr lang="en-US" altLang="en-US" b="1" dirty="0">
+                <a:latin typeface="Courier New" panose="02070309020205020404" pitchFamily="49" charset="0"/>
+              </a:rPr>
+              <a:t>	def </a:t>
+            </a:r>
+            <a:r>
+              <a:rPr lang="en-US" altLang="en-US" b="1" dirty="0" err="1">
+                <a:latin typeface="Courier New" panose="02070309020205020404" pitchFamily="49" charset="0"/>
+              </a:rPr>
+              <a:t>invert_beepers</a:t>
+            </a:r>
+            <a:r>
+              <a:rPr lang="en-US" altLang="en-US" b="1" dirty="0">
+                <a:latin typeface="Courier New" panose="02070309020205020404" pitchFamily="49" charset="0"/>
+              </a:rPr>
+              <a:t>():</a:t>
+            </a:r>
+          </a:p>
+          <a:p>
+            <a:pPr>
+              <a:spcBef>
+                <a:spcPct val="0"/>
+              </a:spcBef>
+              <a:buClr>
+                <a:schemeClr val="bg2"/>
+              </a:buClr>
+              <a:buFontTx/>
+              <a:buNone/>
+            </a:pPr>
+            <a:r>
+              <a:rPr lang="en-US" altLang="en-US" b="1" dirty="0">
+                <a:latin typeface="Courier New" panose="02070309020205020404" pitchFamily="49" charset="0"/>
+              </a:rPr>
+              <a:t>	    if </a:t>
+            </a:r>
+            <a:r>
+              <a:rPr lang="en-US" altLang="en-US" b="1" dirty="0" err="1">
+                <a:latin typeface="Courier New" panose="02070309020205020404" pitchFamily="49" charset="0"/>
+              </a:rPr>
+              <a:t>beepers_present</a:t>
+            </a:r>
+            <a:r>
+              <a:rPr lang="en-US" altLang="en-US" b="1" dirty="0">
+                <a:latin typeface="Courier New" panose="02070309020205020404" pitchFamily="49" charset="0"/>
+              </a:rPr>
+              <a:t>():</a:t>
+            </a:r>
+          </a:p>
+          <a:p>
+            <a:pPr>
+              <a:spcBef>
+                <a:spcPct val="0"/>
+              </a:spcBef>
+              <a:buClr>
+                <a:schemeClr val="bg2"/>
+              </a:buClr>
+              <a:buFontTx/>
+              <a:buNone/>
+            </a:pPr>
+            <a:r>
+              <a:rPr lang="en-US" altLang="en-US" b="1" dirty="0">
+                <a:latin typeface="Courier New" panose="02070309020205020404" pitchFamily="49" charset="0"/>
+              </a:rPr>
+              <a:t>	        </a:t>
+            </a:r>
+            <a:r>
+              <a:rPr lang="en-US" altLang="en-US" b="1" dirty="0" err="1">
+                <a:latin typeface="Courier New" panose="02070309020205020404" pitchFamily="49" charset="0"/>
+              </a:rPr>
+              <a:t>pick_beeper</a:t>
+            </a:r>
+            <a:r>
+              <a:rPr lang="en-US" altLang="en-US" b="1" dirty="0">
+                <a:latin typeface="Courier New" panose="02070309020205020404" pitchFamily="49" charset="0"/>
+              </a:rPr>
+              <a:t>() # note indenting</a:t>
+            </a:r>
+          </a:p>
+          <a:p>
+            <a:pPr>
+              <a:spcBef>
+                <a:spcPct val="0"/>
+              </a:spcBef>
+              <a:buClr>
+                <a:schemeClr val="bg2"/>
+              </a:buClr>
+              <a:buFontTx/>
+              <a:buNone/>
+            </a:pPr>
+            <a:r>
+              <a:rPr lang="en-US" altLang="en-US" b="1" dirty="0">
+                <a:latin typeface="Courier New" panose="02070309020205020404" pitchFamily="49" charset="0"/>
+              </a:rPr>
+              <a:t>	    else:</a:t>
+            </a:r>
+          </a:p>
+          <a:p>
+            <a:pPr>
+              <a:spcBef>
+                <a:spcPct val="0"/>
+              </a:spcBef>
+              <a:buClr>
+                <a:schemeClr val="bg2"/>
+              </a:buClr>
+              <a:buFont typeface="Arial" panose="020B0604020202020204" pitchFamily="34" charset="0"/>
+              <a:buNone/>
+            </a:pPr>
+            <a:r>
+              <a:rPr lang="en-US" altLang="en-US" b="1" dirty="0">
+                <a:latin typeface="Courier New" panose="02070309020205020404" pitchFamily="49" charset="0"/>
+              </a:rPr>
+              <a:t>	        </a:t>
+            </a:r>
+            <a:r>
+              <a:rPr lang="en-US" altLang="en-US" b="1" dirty="0" err="1">
+                <a:latin typeface="Courier New" panose="02070309020205020404" pitchFamily="49" charset="0"/>
+              </a:rPr>
+              <a:t>put_beeper</a:t>
+            </a:r>
+            <a:r>
+              <a:rPr lang="en-US" altLang="en-US" b="1" dirty="0">
+                <a:latin typeface="Courier New" panose="02070309020205020404" pitchFamily="49" charset="0"/>
+              </a:rPr>
+              <a:t>()  # note indenting</a:t>
+            </a:r>
+          </a:p>
+          <a:p>
+            <a:pPr>
+              <a:spcBef>
+                <a:spcPct val="0"/>
+              </a:spcBef>
+              <a:buClr>
+                <a:schemeClr val="bg2"/>
+              </a:buClr>
+              <a:buFontTx/>
+              <a:buNone/>
+            </a:pPr>
+            <a:endParaRPr lang="en-US" altLang="en-US" b="1" dirty="0">
+              <a:latin typeface="Courier New" panose="02070309020205020404" pitchFamily="49" charset="0"/>
+            </a:endParaRPr>
+          </a:p>
+          <a:p>
+            <a:pPr>
+              <a:spcBef>
+                <a:spcPct val="0"/>
+              </a:spcBef>
+              <a:buClr>
+                <a:schemeClr val="bg2"/>
+              </a:buClr>
+              <a:buFontTx/>
+              <a:buNone/>
+            </a:pPr>
+            <a:endParaRPr lang="en-US" altLang="en-US" b="1" dirty="0">
+              <a:latin typeface="Courier New" panose="02070309020205020404" pitchFamily="49" charset="0"/>
+            </a:endParaRPr>
+          </a:p>
+          <a:p>
+            <a:pPr>
+              <a:spcBef>
+                <a:spcPct val="0"/>
+              </a:spcBef>
+              <a:buClr>
+                <a:schemeClr val="bg2"/>
+              </a:buClr>
+              <a:buFontTx/>
+              <a:buNone/>
+            </a:pPr>
+            <a:endParaRPr lang="en-US" altLang="en-US" b="1" dirty="0">
+              <a:latin typeface="Courier New" panose="02070309020205020404" pitchFamily="49" charset="0"/>
+            </a:endParaRPr>
+          </a:p>
+          <a:p>
+            <a:pPr>
+              <a:spcBef>
+                <a:spcPct val="0"/>
+              </a:spcBef>
+              <a:buClr>
+                <a:schemeClr val="bg2"/>
+              </a:buClr>
+              <a:buFontTx/>
+              <a:buNone/>
+            </a:pPr>
+            <a:endParaRPr lang="en-US" altLang="en-US" b="1" dirty="0">
+              <a:latin typeface="Courier New" panose="02070309020205020404" pitchFamily="49" charset="0"/>
+            </a:endParaRPr>
+          </a:p>
+        </p:txBody>
+      </p:sp>
+      <p:cxnSp>
+        <p:nvCxnSpPr>
+          <p:cNvPr id="5" name="Straight Connector 4">
+            <a:extLst>
+              <a:ext uri="{FF2B5EF4-FFF2-40B4-BE49-F238E27FC236}">
+                <a16:creationId xmlns:a16="http://schemas.microsoft.com/office/drawing/2014/main" id="{DA49CF30-6EF9-6448-8B10-9C480DE2AE2B}"/>
+              </a:ext>
+            </a:extLst>
+          </p:cNvPr>
+          <p:cNvCxnSpPr>
+            <a:cxnSpLocks noChangeShapeType="1"/>
+          </p:cNvCxnSpPr>
+          <p:nvPr/>
+        </p:nvCxnSpPr>
+        <p:spPr bwMode="auto">
+          <a:xfrm>
+            <a:off x="593725" y="3652837"/>
+            <a:ext cx="8305800" cy="0"/>
+          </a:xfrm>
+          <a:prstGeom prst="line">
+            <a:avLst/>
+          </a:prstGeom>
+          <a:noFill/>
+          <a:ln w="38100" algn="ctr">
+            <a:solidFill>
+              <a:schemeClr val="tx1"/>
+            </a:solidFill>
+            <a:round/>
+            <a:headEnd type="none" w="sm" len="sm"/>
+            <a:tailEnd type="none" w="sm" len="sm"/>
+          </a:ln>
+          <a:extLst>
+            <a:ext uri="{909E8E84-426E-40DD-AFC4-6F175D3DCCD1}">
+              <a14:hiddenFill xmlns:a14="http://schemas.microsoft.com/office/drawing/2010/main">
+                <a:noFill/>
+              </a14:hiddenFill>
+            </a:ext>
+          </a:extLst>
+        </p:spPr>
+      </p:cxnSp>
+      <p:sp>
+        <p:nvSpPr>
+          <p:cNvPr id="6" name="Rounded Rectangle 11">
+            <a:extLst>
+              <a:ext uri="{FF2B5EF4-FFF2-40B4-BE49-F238E27FC236}">
+                <a16:creationId xmlns:a16="http://schemas.microsoft.com/office/drawing/2014/main" id="{1BEED91E-2791-014A-B8DA-72AF7995F840}"/>
+              </a:ext>
+            </a:extLst>
+          </p:cNvPr>
+          <p:cNvSpPr/>
+          <p:nvPr/>
+        </p:nvSpPr>
+        <p:spPr>
+          <a:xfrm>
+            <a:off x="743102" y="4130591"/>
+            <a:ext cx="857098" cy="1750844"/>
+          </a:xfrm>
+          <a:prstGeom prst="roundRect">
+            <a:avLst/>
+          </a:prstGeom>
+          <a:solidFill>
+            <a:srgbClr val="1F497D">
+              <a:lumMod val="20000"/>
+              <a:lumOff val="80000"/>
+            </a:srgbClr>
+          </a:solidFill>
+          <a:ln w="9525" cap="flat" cmpd="sng" algn="ctr">
+            <a:noFill/>
+            <a:prstDash val="solid"/>
+          </a:ln>
+          <a:effectLst/>
+        </p:spPr>
+        <p:txBody>
+          <a:bodyPr rtlCol="0" anchor="ctr"/>
+          <a:lstStyle/>
+          <a:p>
+            <a:pPr marL="0" marR="0" lvl="0" indent="0" algn="ctr" defTabSz="914400" rtl="0" eaLnBrk="1" fontAlgn="auto" latinLnBrk="0" hangingPunct="1">
+              <a:lnSpc>
+                <a:spcPct val="100000"/>
+              </a:lnSpc>
+              <a:spcBef>
+                <a:spcPts val="0"/>
+              </a:spcBef>
+              <a:spcAft>
+                <a:spcPts val="0"/>
+              </a:spcAft>
+              <a:buClrTx/>
+              <a:buSzTx/>
+              <a:buFontTx/>
+              <a:buNone/>
+              <a:tabLst/>
+              <a:defRPr/>
+            </a:pPr>
+            <a:endParaRPr kumimoji="0" lang="en-US" sz="1800" b="0" i="0" u="none" strike="noStrike" kern="0" cap="none" spc="0" normalizeH="0" baseline="0" noProof="0" dirty="0">
+              <a:ln>
+                <a:noFill/>
+              </a:ln>
+              <a:effectLst/>
+              <a:uLnTx/>
+              <a:uFillTx/>
+              <a:latin typeface="Calibri"/>
+              <a:ea typeface="+mn-ea"/>
+              <a:cs typeface="+mn-cs"/>
+            </a:endParaRPr>
+          </a:p>
+        </p:txBody>
+      </p:sp>
+      <p:sp>
+        <p:nvSpPr>
+          <p:cNvPr id="7" name="Rounded Rectangle 7">
+            <a:extLst>
+              <a:ext uri="{FF2B5EF4-FFF2-40B4-BE49-F238E27FC236}">
+                <a16:creationId xmlns:a16="http://schemas.microsoft.com/office/drawing/2014/main" id="{1D52B979-61B8-584F-A7D5-84B1088EBBBA}"/>
+              </a:ext>
+            </a:extLst>
+          </p:cNvPr>
+          <p:cNvSpPr/>
+          <p:nvPr/>
+        </p:nvSpPr>
+        <p:spPr>
+          <a:xfrm>
+            <a:off x="1676400" y="4493698"/>
+            <a:ext cx="738438" cy="512315"/>
+          </a:xfrm>
+          <a:prstGeom prst="roundRect">
+            <a:avLst/>
+          </a:prstGeom>
+          <a:solidFill>
+            <a:srgbClr val="9BBB59">
+              <a:lumMod val="20000"/>
+              <a:lumOff val="80000"/>
+            </a:srgbClr>
+          </a:solidFill>
+          <a:ln w="9525" cap="flat" cmpd="sng" algn="ctr">
+            <a:noFill/>
+            <a:prstDash val="solid"/>
+          </a:ln>
+          <a:effectLst/>
+        </p:spPr>
+        <p:txBody>
+          <a:bodyPr rtlCol="0" anchor="ctr"/>
+          <a:lstStyle/>
+          <a:p>
+            <a:pPr marL="0" marR="0" lvl="0" indent="0" algn="ctr" defTabSz="914400" rtl="0" eaLnBrk="1" fontAlgn="auto" latinLnBrk="0" hangingPunct="1">
+              <a:lnSpc>
+                <a:spcPct val="100000"/>
+              </a:lnSpc>
+              <a:spcBef>
+                <a:spcPts val="0"/>
+              </a:spcBef>
+              <a:spcAft>
+                <a:spcPts val="0"/>
+              </a:spcAft>
+              <a:buClrTx/>
+              <a:buSzTx/>
+              <a:buFontTx/>
+              <a:buNone/>
+              <a:tabLst/>
+              <a:defRPr/>
+            </a:pPr>
+            <a:endParaRPr kumimoji="0" lang="en-US" sz="1800" b="0" i="0" u="none" strike="noStrike" kern="0" cap="none" spc="0" normalizeH="0" baseline="0" noProof="0" dirty="0">
+              <a:ln>
+                <a:noFill/>
+              </a:ln>
+              <a:effectLst/>
+              <a:uLnTx/>
+              <a:uFillTx/>
+              <a:latin typeface="Calibri"/>
+              <a:ea typeface="+mn-ea"/>
+              <a:cs typeface="+mn-cs"/>
+            </a:endParaRPr>
+          </a:p>
+        </p:txBody>
+      </p:sp>
+      <p:sp>
+        <p:nvSpPr>
+          <p:cNvPr id="8" name="Rounded Rectangle 11">
+            <a:extLst>
+              <a:ext uri="{FF2B5EF4-FFF2-40B4-BE49-F238E27FC236}">
+                <a16:creationId xmlns:a16="http://schemas.microsoft.com/office/drawing/2014/main" id="{198019F2-5695-6244-B0CD-94FABFDB2BF4}"/>
+              </a:ext>
+            </a:extLst>
+          </p:cNvPr>
+          <p:cNvSpPr/>
+          <p:nvPr/>
+        </p:nvSpPr>
+        <p:spPr>
+          <a:xfrm>
+            <a:off x="806201" y="1867031"/>
+            <a:ext cx="793999" cy="481629"/>
+          </a:xfrm>
+          <a:prstGeom prst="roundRect">
+            <a:avLst/>
+          </a:prstGeom>
+          <a:solidFill>
+            <a:srgbClr val="1F497D">
+              <a:lumMod val="20000"/>
+              <a:lumOff val="80000"/>
+            </a:srgbClr>
+          </a:solidFill>
+          <a:ln w="9525" cap="flat" cmpd="sng" algn="ctr">
+            <a:noFill/>
+            <a:prstDash val="solid"/>
+          </a:ln>
+          <a:effectLst/>
+        </p:spPr>
+        <p:txBody>
+          <a:bodyPr rtlCol="0" anchor="ctr"/>
+          <a:lstStyle/>
+          <a:p>
+            <a:pPr marL="0" marR="0" lvl="0" indent="0" algn="ctr" defTabSz="914400" rtl="0" eaLnBrk="1" fontAlgn="auto" latinLnBrk="0" hangingPunct="1">
+              <a:lnSpc>
+                <a:spcPct val="100000"/>
+              </a:lnSpc>
+              <a:spcBef>
+                <a:spcPts val="0"/>
+              </a:spcBef>
+              <a:spcAft>
+                <a:spcPts val="0"/>
+              </a:spcAft>
+              <a:buClrTx/>
+              <a:buSzTx/>
+              <a:buFontTx/>
+              <a:buNone/>
+              <a:tabLst/>
+              <a:defRPr/>
+            </a:pPr>
+            <a:endParaRPr kumimoji="0" lang="en-US" sz="1800" b="0" i="0" u="none" strike="noStrike" kern="0" cap="none" spc="0" normalizeH="0" baseline="0" noProof="0" dirty="0">
+              <a:ln>
+                <a:noFill/>
+              </a:ln>
+              <a:effectLst/>
+              <a:uLnTx/>
+              <a:uFillTx/>
+              <a:latin typeface="Calibri"/>
+              <a:ea typeface="+mn-ea"/>
+              <a:cs typeface="+mn-cs"/>
+            </a:endParaRPr>
+          </a:p>
+        </p:txBody>
+      </p:sp>
+      <p:sp>
+        <p:nvSpPr>
+          <p:cNvPr id="9" name="Rounded Rectangle 8">
+            <a:extLst>
+              <a:ext uri="{FF2B5EF4-FFF2-40B4-BE49-F238E27FC236}">
+                <a16:creationId xmlns:a16="http://schemas.microsoft.com/office/drawing/2014/main" id="{7A0BD622-99DC-584E-8DAC-ADC1E1F01D79}"/>
+              </a:ext>
+            </a:extLst>
+          </p:cNvPr>
+          <p:cNvSpPr/>
+          <p:nvPr/>
+        </p:nvSpPr>
+        <p:spPr>
+          <a:xfrm>
+            <a:off x="806201" y="2667000"/>
+            <a:ext cx="793999" cy="481629"/>
+          </a:xfrm>
+          <a:prstGeom prst="roundRect">
+            <a:avLst/>
+          </a:prstGeom>
+          <a:solidFill>
+            <a:srgbClr val="1F497D">
+              <a:lumMod val="20000"/>
+              <a:lumOff val="80000"/>
+            </a:srgbClr>
+          </a:solidFill>
+          <a:ln w="9525" cap="flat" cmpd="sng" algn="ctr">
+            <a:noFill/>
+            <a:prstDash val="solid"/>
+          </a:ln>
+          <a:effectLst/>
+        </p:spPr>
+        <p:txBody>
+          <a:bodyPr rtlCol="0" anchor="ctr"/>
+          <a:lstStyle/>
+          <a:p>
+            <a:pPr marL="0" marR="0" lvl="0" indent="0" algn="ctr" defTabSz="914400" rtl="0" eaLnBrk="1" fontAlgn="auto" latinLnBrk="0" hangingPunct="1">
+              <a:lnSpc>
+                <a:spcPct val="100000"/>
+              </a:lnSpc>
+              <a:spcBef>
+                <a:spcPts val="0"/>
+              </a:spcBef>
+              <a:spcAft>
+                <a:spcPts val="0"/>
+              </a:spcAft>
+              <a:buClrTx/>
+              <a:buSzTx/>
+              <a:buFontTx/>
+              <a:buNone/>
+              <a:tabLst/>
+              <a:defRPr/>
+            </a:pPr>
+            <a:endParaRPr kumimoji="0" lang="en-US" sz="1800" b="0" i="0" u="none" strike="noStrike" kern="0" cap="none" spc="0" normalizeH="0" baseline="0" noProof="0" dirty="0">
+              <a:ln>
+                <a:noFill/>
+              </a:ln>
+              <a:effectLst/>
+              <a:uLnTx/>
+              <a:uFillTx/>
+              <a:latin typeface="Calibri"/>
+              <a:ea typeface="+mn-ea"/>
+              <a:cs typeface="+mn-cs"/>
+            </a:endParaRPr>
+          </a:p>
+        </p:txBody>
+      </p:sp>
+      <p:sp>
+        <p:nvSpPr>
+          <p:cNvPr id="10" name="Rounded Rectangle 7">
+            <a:extLst>
+              <a:ext uri="{FF2B5EF4-FFF2-40B4-BE49-F238E27FC236}">
+                <a16:creationId xmlns:a16="http://schemas.microsoft.com/office/drawing/2014/main" id="{DF049780-DA8C-B74D-988B-87A28D52341F}"/>
+              </a:ext>
+            </a:extLst>
+          </p:cNvPr>
+          <p:cNvSpPr/>
+          <p:nvPr/>
+        </p:nvSpPr>
+        <p:spPr>
+          <a:xfrm>
+            <a:off x="1676400" y="5334000"/>
+            <a:ext cx="738438" cy="512315"/>
+          </a:xfrm>
+          <a:prstGeom prst="roundRect">
+            <a:avLst/>
+          </a:prstGeom>
+          <a:solidFill>
+            <a:srgbClr val="9BBB59">
+              <a:lumMod val="20000"/>
+              <a:lumOff val="80000"/>
+            </a:srgbClr>
+          </a:solidFill>
+          <a:ln w="9525" cap="flat" cmpd="sng" algn="ctr">
+            <a:noFill/>
+            <a:prstDash val="solid"/>
+          </a:ln>
+          <a:effectLst/>
+        </p:spPr>
+        <p:txBody>
+          <a:bodyPr rtlCol="0" anchor="ctr"/>
+          <a:lstStyle/>
+          <a:p>
+            <a:pPr marL="0" marR="0" lvl="0" indent="0" algn="ctr" defTabSz="914400" rtl="0" eaLnBrk="1" fontAlgn="auto" latinLnBrk="0" hangingPunct="1">
+              <a:lnSpc>
+                <a:spcPct val="100000"/>
+              </a:lnSpc>
+              <a:spcBef>
+                <a:spcPts val="0"/>
+              </a:spcBef>
+              <a:spcAft>
+                <a:spcPts val="0"/>
+              </a:spcAft>
+              <a:buClrTx/>
+              <a:buSzTx/>
+              <a:buFontTx/>
+              <a:buNone/>
+              <a:tabLst/>
+              <a:defRPr/>
+            </a:pPr>
+            <a:endParaRPr kumimoji="0" lang="en-US" sz="1800" b="0" i="0" u="none" strike="noStrike" kern="0" cap="none" spc="0" normalizeH="0" baseline="0" noProof="0" dirty="0">
+              <a:ln>
+                <a:noFill/>
+              </a:ln>
+              <a:effectLst/>
+              <a:uLnTx/>
+              <a:uFillTx/>
+              <a:latin typeface="Calibri"/>
+              <a:ea typeface="+mn-ea"/>
+              <a:cs typeface="+mn-cs"/>
+            </a:endParaRPr>
+          </a:p>
+        </p:txBody>
+      </p:sp>
+    </p:spTree>
+    <p:extLst>
+      <p:ext uri="{BB962C8B-B14F-4D97-AF65-F5344CB8AC3E}">
+        <p14:creationId xmlns:p14="http://schemas.microsoft.com/office/powerpoint/2010/main" val="2409565355"/>
+      </p:ext>
+    </p:extLst>
+  </p:cSld>
+  <p:clrMapOvr>
+    <a:masterClrMapping/>
+  </p:clrMapOvr>
+  <p:timing>
+    <p:tnLst>
+      <p:par>
+        <p:cTn id="1" dur="indefinite" restart="never" nodeType="tmRoot">
+          <p:childTnLst>
+            <p:seq concurrent="1" nextAc="seek">
+              <p:cTn id="2" dur="indefinite" nodeType="mainSeq">
+                <p:childTnLst>
+                  <p:par>
+                    <p:cTn id="3" fill="hold">
+                      <p:stCondLst>
+                        <p:cond delay="indefinite"/>
+                      </p:stCondLst>
+                      <p:childTnLst>
+                        <p:par>
+                          <p:cTn id="4" fill="hold">
+                            <p:stCondLst>
+                              <p:cond delay="0"/>
+                            </p:stCondLst>
+                            <p:childTnLst>
+                              <p:par>
+                                <p:cTn id="5" presetID="1" presetClass="entr" presetSubtype="0" fill="hold" nodeType="clickEffect">
+                                  <p:stCondLst>
+                                    <p:cond delay="0"/>
+                                  </p:stCondLst>
+                                  <p:childTnLst>
+                                    <p:set>
+                                      <p:cBhvr>
+                                        <p:cTn id="6" dur="1" fill="hold">
+                                          <p:stCondLst>
+                                            <p:cond delay="0"/>
+                                          </p:stCondLst>
+                                        </p:cTn>
+                                        <p:tgtEl>
+                                          <p:spTgt spid="4">
+                                            <p:txEl>
+                                              <p:pRg st="0" end="0"/>
+                                            </p:txEl>
+                                          </p:spTgt>
+                                        </p:tgtEl>
+                                        <p:attrNameLst>
+                                          <p:attrName>style.visibility</p:attrName>
+                                        </p:attrNameLst>
+                                      </p:cBhvr>
+                                      <p:to>
+                                        <p:strVal val="visible"/>
+                                      </p:to>
+                                    </p:set>
+                                  </p:childTnLst>
+                                </p:cTn>
+                              </p:par>
+                            </p:childTnLst>
+                          </p:cTn>
+                        </p:par>
+                      </p:childTnLst>
+                    </p:cTn>
+                  </p:par>
+                  <p:par>
+                    <p:cTn id="7" fill="hold">
+                      <p:stCondLst>
+                        <p:cond delay="indefinite"/>
+                      </p:stCondLst>
+                      <p:childTnLst>
+                        <p:par>
+                          <p:cTn id="8" fill="hold">
+                            <p:stCondLst>
+                              <p:cond delay="0"/>
+                            </p:stCondLst>
+                            <p:childTnLst>
+                              <p:par>
+                                <p:cTn id="9" presetID="1" presetClass="entr" presetSubtype="0" fill="hold" nodeType="clickEffect">
+                                  <p:stCondLst>
+                                    <p:cond delay="0"/>
+                                  </p:stCondLst>
+                                  <p:childTnLst>
+                                    <p:set>
+                                      <p:cBhvr>
+                                        <p:cTn id="10" dur="1" fill="hold">
+                                          <p:stCondLst>
+                                            <p:cond delay="0"/>
+                                          </p:stCondLst>
+                                        </p:cTn>
+                                        <p:tgtEl>
+                                          <p:spTgt spid="4">
+                                            <p:txEl>
+                                              <p:pRg st="1" end="1"/>
+                                            </p:txEl>
+                                          </p:spTgt>
+                                        </p:tgtEl>
+                                        <p:attrNameLst>
+                                          <p:attrName>style.visibility</p:attrName>
+                                        </p:attrNameLst>
+                                      </p:cBhvr>
+                                      <p:to>
+                                        <p:strVal val="visible"/>
+                                      </p:to>
+                                    </p:set>
+                                  </p:childTnLst>
+                                </p:cTn>
+                              </p:par>
+                              <p:par>
+                                <p:cTn id="11" presetID="1" presetClass="entr" presetSubtype="0" fill="hold" nodeType="withEffect">
+                                  <p:stCondLst>
+                                    <p:cond delay="0"/>
+                                  </p:stCondLst>
+                                  <p:childTnLst>
+                                    <p:set>
+                                      <p:cBhvr>
+                                        <p:cTn id="12" dur="1" fill="hold">
+                                          <p:stCondLst>
+                                            <p:cond delay="0"/>
+                                          </p:stCondLst>
+                                        </p:cTn>
+                                        <p:tgtEl>
+                                          <p:spTgt spid="4">
+                                            <p:txEl>
+                                              <p:pRg st="2" end="2"/>
+                                            </p:txEl>
+                                          </p:spTgt>
+                                        </p:tgtEl>
+                                        <p:attrNameLst>
+                                          <p:attrName>style.visibility</p:attrName>
+                                        </p:attrNameLst>
+                                      </p:cBhvr>
+                                      <p:to>
+                                        <p:strVal val="visible"/>
+                                      </p:to>
+                                    </p:set>
+                                  </p:childTnLst>
+                                </p:cTn>
+                              </p:par>
+                              <p:par>
+                                <p:cTn id="13" presetID="1" presetClass="entr" presetSubtype="0" fill="hold" nodeType="withEffect">
+                                  <p:stCondLst>
+                                    <p:cond delay="0"/>
+                                  </p:stCondLst>
+                                  <p:childTnLst>
+                                    <p:set>
+                                      <p:cBhvr>
+                                        <p:cTn id="14" dur="1" fill="hold">
+                                          <p:stCondLst>
+                                            <p:cond delay="0"/>
+                                          </p:stCondLst>
+                                        </p:cTn>
+                                        <p:tgtEl>
+                                          <p:spTgt spid="4">
+                                            <p:txEl>
+                                              <p:pRg st="3" end="3"/>
+                                            </p:txEl>
+                                          </p:spTgt>
+                                        </p:tgtEl>
+                                        <p:attrNameLst>
+                                          <p:attrName>style.visibility</p:attrName>
+                                        </p:attrNameLst>
+                                      </p:cBhvr>
+                                      <p:to>
+                                        <p:strVal val="visible"/>
+                                      </p:to>
+                                    </p:set>
+                                  </p:childTnLst>
+                                </p:cTn>
+                              </p:par>
+                            </p:childTnLst>
+                          </p:cTn>
+                        </p:par>
+                        <p:par>
+                          <p:cTn id="15" fill="hold">
+                            <p:stCondLst>
+                              <p:cond delay="0"/>
+                            </p:stCondLst>
+                            <p:childTnLst>
+                              <p:par>
+                                <p:cTn id="16" presetID="1" presetClass="entr" presetSubtype="0" fill="hold" grpId="0" nodeType="afterEffect">
+                                  <p:stCondLst>
+                                    <p:cond delay="0"/>
+                                  </p:stCondLst>
+                                  <p:childTnLst>
+                                    <p:set>
+                                      <p:cBhvr>
+                                        <p:cTn id="17" dur="1" fill="hold">
+                                          <p:stCondLst>
+                                            <p:cond delay="0"/>
+                                          </p:stCondLst>
+                                        </p:cTn>
+                                        <p:tgtEl>
+                                          <p:spTgt spid="8"/>
+                                        </p:tgtEl>
+                                        <p:attrNameLst>
+                                          <p:attrName>style.visibility</p:attrName>
+                                        </p:attrNameLst>
+                                      </p:cBhvr>
+                                      <p:to>
+                                        <p:strVal val="visible"/>
+                                      </p:to>
+                                    </p:set>
+                                  </p:childTnLst>
+                                </p:cTn>
+                              </p:par>
+                            </p:childTnLst>
+                          </p:cTn>
+                        </p:par>
+                        <p:par>
+                          <p:cTn id="18" fill="hold">
+                            <p:stCondLst>
+                              <p:cond delay="0"/>
+                            </p:stCondLst>
+                            <p:childTnLst>
+                              <p:par>
+                                <p:cTn id="19" presetID="1" presetClass="entr" presetSubtype="0" fill="hold" grpId="0" nodeType="afterEffect">
+                                  <p:stCondLst>
+                                    <p:cond delay="0"/>
+                                  </p:stCondLst>
+                                  <p:childTnLst>
+                                    <p:set>
+                                      <p:cBhvr>
+                                        <p:cTn id="20" dur="1" fill="hold">
+                                          <p:stCondLst>
+                                            <p:cond delay="0"/>
+                                          </p:stCondLst>
+                                        </p:cTn>
+                                        <p:tgtEl>
+                                          <p:spTgt spid="9"/>
+                                        </p:tgtEl>
+                                        <p:attrNameLst>
+                                          <p:attrName>style.visibility</p:attrName>
+                                        </p:attrNameLst>
+                                      </p:cBhvr>
+                                      <p:to>
+                                        <p:strVal val="visible"/>
+                                      </p:to>
+                                    </p:set>
+                                  </p:childTnLst>
+                                </p:cTn>
+                              </p:par>
+                            </p:childTnLst>
+                          </p:cTn>
+                        </p:par>
+                      </p:childTnLst>
+                    </p:cTn>
+                  </p:par>
+                  <p:par>
+                    <p:cTn id="21" fill="hold">
+                      <p:stCondLst>
+                        <p:cond delay="indefinite"/>
+                      </p:stCondLst>
+                      <p:childTnLst>
+                        <p:par>
+                          <p:cTn id="22" fill="hold">
+                            <p:stCondLst>
+                              <p:cond delay="0"/>
+                            </p:stCondLst>
+                            <p:childTnLst>
+                              <p:par>
+                                <p:cTn id="23" presetID="1" presetClass="entr" presetSubtype="0" fill="hold" nodeType="clickEffect">
+                                  <p:stCondLst>
+                                    <p:cond delay="0"/>
+                                  </p:stCondLst>
+                                  <p:childTnLst>
+                                    <p:set>
+                                      <p:cBhvr>
+                                        <p:cTn id="24" dur="1" fill="hold">
+                                          <p:stCondLst>
+                                            <p:cond delay="0"/>
+                                          </p:stCondLst>
+                                        </p:cTn>
+                                        <p:tgtEl>
+                                          <p:spTgt spid="5"/>
+                                        </p:tgtEl>
+                                        <p:attrNameLst>
+                                          <p:attrName>style.visibility</p:attrName>
+                                        </p:attrNameLst>
+                                      </p:cBhvr>
+                                      <p:to>
+                                        <p:strVal val="visible"/>
+                                      </p:to>
+                                    </p:set>
+                                  </p:childTnLst>
+                                </p:cTn>
+                              </p:par>
+                              <p:par>
+                                <p:cTn id="25" presetID="1" presetClass="entr" presetSubtype="0" fill="hold" nodeType="withEffect">
+                                  <p:stCondLst>
+                                    <p:cond delay="0"/>
+                                  </p:stCondLst>
+                                  <p:childTnLst>
+                                    <p:set>
+                                      <p:cBhvr>
+                                        <p:cTn id="26" dur="1" fill="hold">
+                                          <p:stCondLst>
+                                            <p:cond delay="0"/>
+                                          </p:stCondLst>
+                                        </p:cTn>
+                                        <p:tgtEl>
+                                          <p:spTgt spid="4">
+                                            <p:txEl>
+                                              <p:pRg st="6" end="6"/>
+                                            </p:txEl>
+                                          </p:spTgt>
+                                        </p:tgtEl>
+                                        <p:attrNameLst>
+                                          <p:attrName>style.visibility</p:attrName>
+                                        </p:attrNameLst>
+                                      </p:cBhvr>
+                                      <p:to>
+                                        <p:strVal val="visible"/>
+                                      </p:to>
+                                    </p:set>
+                                  </p:childTnLst>
+                                </p:cTn>
+                              </p:par>
+                              <p:par>
+                                <p:cTn id="27" presetID="1" presetClass="entr" presetSubtype="0" fill="hold" nodeType="withEffect">
+                                  <p:stCondLst>
+                                    <p:cond delay="0"/>
+                                  </p:stCondLst>
+                                  <p:childTnLst>
+                                    <p:set>
+                                      <p:cBhvr>
+                                        <p:cTn id="28" dur="1" fill="hold">
+                                          <p:stCondLst>
+                                            <p:cond delay="0"/>
+                                          </p:stCondLst>
+                                        </p:cTn>
+                                        <p:tgtEl>
+                                          <p:spTgt spid="4">
+                                            <p:txEl>
+                                              <p:pRg st="7" end="7"/>
+                                            </p:txEl>
+                                          </p:spTgt>
+                                        </p:tgtEl>
+                                        <p:attrNameLst>
+                                          <p:attrName>style.visibility</p:attrName>
+                                        </p:attrNameLst>
+                                      </p:cBhvr>
+                                      <p:to>
+                                        <p:strVal val="visible"/>
+                                      </p:to>
+                                    </p:set>
+                                  </p:childTnLst>
+                                </p:cTn>
+                              </p:par>
+                              <p:par>
+                                <p:cTn id="29" presetID="1" presetClass="entr" presetSubtype="0" fill="hold" nodeType="withEffect">
+                                  <p:stCondLst>
+                                    <p:cond delay="0"/>
+                                  </p:stCondLst>
+                                  <p:childTnLst>
+                                    <p:set>
+                                      <p:cBhvr>
+                                        <p:cTn id="30" dur="1" fill="hold">
+                                          <p:stCondLst>
+                                            <p:cond delay="0"/>
+                                          </p:stCondLst>
+                                        </p:cTn>
+                                        <p:tgtEl>
+                                          <p:spTgt spid="4">
+                                            <p:txEl>
+                                              <p:pRg st="8" end="8"/>
+                                            </p:txEl>
+                                          </p:spTgt>
+                                        </p:tgtEl>
+                                        <p:attrNameLst>
+                                          <p:attrName>style.visibility</p:attrName>
+                                        </p:attrNameLst>
+                                      </p:cBhvr>
+                                      <p:to>
+                                        <p:strVal val="visible"/>
+                                      </p:to>
+                                    </p:set>
+                                  </p:childTnLst>
+                                </p:cTn>
+                              </p:par>
+                              <p:par>
+                                <p:cTn id="31" presetID="1" presetClass="entr" presetSubtype="0" fill="hold" nodeType="withEffect">
+                                  <p:stCondLst>
+                                    <p:cond delay="0"/>
+                                  </p:stCondLst>
+                                  <p:childTnLst>
+                                    <p:set>
+                                      <p:cBhvr>
+                                        <p:cTn id="32" dur="1" fill="hold">
+                                          <p:stCondLst>
+                                            <p:cond delay="0"/>
+                                          </p:stCondLst>
+                                        </p:cTn>
+                                        <p:tgtEl>
+                                          <p:spTgt spid="4">
+                                            <p:txEl>
+                                              <p:pRg st="9" end="9"/>
+                                            </p:txEl>
+                                          </p:spTgt>
+                                        </p:tgtEl>
+                                        <p:attrNameLst>
+                                          <p:attrName>style.visibility</p:attrName>
+                                        </p:attrNameLst>
+                                      </p:cBhvr>
+                                      <p:to>
+                                        <p:strVal val="visible"/>
+                                      </p:to>
+                                    </p:set>
+                                  </p:childTnLst>
+                                </p:cTn>
+                              </p:par>
+                              <p:par>
+                                <p:cTn id="33" presetID="1" presetClass="entr" presetSubtype="0" fill="hold" nodeType="withEffect">
+                                  <p:stCondLst>
+                                    <p:cond delay="0"/>
+                                  </p:stCondLst>
+                                  <p:childTnLst>
+                                    <p:set>
+                                      <p:cBhvr>
+                                        <p:cTn id="34" dur="1" fill="hold">
+                                          <p:stCondLst>
+                                            <p:cond delay="0"/>
+                                          </p:stCondLst>
+                                        </p:cTn>
+                                        <p:tgtEl>
+                                          <p:spTgt spid="4">
+                                            <p:txEl>
+                                              <p:pRg st="10" end="10"/>
+                                            </p:txEl>
+                                          </p:spTgt>
+                                        </p:tgtEl>
+                                        <p:attrNameLst>
+                                          <p:attrName>style.visibility</p:attrName>
+                                        </p:attrNameLst>
+                                      </p:cBhvr>
+                                      <p:to>
+                                        <p:strVal val="visible"/>
+                                      </p:to>
+                                    </p:set>
+                                  </p:childTnLst>
+                                </p:cTn>
+                              </p:par>
+                            </p:childTnLst>
+                          </p:cTn>
+                        </p:par>
+                      </p:childTnLst>
+                    </p:cTn>
+                  </p:par>
+                  <p:par>
+                    <p:cTn id="35" fill="hold">
+                      <p:stCondLst>
+                        <p:cond delay="indefinite"/>
+                      </p:stCondLst>
+                      <p:childTnLst>
+                        <p:par>
+                          <p:cTn id="36" fill="hold">
+                            <p:stCondLst>
+                              <p:cond delay="0"/>
+                            </p:stCondLst>
+                            <p:childTnLst>
+                              <p:par>
+                                <p:cTn id="37" presetID="1" presetClass="entr" presetSubtype="0" fill="hold" grpId="0" nodeType="clickEffect">
+                                  <p:stCondLst>
+                                    <p:cond delay="0"/>
+                                  </p:stCondLst>
+                                  <p:childTnLst>
+                                    <p:set>
+                                      <p:cBhvr>
+                                        <p:cTn id="38" dur="1" fill="hold">
+                                          <p:stCondLst>
+                                            <p:cond delay="0"/>
+                                          </p:stCondLst>
+                                        </p:cTn>
+                                        <p:tgtEl>
+                                          <p:spTgt spid="6"/>
+                                        </p:tgtEl>
+                                        <p:attrNameLst>
+                                          <p:attrName>style.visibility</p:attrName>
+                                        </p:attrNameLst>
+                                      </p:cBhvr>
+                                      <p:to>
+                                        <p:strVal val="visible"/>
+                                      </p:to>
+                                    </p:set>
+                                  </p:childTnLst>
+                                </p:cTn>
+                              </p:par>
+                            </p:childTnLst>
+                          </p:cTn>
+                        </p:par>
+                      </p:childTnLst>
+                    </p:cTn>
+                  </p:par>
+                  <p:par>
+                    <p:cTn id="39" fill="hold">
+                      <p:stCondLst>
+                        <p:cond delay="indefinite"/>
+                      </p:stCondLst>
+                      <p:childTnLst>
+                        <p:par>
+                          <p:cTn id="40" fill="hold">
+                            <p:stCondLst>
+                              <p:cond delay="0"/>
+                            </p:stCondLst>
+                            <p:childTnLst>
+                              <p:par>
+                                <p:cTn id="41" presetID="1" presetClass="entr" presetSubtype="0" fill="hold" grpId="0" nodeType="clickEffect">
+                                  <p:stCondLst>
+                                    <p:cond delay="0"/>
+                                  </p:stCondLst>
+                                  <p:childTnLst>
+                                    <p:set>
+                                      <p:cBhvr>
+                                        <p:cTn id="42" dur="1" fill="hold">
+                                          <p:stCondLst>
+                                            <p:cond delay="0"/>
+                                          </p:stCondLst>
+                                        </p:cTn>
+                                        <p:tgtEl>
+                                          <p:spTgt spid="7"/>
+                                        </p:tgtEl>
+                                        <p:attrNameLst>
+                                          <p:attrName>style.visibility</p:attrName>
+                                        </p:attrNameLst>
+                                      </p:cBhvr>
+                                      <p:to>
+                                        <p:strVal val="visible"/>
+                                      </p:to>
+                                    </p:set>
+                                  </p:childTnLst>
+                                </p:cTn>
+                              </p:par>
+                              <p:par>
+                                <p:cTn id="43" presetID="1" presetClass="entr" presetSubtype="0" fill="hold" grpId="0" nodeType="withEffect">
+                                  <p:stCondLst>
+                                    <p:cond delay="0"/>
+                                  </p:stCondLst>
+                                  <p:childTnLst>
+                                    <p:set>
+                                      <p:cBhvr>
+                                        <p:cTn id="44" dur="1" fill="hold">
+                                          <p:stCondLst>
+                                            <p:cond delay="0"/>
+                                          </p:stCondLst>
+                                        </p:cTn>
+                                        <p:tgtEl>
+                                          <p:spTgt spid="10"/>
+                                        </p:tgtEl>
+                                        <p:attrNameLst>
+                                          <p:attrName>style.visibility</p:attrName>
+                                        </p:attrNameLst>
+                                      </p:cBhvr>
+                                      <p:to>
+                                        <p:strVal val="visible"/>
+                                      </p:to>
+                                    </p:set>
+                                  </p:childTnLst>
+                                </p:cTn>
+                              </p:par>
+                            </p:childTnLst>
+                          </p:cTn>
+                        </p:par>
+                      </p:childTnLst>
+                    </p:cTn>
+                  </p:par>
+                </p:childTnLst>
+              </p:cTn>
+              <p:prevCondLst>
+                <p:cond evt="onPrev" delay="0">
+                  <p:tgtEl>
+                    <p:sldTgt/>
+                  </p:tgtEl>
+                </p:cond>
+              </p:prevCondLst>
+              <p:nextCondLst>
+                <p:cond evt="onNext" delay="0">
+                  <p:tgtEl>
+                    <p:sldTgt/>
+                  </p:tgtEl>
+                </p:cond>
+              </p:nextCondLst>
+            </p:seq>
+          </p:childTnLst>
+        </p:cTn>
+      </p:par>
+    </p:tnLst>
+    <p:bldLst>
+      <p:bldP spid="6" grpId="0" animBg="1"/>
+      <p:bldP spid="7" grpId="0" animBg="1"/>
+      <p:bldP spid="8" grpId="0" animBg="1"/>
+      <p:bldP spid="9" grpId="0" animBg="1"/>
+      <p:bldP spid="10" grpId="0" animBg="1"/>
+    </p:bldLst>
+  </p:timing>
+</p:sld>
+</file>
+
+<file path=ppt/slides/slide12.xml><?xml version="1.0" encoding="utf-8"?>
+<p:sld xmlns:a="http://schemas.openxmlformats.org/drawingml/2006/main" xmlns:r="http://schemas.openxmlformats.org/officeDocument/2006/relationships" xmlns:p="http://schemas.openxmlformats.org/presentationml/2006/main">
+  <p:cSld>
+    <p:spTree>
+      <p:nvGrpSpPr>
+        <p:cNvPr id="1" name=""/>
+        <p:cNvGrpSpPr/>
+        <p:nvPr/>
+      </p:nvGrpSpPr>
+      <p:grpSpPr>
+        <a:xfrm>
+          <a:off x="0" y="0"/>
+          <a:ext cx="0" cy="0"/>
+          <a:chOff x="0" y="0"/>
+          <a:chExt cx="0" cy="0"/>
+        </a:xfrm>
+      </p:grpSpPr>
+      <p:sp>
+        <p:nvSpPr>
+          <p:cNvPr id="2" name="Title 1">
+            <a:extLst>
+              <a:ext uri="{FF2B5EF4-FFF2-40B4-BE49-F238E27FC236}">
+                <a16:creationId xmlns:a16="http://schemas.microsoft.com/office/drawing/2014/main" id="{BCA8A3FC-2A4F-4746-B9DC-11A635184C43}"/>
+              </a:ext>
+            </a:extLst>
+          </p:cNvPr>
+          <p:cNvSpPr>
+            <a:spLocks noGrp="1"/>
+          </p:cNvSpPr>
+          <p:nvPr>
+            <p:ph type="title"/>
+          </p:nvPr>
+        </p:nvSpPr>
+        <p:spPr/>
+        <p:txBody>
+          <a:bodyPr/>
+          <a:lstStyle/>
+          <a:p>
+            <a:r>
+              <a:rPr lang="en-US" dirty="0"/>
+              <a:t>Karel and Control Flow</a:t>
+            </a:r>
+          </a:p>
+        </p:txBody>
+      </p:sp>
+      <p:sp>
+        <p:nvSpPr>
+          <p:cNvPr id="3" name="Content Placeholder 2">
+            <a:extLst>
+              <a:ext uri="{FF2B5EF4-FFF2-40B4-BE49-F238E27FC236}">
+                <a16:creationId xmlns:a16="http://schemas.microsoft.com/office/drawing/2014/main" id="{EE6FF269-D0A9-F94F-B44A-D9F6A1D76269}"/>
+              </a:ext>
+            </a:extLst>
+          </p:cNvPr>
+          <p:cNvSpPr>
+            <a:spLocks noGrp="1"/>
+          </p:cNvSpPr>
+          <p:nvPr>
+            <p:ph idx="1"/>
+          </p:nvPr>
+        </p:nvSpPr>
+        <p:spPr>
+          <a:xfrm>
+            <a:off x="152400" y="1295400"/>
+            <a:ext cx="11811000" cy="5562600"/>
+          </a:xfrm>
+        </p:spPr>
+        <p:txBody>
+          <a:bodyPr/>
+          <a:lstStyle/>
+          <a:p>
+            <a:pPr marL="0" indent="0">
+              <a:buNone/>
+            </a:pPr>
+            <a:r>
+              <a:rPr lang="en-US" sz="3200" b="1" dirty="0"/>
+              <a:t>Congratulations!</a:t>
+            </a:r>
+            <a:r>
+              <a:rPr lang="en-US" sz="3200" dirty="0"/>
+              <a:t>  You’ve learned all of control flow in Karel.</a:t>
+            </a:r>
+          </a:p>
+          <a:p>
+            <a:pPr marL="0" indent="0">
+              <a:buNone/>
+            </a:pPr>
+            <a:endParaRPr lang="en-US" sz="3200" b="1" dirty="0"/>
+          </a:p>
+          <a:p>
+            <a:pPr marL="0" indent="0">
+              <a:buNone/>
+            </a:pPr>
+            <a:r>
+              <a:rPr lang="en-US" sz="3200" i="1" dirty="0"/>
+              <a:t>Control Flow </a:t>
+            </a:r>
+            <a:r>
+              <a:rPr lang="en-US" sz="3200" dirty="0"/>
+              <a:t>lets us control the “flow” of our Karel program.  For example, repeat something more than once, or only do something in certain cases.</a:t>
+            </a:r>
+          </a:p>
+          <a:p>
+            <a:pPr marL="0" indent="0">
+              <a:buNone/>
+            </a:pPr>
+            <a:endParaRPr lang="en-US" sz="3200" i="1" dirty="0"/>
+          </a:p>
+          <a:p>
+            <a:pPr marL="0" indent="0">
+              <a:buNone/>
+            </a:pPr>
+            <a:r>
+              <a:rPr lang="en-US" sz="3200" dirty="0"/>
+              <a:t>Want to repeat something?  Use a </a:t>
+            </a:r>
+            <a:r>
+              <a:rPr lang="en-US" sz="3200" b="1" dirty="0"/>
+              <a:t>for</a:t>
+            </a:r>
+            <a:r>
+              <a:rPr lang="en-US" sz="3200" dirty="0"/>
+              <a:t> or </a:t>
+            </a:r>
+            <a:r>
+              <a:rPr lang="en-US" sz="3200" b="1" dirty="0"/>
+              <a:t>while</a:t>
+            </a:r>
+            <a:r>
+              <a:rPr lang="en-US" sz="3200" dirty="0"/>
+              <a:t> loop.</a:t>
+            </a:r>
+          </a:p>
+          <a:p>
+            <a:pPr marL="0" indent="0">
+              <a:buNone/>
+            </a:pPr>
+            <a:r>
+              <a:rPr lang="en-US" sz="3200" dirty="0"/>
+              <a:t>	- </a:t>
+            </a:r>
+            <a:r>
+              <a:rPr lang="en-US" sz="3200" b="1" dirty="0"/>
+              <a:t>for</a:t>
+            </a:r>
+            <a:r>
+              <a:rPr lang="en-US" sz="3200" dirty="0"/>
+              <a:t> if we know how many times</a:t>
+            </a:r>
+          </a:p>
+          <a:p>
+            <a:pPr marL="0" indent="0">
+              <a:buNone/>
+            </a:pPr>
+            <a:r>
+              <a:rPr lang="en-US" sz="3200" dirty="0"/>
+              <a:t>	- </a:t>
+            </a:r>
+            <a:r>
+              <a:rPr lang="en-US" sz="3200" b="1" dirty="0"/>
+              <a:t>while </a:t>
+            </a:r>
+            <a:r>
+              <a:rPr lang="en-US" sz="3200" dirty="0"/>
+              <a:t>if we don’t know how many times</a:t>
+            </a:r>
+          </a:p>
+          <a:p>
+            <a:pPr marL="0" indent="0">
+              <a:buNone/>
+            </a:pPr>
+            <a:r>
+              <a:rPr lang="en-US" sz="3200" dirty="0"/>
+              <a:t>Want to conditionally do something?  Use </a:t>
+            </a:r>
+            <a:r>
+              <a:rPr lang="en-US" sz="3200" b="1" dirty="0"/>
+              <a:t>if</a:t>
+            </a:r>
+            <a:r>
+              <a:rPr lang="en-US" sz="3200" dirty="0"/>
+              <a:t> (with an optional </a:t>
+            </a:r>
+            <a:r>
+              <a:rPr lang="en-US" sz="3200" b="1" dirty="0"/>
+              <a:t>else</a:t>
+            </a:r>
+            <a:r>
+              <a:rPr lang="en-US" sz="3200" dirty="0"/>
+              <a:t>)</a:t>
+            </a:r>
+          </a:p>
+        </p:txBody>
+      </p:sp>
+    </p:spTree>
+    <p:extLst>
+      <p:ext uri="{BB962C8B-B14F-4D97-AF65-F5344CB8AC3E}">
+        <p14:creationId xmlns:p14="http://schemas.microsoft.com/office/powerpoint/2010/main" val="2174076905"/>
+      </p:ext>
+    </p:extLst>
+  </p:cSld>
+  <p:clrMapOvr>
+    <a:masterClrMapping/>
+  </p:clrMapOvr>
+  <p:timing>
+    <p:tnLst>
+      <p:par>
+        <p:cTn id="1" dur="indefinite" restart="never" nodeType="tmRoot">
+          <p:childTnLst>
+            <p:seq concurrent="1" nextAc="seek">
+              <p:cTn id="2" dur="indefinite" nodeType="mainSeq">
+                <p:childTnLst>
+                  <p:par>
+                    <p:cTn id="3" fill="hold">
+                      <p:stCondLst>
+                        <p:cond delay="indefinite"/>
+                      </p:stCondLst>
+                      <p:childTnLst>
+                        <p:par>
+                          <p:cTn id="4" fill="hold">
+                            <p:stCondLst>
+                              <p:cond delay="0"/>
+                            </p:stCondLst>
+                            <p:childTnLst>
+                              <p:par>
+                                <p:cTn id="5" presetID="1" presetClass="entr" presetSubtype="0" fill="hold" nodeType="clickEffect">
+                                  <p:stCondLst>
+                                    <p:cond delay="0"/>
+                                  </p:stCondLst>
+                                  <p:childTnLst>
+                                    <p:set>
+                                      <p:cBhvr>
+                                        <p:cTn id="6" dur="1" fill="hold">
+                                          <p:stCondLst>
+                                            <p:cond delay="0"/>
+                                          </p:stCondLst>
+                                        </p:cTn>
+                                        <p:tgtEl>
+                                          <p:spTgt spid="3">
+                                            <p:txEl>
+                                              <p:pRg st="2" end="2"/>
+                                            </p:txEl>
+                                          </p:spTgt>
+                                        </p:tgtEl>
+                                        <p:attrNameLst>
+                                          <p:attrName>style.visibility</p:attrName>
+                                        </p:attrNameLst>
+                                      </p:cBhvr>
+                                      <p:to>
+                                        <p:strVal val="visible"/>
+                                      </p:to>
+                                    </p:set>
+                                  </p:childTnLst>
+                                </p:cTn>
+                              </p:par>
+                            </p:childTnLst>
+                          </p:cTn>
+                        </p:par>
+                      </p:childTnLst>
+                    </p:cTn>
+                  </p:par>
+                  <p:par>
+                    <p:cTn id="7" fill="hold">
+                      <p:stCondLst>
+                        <p:cond delay="indefinite"/>
+                      </p:stCondLst>
+                      <p:childTnLst>
+                        <p:par>
+                          <p:cTn id="8" fill="hold">
+                            <p:stCondLst>
+                              <p:cond delay="0"/>
+                            </p:stCondLst>
+                            <p:childTnLst>
+                              <p:par>
+                                <p:cTn id="9" presetID="1" presetClass="entr" presetSubtype="0" fill="hold" nodeType="clickEffect">
+                                  <p:stCondLst>
+                                    <p:cond delay="0"/>
+                                  </p:stCondLst>
+                                  <p:childTnLst>
+                                    <p:set>
+                                      <p:cBhvr>
+                                        <p:cTn id="10" dur="1" fill="hold">
+                                          <p:stCondLst>
+                                            <p:cond delay="0"/>
+                                          </p:stCondLst>
+                                        </p:cTn>
+                                        <p:tgtEl>
+                                          <p:spTgt spid="3">
+                                            <p:txEl>
+                                              <p:pRg st="4" end="4"/>
+                                            </p:txEl>
+                                          </p:spTgt>
+                                        </p:tgtEl>
+                                        <p:attrNameLst>
+                                          <p:attrName>style.visibility</p:attrName>
+                                        </p:attrNameLst>
+                                      </p:cBhvr>
+                                      <p:to>
+                                        <p:strVal val="visible"/>
+                                      </p:to>
+                                    </p:set>
+                                  </p:childTnLst>
+                                </p:cTn>
+                              </p:par>
+                              <p:par>
+                                <p:cTn id="11" presetID="1" presetClass="entr" presetSubtype="0" fill="hold" nodeType="withEffect">
+                                  <p:stCondLst>
+                                    <p:cond delay="0"/>
+                                  </p:stCondLst>
+                                  <p:childTnLst>
+                                    <p:set>
+                                      <p:cBhvr>
+                                        <p:cTn id="12" dur="1" fill="hold">
+                                          <p:stCondLst>
+                                            <p:cond delay="0"/>
+                                          </p:stCondLst>
+                                        </p:cTn>
+                                        <p:tgtEl>
+                                          <p:spTgt spid="3">
+                                            <p:txEl>
+                                              <p:pRg st="5" end="5"/>
+                                            </p:txEl>
+                                          </p:spTgt>
+                                        </p:tgtEl>
+                                        <p:attrNameLst>
+                                          <p:attrName>style.visibility</p:attrName>
+                                        </p:attrNameLst>
+                                      </p:cBhvr>
+                                      <p:to>
+                                        <p:strVal val="visible"/>
+                                      </p:to>
+                                    </p:set>
+                                  </p:childTnLst>
+                                </p:cTn>
+                              </p:par>
+                              <p:par>
+                                <p:cTn id="13" presetID="1" presetClass="entr" presetSubtype="0" fill="hold" nodeType="withEffect">
+                                  <p:stCondLst>
+                                    <p:cond delay="0"/>
+                                  </p:stCondLst>
+                                  <p:childTnLst>
+                                    <p:set>
+                                      <p:cBhvr>
+                                        <p:cTn id="14" dur="1" fill="hold">
+                                          <p:stCondLst>
+                                            <p:cond delay="0"/>
+                                          </p:stCondLst>
+                                        </p:cTn>
+                                        <p:tgtEl>
+                                          <p:spTgt spid="3">
+                                            <p:txEl>
+                                              <p:pRg st="6" end="6"/>
+                                            </p:txEl>
+                                          </p:spTgt>
+                                        </p:tgtEl>
+                                        <p:attrNameLst>
+                                          <p:attrName>style.visibility</p:attrName>
+                                        </p:attrNameLst>
+                                      </p:cBhvr>
+                                      <p:to>
+                                        <p:strVal val="visible"/>
+                                      </p:to>
+                                    </p:set>
+                                  </p:childTnLst>
+                                </p:cTn>
+                              </p:par>
+                            </p:childTnLst>
+                          </p:cTn>
+                        </p:par>
+                      </p:childTnLst>
+                    </p:cTn>
+                  </p:par>
+                  <p:par>
+                    <p:cTn id="15" fill="hold">
+                      <p:stCondLst>
+                        <p:cond delay="indefinite"/>
+                      </p:stCondLst>
+                      <p:childTnLst>
+                        <p:par>
+                          <p:cTn id="16" fill="hold">
+                            <p:stCondLst>
+                              <p:cond delay="0"/>
+                            </p:stCondLst>
+                            <p:childTnLst>
+                              <p:par>
+                                <p:cTn id="17" presetID="1" presetClass="entr" presetSubtype="0" fill="hold" nodeType="clickEffect">
+                                  <p:stCondLst>
+                                    <p:cond delay="0"/>
+                                  </p:stCondLst>
+                                  <p:childTnLst>
+                                    <p:set>
+                                      <p:cBhvr>
+                                        <p:cTn id="18" dur="1" fill="hold">
+                                          <p:stCondLst>
+                                            <p:cond delay="0"/>
+                                          </p:stCondLst>
+                                        </p:cTn>
+                                        <p:tgtEl>
+                                          <p:spTgt spid="3">
+                                            <p:txEl>
+                                              <p:pRg st="7" end="7"/>
+                                            </p:txEl>
+                                          </p:spTgt>
+                                        </p:tgtEl>
+                                        <p:attrNameLst>
+                                          <p:attrName>style.visibility</p:attrName>
+                                        </p:attrNameLst>
+                                      </p:cBhvr>
+                                      <p:to>
+                                        <p:strVal val="visible"/>
+                                      </p:to>
+                                    </p:set>
+                                  </p:childTnLst>
+                                </p:cTn>
+                              </p:par>
+                            </p:childTnLst>
+                          </p:cTn>
+                        </p:par>
+                      </p:childTnLst>
+                    </p:cTn>
+                  </p:par>
+                </p:childTnLst>
+              </p:cTn>
+              <p:prevCondLst>
+                <p:cond evt="onPrev" delay="0">
+                  <p:tgtEl>
+                    <p:sldTgt/>
+                  </p:tgtEl>
+                </p:cond>
+              </p:prevCondLst>
+              <p:nextCondLst>
+                <p:cond evt="onNext" delay="0">
+                  <p:tgtEl>
+                    <p:sldTgt/>
+                  </p:tgtEl>
+                </p:cond>
+              </p:nextCondLst>
+            </p:seq>
+          </p:childTnLst>
+        </p:cTn>
+      </p:par>
+    </p:tnLst>
+  </p:timing>
+</p:sld>
+</file>
+
+<file path=ppt/slides/slide13.xml><?xml version="1.0" encoding="utf-8"?>
+<p:sld xmlns:a="http://schemas.openxmlformats.org/drawingml/2006/main" xmlns:r="http://schemas.openxmlformats.org/officeDocument/2006/relationships" xmlns:p="http://schemas.openxmlformats.org/presentationml/2006/main">
+  <p:cSld>
+    <p:spTree>
+      <p:nvGrpSpPr>
+        <p:cNvPr id="1" name=""/>
+        <p:cNvGrpSpPr/>
+        <p:nvPr/>
+      </p:nvGrpSpPr>
+      <p:grpSpPr>
+        <a:xfrm>
+          <a:off x="0" y="0"/>
+          <a:ext cx="0" cy="0"/>
+          <a:chOff x="0" y="0"/>
+          <a:chExt cx="0" cy="0"/>
+        </a:xfrm>
+      </p:grpSpPr>
+      <p:sp>
+        <p:nvSpPr>
+          <p:cNvPr id="2" name="Title 1">
+            <a:extLst>
+              <a:ext uri="{FF2B5EF4-FFF2-40B4-BE49-F238E27FC236}">
+                <a16:creationId xmlns:a16="http://schemas.microsoft.com/office/drawing/2014/main" id="{34B2AF2E-4DE3-7047-BC8B-FD6F17CA6866}"/>
+              </a:ext>
+            </a:extLst>
+          </p:cNvPr>
+          <p:cNvSpPr>
+            <a:spLocks noGrp="1"/>
+          </p:cNvSpPr>
+          <p:nvPr>
+            <p:ph type="title"/>
+          </p:nvPr>
+        </p:nvSpPr>
+        <p:spPr/>
+        <p:txBody>
+          <a:bodyPr/>
+          <a:lstStyle/>
+          <a:p>
+            <a:r>
+              <a:rPr lang="en-US" dirty="0"/>
+              <a:t>Hurdle Jumper</a:t>
+            </a:r>
+          </a:p>
+        </p:txBody>
+      </p:sp>
+      <p:sp>
+        <p:nvSpPr>
+          <p:cNvPr id="3" name="Content Placeholder 2">
+            <a:extLst>
+              <a:ext uri="{FF2B5EF4-FFF2-40B4-BE49-F238E27FC236}">
+                <a16:creationId xmlns:a16="http://schemas.microsoft.com/office/drawing/2014/main" id="{60CDC2CB-939E-DC4F-A3EA-42A228553AC1}"/>
+              </a:ext>
+            </a:extLst>
+          </p:cNvPr>
+          <p:cNvSpPr>
+            <a:spLocks noGrp="1"/>
+          </p:cNvSpPr>
+          <p:nvPr>
+            <p:ph idx="1"/>
+          </p:nvPr>
+        </p:nvSpPr>
+        <p:spPr>
+          <a:xfrm>
+            <a:off x="152400" y="1295400"/>
+            <a:ext cx="5943600" cy="5181600"/>
+          </a:xfrm>
+        </p:spPr>
+        <p:txBody>
+          <a:bodyPr/>
+          <a:lstStyle/>
+          <a:p>
+            <a:pPr marL="0" indent="0">
+              <a:buNone/>
+            </a:pPr>
+            <a:r>
+              <a:rPr lang="en-US" sz="3200" dirty="0"/>
+              <a:t>Karel is in the Olympics!  We want to write a Karel program that hops hurdles.</a:t>
+            </a:r>
+          </a:p>
+          <a:p>
+            <a:pPr marL="285750" indent="-285750">
+              <a:buFont typeface="Arial" charset="0"/>
+              <a:buChar char="•"/>
+            </a:pPr>
+            <a:r>
+              <a:rPr lang="en-US" altLang="x-none" sz="2400" dirty="0"/>
+              <a:t>Karel starts at (1,1) facing East and should end up at the end of row 1 facing east.</a:t>
+            </a:r>
+          </a:p>
+          <a:p>
+            <a:pPr marL="285750" indent="-285750">
+              <a:buFont typeface="Arial" charset="0"/>
+              <a:buChar char="•"/>
+            </a:pPr>
+            <a:r>
+              <a:rPr lang="en-US" altLang="x-none" sz="2400" dirty="0"/>
+              <a:t>The world has 9 columns.</a:t>
+            </a:r>
+          </a:p>
+          <a:p>
+            <a:pPr marL="285750" indent="-285750">
+              <a:buFont typeface="Arial" charset="0"/>
+              <a:buChar char="•"/>
+            </a:pPr>
+            <a:r>
+              <a:rPr lang="en-US" altLang="x-none" sz="2400" dirty="0"/>
+              <a:t>There are an unknown number of ”hurdles” (walls) of varying heights that Karel must ascend and descend to get to the other side.</a:t>
+            </a:r>
+            <a:endParaRPr lang="en-US" dirty="0"/>
+          </a:p>
+        </p:txBody>
+      </p:sp>
+      <p:pic>
+        <p:nvPicPr>
+          <p:cNvPr id="5" name="Picture 4">
+            <a:extLst>
+              <a:ext uri="{FF2B5EF4-FFF2-40B4-BE49-F238E27FC236}">
+                <a16:creationId xmlns:a16="http://schemas.microsoft.com/office/drawing/2014/main" id="{C672C36A-4A2B-2841-898C-F81600BAA41C}"/>
+              </a:ext>
+            </a:extLst>
+          </p:cNvPr>
+          <p:cNvPicPr>
+            <a:picLocks noChangeAspect="1"/>
+          </p:cNvPicPr>
+          <p:nvPr/>
+        </p:nvPicPr>
+        <p:blipFill>
+          <a:blip r:embed="rId2"/>
+          <a:stretch>
+            <a:fillRect/>
+          </a:stretch>
+        </p:blipFill>
+        <p:spPr>
+          <a:xfrm>
+            <a:off x="6096000" y="1981200"/>
+            <a:ext cx="6031267" cy="4108704"/>
+          </a:xfrm>
+          <a:prstGeom prst="rect">
+            <a:avLst/>
+          </a:prstGeom>
+        </p:spPr>
+      </p:pic>
+    </p:spTree>
+    <p:extLst>
+      <p:ext uri="{BB962C8B-B14F-4D97-AF65-F5344CB8AC3E}">
+        <p14:creationId xmlns:p14="http://schemas.microsoft.com/office/powerpoint/2010/main" val="3282039241"/>
+      </p:ext>
+    </p:extLst>
+  </p:cSld>
+  <p:clrMapOvr>
+    <a:masterClrMapping/>
+  </p:clrMapOvr>
+  <p:timing>
+    <p:tnLst>
+      <p:par>
+        <p:cTn id="1" dur="indefinite" restart="never" nodeType="tmRoot">
+          <p:childTnLst>
+            <p:seq concurrent="1" nextAc="seek">
+              <p:cTn id="2" dur="indefinite" nodeType="mainSeq">
+                <p:childTnLst>
+                  <p:par>
+                    <p:cTn id="3" fill="hold">
+                      <p:stCondLst>
+                        <p:cond delay="indefinite"/>
+                      </p:stCondLst>
+                      <p:childTnLst>
+                        <p:par>
+                          <p:cTn id="4" fill="hold">
+                            <p:stCondLst>
+                              <p:cond delay="0"/>
+                            </p:stCondLst>
+                            <p:childTnLst>
+                              <p:par>
+                                <p:cTn id="5" presetID="1" presetClass="entr" presetSubtype="0" fill="hold" nodeType="clickEffect">
+                                  <p:stCondLst>
+                                    <p:cond delay="0"/>
+                                  </p:stCondLst>
+                                  <p:childTnLst>
+                                    <p:set>
+                                      <p:cBhvr>
+                                        <p:cTn id="6" dur="1" fill="hold">
+                                          <p:stCondLst>
+                                            <p:cond delay="0"/>
+                                          </p:stCondLst>
+                                        </p:cTn>
+                                        <p:tgtEl>
+                                          <p:spTgt spid="3">
+                                            <p:txEl>
+                                              <p:pRg st="1" end="1"/>
+                                            </p:txEl>
+                                          </p:spTgt>
+                                        </p:tgtEl>
+                                        <p:attrNameLst>
+                                          <p:attrName>style.visibility</p:attrName>
+                                        </p:attrNameLst>
+                                      </p:cBhvr>
+                                      <p:to>
+                                        <p:strVal val="visible"/>
+                                      </p:to>
+                                    </p:set>
+                                  </p:childTnLst>
+                                </p:cTn>
+                              </p:par>
+                            </p:childTnLst>
+                          </p:cTn>
+                        </p:par>
+                      </p:childTnLst>
+                    </p:cTn>
+                  </p:par>
+                  <p:par>
+                    <p:cTn id="7" fill="hold">
+                      <p:stCondLst>
+                        <p:cond delay="indefinite"/>
+                      </p:stCondLst>
+                      <p:childTnLst>
+                        <p:par>
+                          <p:cTn id="8" fill="hold">
+                            <p:stCondLst>
+                              <p:cond delay="0"/>
+                            </p:stCondLst>
+                            <p:childTnLst>
+                              <p:par>
+                                <p:cTn id="9" presetID="1" presetClass="entr" presetSubtype="0" fill="hold" nodeType="clickEffect">
+                                  <p:stCondLst>
+                                    <p:cond delay="0"/>
+                                  </p:stCondLst>
+                                  <p:childTnLst>
+                                    <p:set>
+                                      <p:cBhvr>
+                                        <p:cTn id="10" dur="1" fill="hold">
+                                          <p:stCondLst>
+                                            <p:cond delay="0"/>
+                                          </p:stCondLst>
+                                        </p:cTn>
+                                        <p:tgtEl>
+                                          <p:spTgt spid="3">
+                                            <p:txEl>
+                                              <p:pRg st="2" end="2"/>
+                                            </p:txEl>
+                                          </p:spTgt>
+                                        </p:tgtEl>
+                                        <p:attrNameLst>
+                                          <p:attrName>style.visibility</p:attrName>
+                                        </p:attrNameLst>
+                                      </p:cBhvr>
+                                      <p:to>
+                                        <p:strVal val="visible"/>
+                                      </p:to>
+                                    </p:set>
+                                  </p:childTnLst>
+                                </p:cTn>
+                              </p:par>
+                            </p:childTnLst>
+                          </p:cTn>
+                        </p:par>
+                      </p:childTnLst>
+                    </p:cTn>
+                  </p:par>
+                  <p:par>
+                    <p:cTn id="11" fill="hold">
+                      <p:stCondLst>
+                        <p:cond delay="indefinite"/>
+                      </p:stCondLst>
+                      <p:childTnLst>
+                        <p:par>
+                          <p:cTn id="12" fill="hold">
+                            <p:stCondLst>
+                              <p:cond delay="0"/>
+                            </p:stCondLst>
+                            <p:childTnLst>
+                              <p:par>
+                                <p:cTn id="13" presetID="1" presetClass="entr" presetSubtype="0" fill="hold" nodeType="clickEffect">
+                                  <p:stCondLst>
+                                    <p:cond delay="0"/>
+                                  </p:stCondLst>
+                                  <p:childTnLst>
+                                    <p:set>
+                                      <p:cBhvr>
+                                        <p:cTn id="14" dur="1" fill="hold">
+                                          <p:stCondLst>
+                                            <p:cond delay="0"/>
+                                          </p:stCondLst>
+                                        </p:cTn>
+                                        <p:tgtEl>
+                                          <p:spTgt spid="3">
+                                            <p:txEl>
+                                              <p:pRg st="3" end="3"/>
+                                            </p:txEl>
+                                          </p:spTgt>
+                                        </p:tgtEl>
+                                        <p:attrNameLst>
+                                          <p:attrName>style.visibility</p:attrName>
+                                        </p:attrNameLst>
+                                      </p:cBhvr>
+                                      <p:to>
+                                        <p:strVal val="visible"/>
+                                      </p:to>
+                                    </p:set>
+                                  </p:childTnLst>
+                                </p:cTn>
+                              </p:par>
+                            </p:childTnLst>
+                          </p:cTn>
+                        </p:par>
+                      </p:childTnLst>
+                    </p:cTn>
+                  </p:par>
+                </p:childTnLst>
+              </p:cTn>
+              <p:prevCondLst>
+                <p:cond evt="onPrev" delay="0">
+                  <p:tgtEl>
+                    <p:sldTgt/>
+                  </p:tgtEl>
+                </p:cond>
+              </p:prevCondLst>
+              <p:nextCondLst>
+                <p:cond evt="onNext" delay="0">
+                  <p:tgtEl>
+                    <p:sldTgt/>
+                  </p:tgtEl>
+                </p:cond>
+              </p:nextCondLst>
+            </p:seq>
+          </p:childTnLst>
+        </p:cTn>
+      </p:par>
+    </p:tnLst>
+  </p:timing>
+</p:sld>
+</file>
+
+<file path=ppt/slides/slide14.xml><?xml version="1.0" encoding="utf-8"?>
+<p:sld xmlns:a="http://schemas.openxmlformats.org/drawingml/2006/main" xmlns:r="http://schemas.openxmlformats.org/officeDocument/2006/relationships" xmlns:p="http://schemas.openxmlformats.org/presentationml/2006/main">
+  <p:cSld>
+    <p:spTree>
+      <p:nvGrpSpPr>
+        <p:cNvPr id="1" name=""/>
+        <p:cNvGrpSpPr/>
+        <p:nvPr/>
+      </p:nvGrpSpPr>
+      <p:grpSpPr>
+        <a:xfrm>
+          <a:off x="0" y="0"/>
+          <a:ext cx="0" cy="0"/>
+          <a:chOff x="0" y="0"/>
+          <a:chExt cx="0" cy="0"/>
+        </a:xfrm>
+      </p:grpSpPr>
+      <p:sp>
+        <p:nvSpPr>
+          <p:cNvPr id="2" name="Title 1"/>
+          <p:cNvSpPr>
+            <a:spLocks noGrp="1"/>
+          </p:cNvSpPr>
+          <p:nvPr>
+            <p:ph type="title"/>
+          </p:nvPr>
+        </p:nvSpPr>
+        <p:spPr/>
+        <p:txBody>
+          <a:bodyPr/>
+          <a:lstStyle/>
+          <a:p>
+            <a:r>
+              <a:rPr lang="en-US" dirty="0"/>
+              <a:t>Hurdle Jumper</a:t>
+            </a:r>
+          </a:p>
+        </p:txBody>
+      </p:sp>
+      <p:sp>
+        <p:nvSpPr>
+          <p:cNvPr id="3" name="Content Placeholder 2"/>
+          <p:cNvSpPr>
+            <a:spLocks noGrp="1"/>
+          </p:cNvSpPr>
+          <p:nvPr>
+            <p:ph idx="1"/>
+          </p:nvPr>
+        </p:nvSpPr>
+        <p:spPr/>
+        <p:txBody>
+          <a:bodyPr anchor="ctr"/>
+          <a:lstStyle/>
+          <a:p>
+            <a:pPr marL="0" indent="0" algn="ctr">
+              <a:buNone/>
+            </a:pPr>
+            <a:r>
+              <a:rPr lang="en-US" sz="8400" i="1" dirty="0"/>
+              <a:t>Demo</a:t>
+            </a:r>
+          </a:p>
+        </p:txBody>
+      </p:sp>
+    </p:spTree>
+    <p:extLst>
+      <p:ext uri="{BB962C8B-B14F-4D97-AF65-F5344CB8AC3E}">
+        <p14:creationId xmlns:p14="http://schemas.microsoft.com/office/powerpoint/2010/main" val="3741370432"/>
+      </p:ext>
+    </p:extLst>
+  </p:cSld>
+  <p:clrMapOvr>
+    <a:masterClrMapping/>
+  </p:clrMapOvr>
+</p:sld>
+</file>
+
+<file path=ppt/slides/slide15.xml><?xml version="1.0" encoding="utf-8"?>
+<p:sld xmlns:a="http://schemas.openxmlformats.org/drawingml/2006/main" xmlns:r="http://schemas.openxmlformats.org/officeDocument/2006/relationships" xmlns:p="http://schemas.openxmlformats.org/presentationml/2006/main">
+  <p:cSld>
+    <p:spTree>
+      <p:nvGrpSpPr>
+        <p:cNvPr id="1" name=""/>
+        <p:cNvGrpSpPr/>
+        <p:nvPr/>
+      </p:nvGrpSpPr>
+      <p:grpSpPr>
+        <a:xfrm>
+          <a:off x="0" y="0"/>
+          <a:ext cx="0" cy="0"/>
+          <a:chOff x="0" y="0"/>
+          <a:chExt cx="0" cy="0"/>
+        </a:xfrm>
+      </p:grpSpPr>
+      <p:sp>
+        <p:nvSpPr>
+          <p:cNvPr id="2" name="Title 1">
+            <a:extLst>
+              <a:ext uri="{FF2B5EF4-FFF2-40B4-BE49-F238E27FC236}">
+                <a16:creationId xmlns:a16="http://schemas.microsoft.com/office/drawing/2014/main" id="{B4CD9F11-0BD3-0246-92D0-F6AD95EC4E31}"/>
+              </a:ext>
+            </a:extLst>
+          </p:cNvPr>
+          <p:cNvSpPr>
+            <a:spLocks noGrp="1"/>
+          </p:cNvSpPr>
+          <p:nvPr>
+            <p:ph type="title"/>
+          </p:nvPr>
+        </p:nvSpPr>
+        <p:spPr/>
+        <p:txBody>
+          <a:bodyPr/>
+          <a:lstStyle/>
+          <a:p>
+            <a:r>
+              <a:rPr lang="en-US" dirty="0"/>
+              <a:t>Hurdle Jumper</a:t>
+            </a:r>
+          </a:p>
+        </p:txBody>
+      </p:sp>
+      <p:sp>
+        <p:nvSpPr>
+          <p:cNvPr id="3" name="Content Placeholder 2">
+            <a:extLst>
+              <a:ext uri="{FF2B5EF4-FFF2-40B4-BE49-F238E27FC236}">
+                <a16:creationId xmlns:a16="http://schemas.microsoft.com/office/drawing/2014/main" id="{7E2A5360-57C9-EA4B-8AA2-5861AA834060}"/>
+              </a:ext>
+            </a:extLst>
+          </p:cNvPr>
+          <p:cNvSpPr>
+            <a:spLocks noGrp="1"/>
+          </p:cNvSpPr>
+          <p:nvPr>
+            <p:ph idx="1"/>
+          </p:nvPr>
+        </p:nvSpPr>
+        <p:spPr/>
+        <p:txBody>
+          <a:bodyPr/>
+          <a:lstStyle/>
+          <a:p>
+            <a:pPr marL="0" indent="0">
+              <a:buNone/>
+            </a:pPr>
+            <a:r>
+              <a:rPr lang="en-US" sz="2600" b="1" dirty="0"/>
+              <a:t>Precondition:</a:t>
+            </a:r>
+            <a:r>
+              <a:rPr lang="en-US" sz="2600" dirty="0"/>
+              <a:t> something you </a:t>
+            </a:r>
+            <a:r>
+              <a:rPr lang="en-US" sz="2600" i="1" dirty="0"/>
+              <a:t>assume</a:t>
+            </a:r>
+            <a:r>
+              <a:rPr lang="en-US" sz="2600" dirty="0"/>
+              <a:t> is true at the start of a function or code block</a:t>
+            </a:r>
+          </a:p>
+          <a:p>
+            <a:pPr marL="0" indent="0">
+              <a:buNone/>
+            </a:pPr>
+            <a:r>
+              <a:rPr lang="en-US" sz="2600" b="1" dirty="0"/>
+              <a:t>Postcondition: </a:t>
+            </a:r>
+            <a:r>
+              <a:rPr lang="en-US" sz="2600" dirty="0"/>
+              <a:t>something you </a:t>
+            </a:r>
+            <a:r>
+              <a:rPr lang="en-US" sz="2600" i="1" dirty="0"/>
+              <a:t>promise</a:t>
+            </a:r>
+            <a:r>
+              <a:rPr lang="en-US" sz="2600" dirty="0"/>
+              <a:t> is true at the end of a function or code block</a:t>
+            </a:r>
+            <a:endParaRPr lang="en-US" sz="2600" b="1" dirty="0"/>
+          </a:p>
+          <a:p>
+            <a:pPr marL="0" indent="0">
+              <a:buNone/>
+            </a:pPr>
+            <a:r>
+              <a:rPr lang="en-US" sz="2600" dirty="0"/>
+              <a:t>Pre/post-conditions should be documented using comments.</a:t>
+            </a:r>
+          </a:p>
+          <a:p>
+            <a:pPr marL="0" indent="0">
+              <a:buNone/>
+            </a:pPr>
+            <a:endParaRPr lang="en-US" sz="2600" dirty="0"/>
+          </a:p>
+          <a:p>
+            <a:pPr marL="0" indent="0">
+              <a:spcBef>
+                <a:spcPts val="0"/>
+              </a:spcBef>
+              <a:buNone/>
+            </a:pPr>
+            <a:r>
+              <a:rPr lang="en-US" sz="2600" dirty="0">
+                <a:latin typeface="Consolas" panose="020B0609020204030204" pitchFamily="49" charset="0"/>
+                <a:cs typeface="Consolas" panose="020B0609020204030204" pitchFamily="49" charset="0"/>
+              </a:rPr>
+              <a:t>def </a:t>
+            </a:r>
+            <a:r>
+              <a:rPr lang="en-US" sz="2600" dirty="0" err="1">
+                <a:latin typeface="Consolas" panose="020B0609020204030204" pitchFamily="49" charset="0"/>
+                <a:cs typeface="Consolas" panose="020B0609020204030204" pitchFamily="49" charset="0"/>
+              </a:rPr>
+              <a:t>jump_hurdle</a:t>
+            </a:r>
+            <a:r>
+              <a:rPr lang="en-US" sz="2600" dirty="0">
+                <a:latin typeface="Consolas" panose="020B0609020204030204" pitchFamily="49" charset="0"/>
+                <a:cs typeface="Consolas" panose="020B0609020204030204" pitchFamily="49" charset="0"/>
+              </a:rPr>
+              <a:t>():</a:t>
+            </a:r>
+            <a:br>
+              <a:rPr lang="en-US" sz="2600" dirty="0">
+                <a:latin typeface="Consolas" panose="020B0609020204030204" pitchFamily="49" charset="0"/>
+                <a:cs typeface="Consolas" panose="020B0609020204030204" pitchFamily="49" charset="0"/>
+              </a:rPr>
+            </a:br>
+            <a:r>
+              <a:rPr lang="en-US" sz="2600" dirty="0">
+                <a:latin typeface="Consolas" panose="020B0609020204030204" pitchFamily="49" charset="0"/>
+                <a:cs typeface="Consolas" panose="020B0609020204030204" pitchFamily="49" charset="0"/>
+              </a:rPr>
+              <a:t>    </a:t>
+            </a:r>
+            <a:r>
+              <a:rPr lang="en-US" sz="2600" i="1" dirty="0">
+                <a:solidFill>
+                  <a:srgbClr val="00B050"/>
+                </a:solidFill>
+                <a:latin typeface="Consolas" panose="020B0609020204030204" pitchFamily="49" charset="0"/>
+                <a:cs typeface="Consolas" panose="020B0609020204030204" pitchFamily="49" charset="0"/>
+              </a:rPr>
+              <a:t>"""</a:t>
+            </a:r>
+            <a:br>
+              <a:rPr lang="en-US" sz="2600" i="1" dirty="0">
+                <a:solidFill>
+                  <a:srgbClr val="00B050"/>
+                </a:solidFill>
+                <a:latin typeface="Consolas" panose="020B0609020204030204" pitchFamily="49" charset="0"/>
+                <a:cs typeface="Consolas" panose="020B0609020204030204" pitchFamily="49" charset="0"/>
+              </a:rPr>
+            </a:br>
+            <a:r>
+              <a:rPr lang="en-US" sz="2600" i="1" dirty="0">
+                <a:solidFill>
+                  <a:srgbClr val="00B050"/>
+                </a:solidFill>
+                <a:latin typeface="Consolas" panose="020B0609020204030204" pitchFamily="49" charset="0"/>
+                <a:cs typeface="Consolas" panose="020B0609020204030204" pitchFamily="49" charset="0"/>
+              </a:rPr>
+              <a:t>    Karel jumps over one hurdle of arbitrary height.</a:t>
+            </a:r>
+            <a:br>
+              <a:rPr lang="en-US" sz="2600" i="1" dirty="0">
+                <a:solidFill>
+                  <a:srgbClr val="00B050"/>
+                </a:solidFill>
+                <a:latin typeface="Consolas" panose="020B0609020204030204" pitchFamily="49" charset="0"/>
+                <a:cs typeface="Consolas" panose="020B0609020204030204" pitchFamily="49" charset="0"/>
+              </a:rPr>
+            </a:br>
+            <a:r>
+              <a:rPr lang="en-US" sz="2600" i="1" dirty="0">
+                <a:solidFill>
+                  <a:srgbClr val="00B050"/>
+                </a:solidFill>
+                <a:latin typeface="Consolas" panose="020B0609020204030204" pitchFamily="49" charset="0"/>
+                <a:cs typeface="Consolas" panose="020B0609020204030204" pitchFamily="49" charset="0"/>
+              </a:rPr>
+              <a:t>    Pre-condition:  Karel is facing east next to a hurdle.</a:t>
+            </a:r>
+            <a:br>
+              <a:rPr lang="en-US" sz="2600" i="1" dirty="0">
+                <a:solidFill>
+                  <a:srgbClr val="00B050"/>
+                </a:solidFill>
+                <a:latin typeface="Consolas" panose="020B0609020204030204" pitchFamily="49" charset="0"/>
+                <a:cs typeface="Consolas" panose="020B0609020204030204" pitchFamily="49" charset="0"/>
+              </a:rPr>
+            </a:br>
+            <a:r>
+              <a:rPr lang="en-US" sz="2600" i="1" dirty="0">
+                <a:solidFill>
+                  <a:srgbClr val="00B050"/>
+                </a:solidFill>
+                <a:latin typeface="Consolas" panose="020B0609020204030204" pitchFamily="49" charset="0"/>
+                <a:cs typeface="Consolas" panose="020B0609020204030204" pitchFamily="49" charset="0"/>
+              </a:rPr>
+              <a:t>    Post-condition: Karel is facing east at the bottom of</a:t>
+            </a:r>
+            <a:br>
+              <a:rPr lang="en-US" sz="2600" i="1" dirty="0">
+                <a:solidFill>
+                  <a:srgbClr val="00B050"/>
+                </a:solidFill>
+                <a:latin typeface="Consolas" panose="020B0609020204030204" pitchFamily="49" charset="0"/>
+                <a:cs typeface="Consolas" panose="020B0609020204030204" pitchFamily="49" charset="0"/>
+              </a:rPr>
+            </a:br>
+            <a:r>
+              <a:rPr lang="en-US" sz="2600" i="1" dirty="0">
+                <a:solidFill>
+                  <a:srgbClr val="00B050"/>
+                </a:solidFill>
+                <a:latin typeface="Consolas" panose="020B0609020204030204" pitchFamily="49" charset="0"/>
+                <a:cs typeface="Consolas" panose="020B0609020204030204" pitchFamily="49" charset="0"/>
+              </a:rPr>
+              <a:t>                   the other side of the hurdle.</a:t>
+            </a:r>
+            <a:br>
+              <a:rPr lang="en-US" sz="2600" i="1" dirty="0">
+                <a:solidFill>
+                  <a:srgbClr val="00B050"/>
+                </a:solidFill>
+                <a:latin typeface="Consolas" panose="020B0609020204030204" pitchFamily="49" charset="0"/>
+                <a:cs typeface="Consolas" panose="020B0609020204030204" pitchFamily="49" charset="0"/>
+              </a:rPr>
+            </a:br>
+            <a:r>
+              <a:rPr lang="en-US" sz="2600" i="1" dirty="0">
+                <a:solidFill>
+                  <a:srgbClr val="00B050"/>
+                </a:solidFill>
+                <a:latin typeface="Consolas" panose="020B0609020204030204" pitchFamily="49" charset="0"/>
+                <a:cs typeface="Consolas" panose="020B0609020204030204" pitchFamily="49" charset="0"/>
+              </a:rPr>
+              <a:t>    """</a:t>
+            </a:r>
+            <a:br>
+              <a:rPr lang="en-US" sz="2600" i="1" dirty="0">
+                <a:solidFill>
+                  <a:srgbClr val="00B050"/>
+                </a:solidFill>
+                <a:latin typeface="Consolas" panose="020B0609020204030204" pitchFamily="49" charset="0"/>
+                <a:cs typeface="Consolas" panose="020B0609020204030204" pitchFamily="49" charset="0"/>
+              </a:rPr>
+            </a:br>
+            <a:r>
+              <a:rPr lang="en-US" sz="2600" i="1" dirty="0">
+                <a:latin typeface="Consolas" panose="020B0609020204030204" pitchFamily="49" charset="0"/>
+                <a:cs typeface="Consolas" panose="020B0609020204030204" pitchFamily="49" charset="0"/>
+              </a:rPr>
+              <a:t>    </a:t>
+            </a:r>
+            <a:r>
+              <a:rPr lang="en-US" sz="2600" dirty="0" err="1">
+                <a:latin typeface="Consolas" panose="020B0609020204030204" pitchFamily="49" charset="0"/>
+                <a:cs typeface="Consolas" panose="020B0609020204030204" pitchFamily="49" charset="0"/>
+              </a:rPr>
+              <a:t>ascend_hurdle</a:t>
+            </a:r>
+            <a:r>
+              <a:rPr lang="en-US" sz="2600" dirty="0">
+                <a:latin typeface="Consolas" panose="020B0609020204030204" pitchFamily="49" charset="0"/>
+                <a:cs typeface="Consolas" panose="020B0609020204030204" pitchFamily="49" charset="0"/>
+              </a:rPr>
+              <a:t>()</a:t>
+            </a:r>
+            <a:br>
+              <a:rPr lang="en-US" sz="2600" dirty="0">
+                <a:latin typeface="Consolas" panose="020B0609020204030204" pitchFamily="49" charset="0"/>
+                <a:cs typeface="Consolas" panose="020B0609020204030204" pitchFamily="49" charset="0"/>
+              </a:rPr>
+            </a:br>
+            <a:r>
+              <a:rPr lang="en-US" sz="2600" dirty="0">
+                <a:latin typeface="Consolas" panose="020B0609020204030204" pitchFamily="49" charset="0"/>
+                <a:cs typeface="Consolas" panose="020B0609020204030204" pitchFamily="49" charset="0"/>
+              </a:rPr>
+              <a:t>    move()</a:t>
+            </a:r>
+            <a:br>
+              <a:rPr lang="en-US" sz="2600" dirty="0">
+                <a:latin typeface="Consolas" panose="020B0609020204030204" pitchFamily="49" charset="0"/>
+                <a:cs typeface="Consolas" panose="020B0609020204030204" pitchFamily="49" charset="0"/>
+              </a:rPr>
+            </a:br>
+            <a:r>
+              <a:rPr lang="en-US" sz="2600" dirty="0">
+                <a:latin typeface="Consolas" panose="020B0609020204030204" pitchFamily="49" charset="0"/>
+                <a:cs typeface="Consolas" panose="020B0609020204030204" pitchFamily="49" charset="0"/>
+              </a:rPr>
+              <a:t>    </a:t>
+            </a:r>
+            <a:r>
+              <a:rPr lang="en-US" sz="2600" dirty="0" err="1">
+                <a:latin typeface="Consolas" panose="020B0609020204030204" pitchFamily="49" charset="0"/>
+                <a:cs typeface="Consolas" panose="020B0609020204030204" pitchFamily="49" charset="0"/>
+              </a:rPr>
+              <a:t>descend_hurdle</a:t>
+            </a:r>
+            <a:r>
+              <a:rPr lang="en-US" sz="2600" dirty="0">
+                <a:latin typeface="Consolas" panose="020B0609020204030204" pitchFamily="49" charset="0"/>
+                <a:cs typeface="Consolas" panose="020B0609020204030204" pitchFamily="49" charset="0"/>
+              </a:rPr>
+              <a:t>()</a:t>
+            </a:r>
+          </a:p>
+        </p:txBody>
+      </p:sp>
+    </p:spTree>
+    <p:extLst>
+      <p:ext uri="{BB962C8B-B14F-4D97-AF65-F5344CB8AC3E}">
+        <p14:creationId xmlns:p14="http://schemas.microsoft.com/office/powerpoint/2010/main" val="3810742629"/>
+      </p:ext>
+    </p:extLst>
+  </p:cSld>
+  <p:clrMapOvr>
+    <a:masterClrMapping/>
+  </p:clrMapOvr>
+  <p:timing>
+    <p:tnLst>
+      <p:par>
+        <p:cTn id="1" dur="indefinite" restart="never" nodeType="tmRoot">
+          <p:childTnLst>
+            <p:seq concurrent="1" nextAc="seek">
+              <p:cTn id="2" dur="indefinite" nodeType="mainSeq">
+                <p:childTnLst>
+                  <p:par>
+                    <p:cTn id="3" fill="hold">
+                      <p:stCondLst>
+                        <p:cond delay="indefinite"/>
+                      </p:stCondLst>
+                      <p:childTnLst>
+                        <p:par>
+                          <p:cTn id="4" fill="hold">
+                            <p:stCondLst>
+                              <p:cond delay="0"/>
+                            </p:stCondLst>
+                            <p:childTnLst>
+                              <p:par>
+                                <p:cTn id="5" presetID="1" presetClass="entr" presetSubtype="0" fill="hold" nodeType="clickEffect">
+                                  <p:stCondLst>
+                                    <p:cond delay="0"/>
+                                  </p:stCondLst>
+                                  <p:childTnLst>
+                                    <p:set>
+                                      <p:cBhvr>
+                                        <p:cTn id="6" dur="1" fill="hold">
+                                          <p:stCondLst>
+                                            <p:cond delay="0"/>
+                                          </p:stCondLst>
+                                        </p:cTn>
+                                        <p:tgtEl>
+                                          <p:spTgt spid="3">
+                                            <p:txEl>
+                                              <p:pRg st="4" end="4"/>
+                                            </p:txEl>
+                                          </p:spTgt>
+                                        </p:tgtEl>
+                                        <p:attrNameLst>
+                                          <p:attrName>style.visibility</p:attrName>
+                                        </p:attrNameLst>
+                                      </p:cBhvr>
+                                      <p:to>
+                                        <p:strVal val="visible"/>
+                                      </p:to>
+                                    </p:set>
+                                  </p:childTnLst>
+                                </p:cTn>
+                              </p:par>
+                            </p:childTnLst>
+                          </p:cTn>
+                        </p:par>
+                      </p:childTnLst>
+                    </p:cTn>
+                  </p:par>
+                </p:childTnLst>
+              </p:cTn>
+              <p:prevCondLst>
+                <p:cond evt="onPrev" delay="0">
+                  <p:tgtEl>
+                    <p:sldTgt/>
+                  </p:tgtEl>
+                </p:cond>
+              </p:prevCondLst>
+              <p:nextCondLst>
+                <p:cond evt="onNext" delay="0">
+                  <p:tgtEl>
+                    <p:sldTgt/>
+                  </p:tgtEl>
+                </p:cond>
+              </p:nextCondLst>
+            </p:seq>
+          </p:childTnLst>
+        </p:cTn>
+      </p:par>
+    </p:tnLst>
+  </p:timing>
+</p:sld>
+</file>
+
+<file path=ppt/slides/slide16.xml><?xml version="1.0" encoding="utf-8"?>
+<p:sld xmlns:a="http://schemas.openxmlformats.org/drawingml/2006/main" xmlns:r="http://schemas.openxmlformats.org/officeDocument/2006/relationships" xmlns:p="http://schemas.openxmlformats.org/presentationml/2006/main">
+  <p:cSld>
+    <p:spTree>
+      <p:nvGrpSpPr>
+        <p:cNvPr id="1" name=""/>
+        <p:cNvGrpSpPr/>
+        <p:nvPr/>
+      </p:nvGrpSpPr>
+      <p:grpSpPr>
+        <a:xfrm>
+          <a:off x="0" y="0"/>
+          <a:ext cx="0" cy="0"/>
+          <a:chOff x="0" y="0"/>
+          <a:chExt cx="0" cy="0"/>
+        </a:xfrm>
+      </p:grpSpPr>
+      <p:sp>
+        <p:nvSpPr>
+          <p:cNvPr id="2" name="Title 1">
+            <a:extLst>
+              <a:ext uri="{FF2B5EF4-FFF2-40B4-BE49-F238E27FC236}">
+                <a16:creationId xmlns:a16="http://schemas.microsoft.com/office/drawing/2014/main" id="{B4CD9F11-0BD3-0246-92D0-F6AD95EC4E31}"/>
+              </a:ext>
+            </a:extLst>
+          </p:cNvPr>
+          <p:cNvSpPr>
+            <a:spLocks noGrp="1"/>
+          </p:cNvSpPr>
+          <p:nvPr>
+            <p:ph type="title"/>
+          </p:nvPr>
+        </p:nvSpPr>
+        <p:spPr/>
+        <p:txBody>
+          <a:bodyPr/>
+          <a:lstStyle/>
+          <a:p>
+            <a:r>
+              <a:rPr lang="en-US" dirty="0"/>
+              <a:t>Hurdle Jumper</a:t>
+            </a:r>
+          </a:p>
+        </p:txBody>
+      </p:sp>
+      <p:sp>
+        <p:nvSpPr>
+          <p:cNvPr id="3" name="Content Placeholder 2">
+            <a:extLst>
+              <a:ext uri="{FF2B5EF4-FFF2-40B4-BE49-F238E27FC236}">
+                <a16:creationId xmlns:a16="http://schemas.microsoft.com/office/drawing/2014/main" id="{7E2A5360-57C9-EA4B-8AA2-5861AA834060}"/>
+              </a:ext>
+            </a:extLst>
+          </p:cNvPr>
+          <p:cNvSpPr>
+            <a:spLocks noGrp="1"/>
+          </p:cNvSpPr>
+          <p:nvPr>
+            <p:ph idx="1"/>
+          </p:nvPr>
+        </p:nvSpPr>
+        <p:spPr/>
+        <p:txBody>
+          <a:bodyPr/>
+          <a:lstStyle/>
+          <a:p>
+            <a:pPr marL="0" indent="0">
+              <a:buNone/>
+            </a:pPr>
+            <a:r>
+              <a:rPr lang="en-US" sz="2600" b="1" dirty="0"/>
+              <a:t>Precondition:</a:t>
+            </a:r>
+            <a:r>
+              <a:rPr lang="en-US" sz="2600" dirty="0"/>
+              <a:t> something you </a:t>
+            </a:r>
+            <a:r>
+              <a:rPr lang="en-US" sz="2600" i="1" dirty="0"/>
+              <a:t>assume</a:t>
+            </a:r>
+            <a:r>
+              <a:rPr lang="en-US" sz="2600" dirty="0"/>
+              <a:t> is true at the start of a function or code block</a:t>
+            </a:r>
+          </a:p>
+          <a:p>
+            <a:pPr marL="0" indent="0">
+              <a:buNone/>
+            </a:pPr>
+            <a:r>
+              <a:rPr lang="en-US" sz="2600" b="1" dirty="0"/>
+              <a:t>Postcondition: </a:t>
+            </a:r>
+            <a:r>
+              <a:rPr lang="en-US" sz="2600" dirty="0"/>
+              <a:t>something you </a:t>
+            </a:r>
+            <a:r>
+              <a:rPr lang="en-US" sz="2600" i="1" dirty="0"/>
+              <a:t>promise</a:t>
+            </a:r>
+            <a:r>
+              <a:rPr lang="en-US" sz="2600" dirty="0"/>
+              <a:t> is true at the end of a function or code block</a:t>
+            </a:r>
+            <a:endParaRPr lang="en-US" sz="2600" b="1" dirty="0"/>
+          </a:p>
+          <a:p>
+            <a:pPr marL="0" indent="0">
+              <a:buNone/>
+            </a:pPr>
+            <a:r>
+              <a:rPr lang="en-US" sz="2600" dirty="0"/>
+              <a:t>Pre/post-conditions should be documented using comments.</a:t>
+            </a:r>
+          </a:p>
+          <a:p>
+            <a:pPr marL="0" indent="0">
+              <a:buNone/>
+            </a:pPr>
+            <a:endParaRPr lang="en-US" sz="2600" dirty="0"/>
+          </a:p>
+          <a:p>
+            <a:pPr marL="0" indent="0">
+              <a:spcBef>
+                <a:spcPts val="0"/>
+              </a:spcBef>
+              <a:buNone/>
+            </a:pPr>
+            <a:r>
+              <a:rPr lang="en-US" sz="2600" dirty="0">
+                <a:latin typeface="Consolas" panose="020B0609020204030204" pitchFamily="49" charset="0"/>
+                <a:cs typeface="Consolas" panose="020B0609020204030204" pitchFamily="49" charset="0"/>
+              </a:rPr>
+              <a:t>def main():</a:t>
+            </a:r>
+            <a:br>
+              <a:rPr lang="en-US" sz="2600" dirty="0">
+                <a:latin typeface="Consolas" panose="020B0609020204030204" pitchFamily="49" charset="0"/>
+                <a:cs typeface="Consolas" panose="020B0609020204030204" pitchFamily="49" charset="0"/>
+              </a:rPr>
+            </a:br>
+            <a:r>
+              <a:rPr lang="en-US" sz="2600" dirty="0">
+                <a:latin typeface="Consolas" panose="020B0609020204030204" pitchFamily="49" charset="0"/>
+                <a:cs typeface="Consolas" panose="020B0609020204030204" pitchFamily="49" charset="0"/>
+              </a:rPr>
+              <a:t>    for </a:t>
+            </a:r>
+            <a:r>
+              <a:rPr lang="en-US" sz="2600" dirty="0" err="1">
+                <a:latin typeface="Consolas" panose="020B0609020204030204" pitchFamily="49" charset="0"/>
+                <a:cs typeface="Consolas" panose="020B0609020204030204" pitchFamily="49" charset="0"/>
+              </a:rPr>
+              <a:t>i</a:t>
+            </a:r>
+            <a:r>
+              <a:rPr lang="en-US" sz="2600" dirty="0">
+                <a:latin typeface="Consolas" panose="020B0609020204030204" pitchFamily="49" charset="0"/>
+                <a:cs typeface="Consolas" panose="020B0609020204030204" pitchFamily="49" charset="0"/>
+              </a:rPr>
+              <a:t> in range(8):</a:t>
+            </a:r>
+          </a:p>
+          <a:p>
+            <a:pPr marL="0" indent="0">
+              <a:spcBef>
+                <a:spcPts val="0"/>
+              </a:spcBef>
+              <a:buNone/>
+            </a:pPr>
+            <a:r>
+              <a:rPr lang="en-US" sz="2600" dirty="0">
+                <a:solidFill>
+                  <a:srgbClr val="00B050"/>
+                </a:solidFill>
+                <a:latin typeface="Consolas" panose="020B0609020204030204" pitchFamily="49" charset="0"/>
+                <a:cs typeface="Consolas" panose="020B0609020204030204" pitchFamily="49" charset="0"/>
+              </a:rPr>
+              <a:t>        # What do we assume is true here?</a:t>
+            </a:r>
+          </a:p>
+          <a:p>
+            <a:pPr marL="0" indent="0">
+              <a:spcBef>
+                <a:spcPts val="0"/>
+              </a:spcBef>
+              <a:buNone/>
+            </a:pPr>
+            <a:r>
+              <a:rPr lang="en-US" sz="2600" dirty="0">
+                <a:latin typeface="Consolas" panose="020B0609020204030204" pitchFamily="49" charset="0"/>
+                <a:cs typeface="Consolas" panose="020B0609020204030204" pitchFamily="49" charset="0"/>
+              </a:rPr>
+              <a:t>        if </a:t>
+            </a:r>
+            <a:r>
+              <a:rPr lang="en-US" sz="2600" dirty="0" err="1">
+                <a:latin typeface="Consolas" panose="020B0609020204030204" pitchFamily="49" charset="0"/>
+                <a:cs typeface="Consolas" panose="020B0609020204030204" pitchFamily="49" charset="0"/>
+              </a:rPr>
+              <a:t>front_is_clear</a:t>
+            </a:r>
+            <a:r>
+              <a:rPr lang="en-US" sz="2600" dirty="0">
+                <a:latin typeface="Consolas" panose="020B0609020204030204" pitchFamily="49" charset="0"/>
+                <a:cs typeface="Consolas" panose="020B0609020204030204" pitchFamily="49" charset="0"/>
+              </a:rPr>
+              <a:t>():</a:t>
+            </a:r>
+          </a:p>
+          <a:p>
+            <a:pPr marL="0" indent="0">
+              <a:spcBef>
+                <a:spcPts val="0"/>
+              </a:spcBef>
+              <a:buNone/>
+            </a:pPr>
+            <a:r>
+              <a:rPr lang="en-US" sz="2600" dirty="0">
+                <a:latin typeface="Consolas" panose="020B0609020204030204" pitchFamily="49" charset="0"/>
+                <a:cs typeface="Consolas" panose="020B0609020204030204" pitchFamily="49" charset="0"/>
+              </a:rPr>
+              <a:t>            move()</a:t>
+            </a:r>
+          </a:p>
+          <a:p>
+            <a:pPr marL="0" indent="0">
+              <a:spcBef>
+                <a:spcPts val="0"/>
+              </a:spcBef>
+              <a:buNone/>
+            </a:pPr>
+            <a:r>
+              <a:rPr lang="en-US" sz="2600" dirty="0">
+                <a:latin typeface="Consolas" panose="020B0609020204030204" pitchFamily="49" charset="0"/>
+                <a:cs typeface="Consolas" panose="020B0609020204030204" pitchFamily="49" charset="0"/>
+              </a:rPr>
+              <a:t>        else:</a:t>
+            </a:r>
+          </a:p>
+          <a:p>
+            <a:pPr marL="0" indent="0">
+              <a:spcBef>
+                <a:spcPts val="0"/>
+              </a:spcBef>
+              <a:buNone/>
+            </a:pPr>
+            <a:r>
+              <a:rPr lang="en-US" sz="2600" dirty="0">
+                <a:latin typeface="Consolas" panose="020B0609020204030204" pitchFamily="49" charset="0"/>
+                <a:cs typeface="Consolas" panose="020B0609020204030204" pitchFamily="49" charset="0"/>
+              </a:rPr>
+              <a:t>            </a:t>
+            </a:r>
+            <a:r>
+              <a:rPr lang="en-US" sz="2600" dirty="0" err="1">
+                <a:latin typeface="Consolas" panose="020B0609020204030204" pitchFamily="49" charset="0"/>
+                <a:cs typeface="Consolas" panose="020B0609020204030204" pitchFamily="49" charset="0"/>
+              </a:rPr>
+              <a:t>jump_hurdle</a:t>
+            </a:r>
+            <a:r>
+              <a:rPr lang="en-US" sz="2600" dirty="0">
+                <a:latin typeface="Consolas" panose="020B0609020204030204" pitchFamily="49" charset="0"/>
+                <a:cs typeface="Consolas" panose="020B0609020204030204" pitchFamily="49" charset="0"/>
+              </a:rPr>
+              <a:t>()</a:t>
+            </a:r>
+          </a:p>
+          <a:p>
+            <a:pPr marL="0" indent="0">
+              <a:spcBef>
+                <a:spcPts val="0"/>
+              </a:spcBef>
+              <a:buNone/>
+            </a:pPr>
+            <a:r>
+              <a:rPr lang="en-US" sz="2600" dirty="0">
+                <a:solidFill>
+                  <a:srgbClr val="00B050"/>
+                </a:solidFill>
+                <a:latin typeface="Consolas" panose="020B0609020204030204" pitchFamily="49" charset="0"/>
+                <a:cs typeface="Consolas" panose="020B0609020204030204" pitchFamily="49" charset="0"/>
+              </a:rPr>
+              <a:t>        # Does the postcondition match?</a:t>
+            </a:r>
+          </a:p>
+        </p:txBody>
+      </p:sp>
+    </p:spTree>
+    <p:extLst>
+      <p:ext uri="{BB962C8B-B14F-4D97-AF65-F5344CB8AC3E}">
+        <p14:creationId xmlns:p14="http://schemas.microsoft.com/office/powerpoint/2010/main" val="2528235960"/>
+      </p:ext>
+    </p:extLst>
+  </p:cSld>
+  <p:clrMapOvr>
+    <a:masterClrMapping/>
+  </p:clrMapOvr>
+</p:sld>
+</file>
+
+<file path=ppt/slides/slide17.xml><?xml version="1.0" encoding="utf-8"?>
+<p:sld xmlns:a="http://schemas.openxmlformats.org/drawingml/2006/main" xmlns:r="http://schemas.openxmlformats.org/officeDocument/2006/relationships" xmlns:p="http://schemas.openxmlformats.org/presentationml/2006/main">
+  <p:cSld>
+    <p:spTree>
+      <p:nvGrpSpPr>
+        <p:cNvPr id="1" name=""/>
+        <p:cNvGrpSpPr/>
+        <p:nvPr/>
+      </p:nvGrpSpPr>
+      <p:grpSpPr>
+        <a:xfrm>
+          <a:off x="0" y="0"/>
+          <a:ext cx="0" cy="0"/>
+          <a:chOff x="0" y="0"/>
+          <a:chExt cx="0" cy="0"/>
+        </a:xfrm>
+      </p:grpSpPr>
+      <p:sp>
+        <p:nvSpPr>
+          <p:cNvPr id="2" name="Title 1"/>
+          <p:cNvSpPr>
+            <a:spLocks noGrp="1"/>
+          </p:cNvSpPr>
+          <p:nvPr>
+            <p:ph type="title"/>
+          </p:nvPr>
+        </p:nvSpPr>
+        <p:spPr/>
+        <p:txBody>
+          <a:bodyPr/>
+          <a:lstStyle/>
+          <a:p>
+            <a:r>
+              <a:rPr lang="en-US" dirty="0"/>
+              <a:t>Decomposition</a:t>
+            </a:r>
+          </a:p>
+        </p:txBody>
+      </p:sp>
+      <p:sp>
+        <p:nvSpPr>
+          <p:cNvPr id="3" name="Content Placeholder 2"/>
+          <p:cNvSpPr>
+            <a:spLocks noGrp="1"/>
+          </p:cNvSpPr>
+          <p:nvPr>
+            <p:ph idx="1"/>
+          </p:nvPr>
+        </p:nvSpPr>
+        <p:spPr/>
+        <p:txBody>
+          <a:bodyPr/>
+          <a:lstStyle/>
+          <a:p>
+            <a:r>
+              <a:rPr lang="en-US" dirty="0"/>
+              <a:t>Breaking down problems into smaller, more approachable sub-problems (e.g. our own Karel commands)</a:t>
+            </a:r>
+          </a:p>
+          <a:p>
+            <a:r>
+              <a:rPr lang="en-US" dirty="0"/>
+              <a:t>Each piece should solve </a:t>
+            </a:r>
+            <a:r>
+              <a:rPr lang="en-US" b="1" dirty="0"/>
+              <a:t>one</a:t>
+            </a:r>
+            <a:r>
+              <a:rPr lang="en-US" dirty="0"/>
+              <a:t> problem/task (&lt; ~ 20 lines of code)</a:t>
+            </a:r>
+          </a:p>
+          <a:p>
+            <a:pPr lvl="1"/>
+            <a:r>
+              <a:rPr lang="en-US" dirty="0"/>
+              <a:t>Descriptively-named</a:t>
+            </a:r>
+          </a:p>
+          <a:p>
+            <a:pPr lvl="1"/>
+            <a:r>
+              <a:rPr lang="en-US" dirty="0"/>
+              <a:t>Well-commented!</a:t>
+            </a:r>
+          </a:p>
+          <a:p>
+            <a:r>
+              <a:rPr lang="en-US" dirty="0"/>
+              <a:t>E.g. getting up in the morning:</a:t>
+            </a:r>
+          </a:p>
+          <a:p>
+            <a:pPr lvl="1"/>
+            <a:r>
+              <a:rPr lang="en-US" dirty="0"/>
+              <a:t>Wake up</a:t>
+            </a:r>
+          </a:p>
+          <a:p>
+            <a:pPr lvl="1"/>
+            <a:r>
+              <a:rPr lang="en-US" dirty="0"/>
+              <a:t>Brush teeth</a:t>
+            </a:r>
+          </a:p>
+          <a:p>
+            <a:pPr lvl="2"/>
+            <a:r>
+              <a:rPr lang="en-US" dirty="0"/>
+              <a:t>Put toothpaste on toothbrush</a:t>
+            </a:r>
+          </a:p>
+          <a:p>
+            <a:pPr lvl="2"/>
+            <a:r>
+              <a:rPr lang="en-US" dirty="0"/>
+              <a:t>Insert toothbrush into mouth</a:t>
+            </a:r>
+          </a:p>
+          <a:p>
+            <a:pPr lvl="2"/>
+            <a:r>
+              <a:rPr lang="en-US" dirty="0"/>
+              <a:t>Move toothbrush against teeth</a:t>
+            </a:r>
+          </a:p>
+          <a:p>
+            <a:pPr lvl="2"/>
+            <a:r>
+              <a:rPr lang="mr-IN" dirty="0"/>
+              <a:t>…</a:t>
+            </a:r>
+            <a:endParaRPr lang="en-US" dirty="0"/>
+          </a:p>
+          <a:p>
+            <a:pPr lvl="1"/>
+            <a:r>
+              <a:rPr lang="mr-IN" dirty="0"/>
+              <a:t>…</a:t>
+            </a:r>
+            <a:endParaRPr lang="en-US" dirty="0"/>
+          </a:p>
+          <a:p>
+            <a:endParaRPr lang="en-US" dirty="0"/>
+          </a:p>
+        </p:txBody>
+      </p:sp>
+    </p:spTree>
+    <p:extLst>
+      <p:ext uri="{BB962C8B-B14F-4D97-AF65-F5344CB8AC3E}">
+        <p14:creationId xmlns:p14="http://schemas.microsoft.com/office/powerpoint/2010/main" val="1410325958"/>
+      </p:ext>
+    </p:extLst>
+  </p:cSld>
+  <p:clrMapOvr>
+    <a:masterClrMapping/>
+  </p:clrMapOvr>
+</p:sld>
+</file>
+
+<file path=ppt/slides/slide18.xml><?xml version="1.0" encoding="utf-8"?>
+<p:sld xmlns:a="http://schemas.openxmlformats.org/drawingml/2006/main" xmlns:r="http://schemas.openxmlformats.org/officeDocument/2006/relationships" xmlns:p="http://schemas.openxmlformats.org/presentationml/2006/main">
+  <p:cSld>
+    <p:spTree>
+      <p:nvGrpSpPr>
+        <p:cNvPr id="1" name=""/>
+        <p:cNvGrpSpPr/>
+        <p:nvPr/>
+      </p:nvGrpSpPr>
+      <p:grpSpPr>
+        <a:xfrm>
+          <a:off x="0" y="0"/>
+          <a:ext cx="0" cy="0"/>
+          <a:chOff x="0" y="0"/>
+          <a:chExt cx="0" cy="0"/>
+        </a:xfrm>
+      </p:grpSpPr>
+      <p:sp>
+        <p:nvSpPr>
+          <p:cNvPr id="2" name="Title 1"/>
+          <p:cNvSpPr>
+            <a:spLocks noGrp="1"/>
+          </p:cNvSpPr>
+          <p:nvPr>
+            <p:ph type="title"/>
+          </p:nvPr>
+        </p:nvSpPr>
+        <p:spPr/>
+        <p:txBody>
+          <a:bodyPr/>
+          <a:lstStyle/>
+          <a:p>
+            <a:r>
+              <a:rPr lang="en-US" dirty="0"/>
+              <a:t>Top-Down Design</a:t>
+            </a:r>
+          </a:p>
+        </p:txBody>
+      </p:sp>
+      <p:sp>
+        <p:nvSpPr>
+          <p:cNvPr id="3" name="Content Placeholder 2"/>
+          <p:cNvSpPr>
+            <a:spLocks noGrp="1"/>
+          </p:cNvSpPr>
+          <p:nvPr>
+            <p:ph idx="1"/>
+          </p:nvPr>
+        </p:nvSpPr>
+        <p:spPr/>
+        <p:txBody>
+          <a:bodyPr/>
+          <a:lstStyle/>
+          <a:p>
+            <a:r>
+              <a:rPr lang="en-US" sz="3200" dirty="0"/>
+              <a:t>Start from a large task and break it up into smaller pieces</a:t>
+            </a:r>
+          </a:p>
+          <a:p>
+            <a:r>
+              <a:rPr lang="en-US" sz="3200" dirty="0"/>
+              <a:t>Ok to write your program in terms of commands that don’t exist yet</a:t>
+            </a:r>
+          </a:p>
+          <a:p>
+            <a:r>
+              <a:rPr lang="en-US" sz="3200" dirty="0"/>
+              <a:t>E.g. Hurdle Jumper</a:t>
+            </a:r>
+          </a:p>
+        </p:txBody>
+      </p:sp>
+    </p:spTree>
+    <p:extLst>
+      <p:ext uri="{BB962C8B-B14F-4D97-AF65-F5344CB8AC3E}">
+        <p14:creationId xmlns:p14="http://schemas.microsoft.com/office/powerpoint/2010/main" val="2700700155"/>
+      </p:ext>
+    </p:extLst>
+  </p:cSld>
+  <p:clrMapOvr>
+    <a:masterClrMapping/>
+  </p:clrMapOvr>
+</p:sld>
+</file>
+
 <file path=ppt/slides/slide2.xml><?xml version="1.0" encoding="utf-8"?>
 <p:sld xmlns:a="http://schemas.openxmlformats.org/drawingml/2006/main" xmlns:r="http://schemas.openxmlformats.org/officeDocument/2006/relationships" xmlns:p="http://schemas.openxmlformats.org/presentationml/2006/main">
   <p:cSld>
@@ -3499,6 +7459,2842 @@
     <p:extLst>
       <p:ext uri="{BB962C8B-B14F-4D97-AF65-F5344CB8AC3E}">
         <p14:creationId xmlns:p14="http://schemas.microsoft.com/office/powerpoint/2010/main" val="519923923"/>
+      </p:ext>
+    </p:extLst>
+  </p:cSld>
+  <p:clrMapOvr>
+    <a:masterClrMapping/>
+  </p:clrMapOvr>
+</p:sld>
+</file>
+
+<file path=ppt/slides/slide3.xml><?xml version="1.0" encoding="utf-8"?>
+<p:sld xmlns:a="http://schemas.openxmlformats.org/drawingml/2006/main" xmlns:r="http://schemas.openxmlformats.org/officeDocument/2006/relationships" xmlns:p="http://schemas.openxmlformats.org/presentationml/2006/main">
+  <p:cSld>
+    <p:spTree>
+      <p:nvGrpSpPr>
+        <p:cNvPr id="1" name=""/>
+        <p:cNvGrpSpPr/>
+        <p:nvPr/>
+      </p:nvGrpSpPr>
+      <p:grpSpPr>
+        <a:xfrm>
+          <a:off x="0" y="0"/>
+          <a:ext cx="0" cy="0"/>
+          <a:chOff x="0" y="0"/>
+          <a:chExt cx="0" cy="0"/>
+        </a:xfrm>
+      </p:grpSpPr>
+      <p:sp>
+        <p:nvSpPr>
+          <p:cNvPr id="2" name="Title 1"/>
+          <p:cNvSpPr>
+            <a:spLocks noGrp="1"/>
+          </p:cNvSpPr>
+          <p:nvPr>
+            <p:ph type="title"/>
+          </p:nvPr>
+        </p:nvSpPr>
+        <p:spPr/>
+        <p:txBody>
+          <a:bodyPr/>
+          <a:lstStyle/>
+          <a:p>
+            <a:r>
+              <a:rPr lang="en-US" dirty="0"/>
+              <a:t>If Statements</a:t>
+            </a:r>
+          </a:p>
+        </p:txBody>
+      </p:sp>
+      <p:sp>
+        <p:nvSpPr>
+          <p:cNvPr id="3" name="Content Placeholder 2"/>
+          <p:cNvSpPr>
+            <a:spLocks noGrp="1"/>
+          </p:cNvSpPr>
+          <p:nvPr>
+            <p:ph idx="1"/>
+          </p:nvPr>
+        </p:nvSpPr>
+        <p:spPr/>
+        <p:txBody>
+          <a:bodyPr/>
+          <a:lstStyle/>
+          <a:p>
+            <a:pPr marL="0" indent="0">
+              <a:buNone/>
+            </a:pPr>
+            <a:r>
+              <a:rPr lang="en-US" sz="3200" dirty="0"/>
+              <a:t>I want to make Karel clean up all beepers in front of it until it reaches a wall.  How do I do this?</a:t>
+            </a:r>
+          </a:p>
+        </p:txBody>
+      </p:sp>
+      <p:pic>
+        <p:nvPicPr>
+          <p:cNvPr id="5" name="Picture 4">
+            <a:extLst>
+              <a:ext uri="{FF2B5EF4-FFF2-40B4-BE49-F238E27FC236}">
+                <a16:creationId xmlns:a16="http://schemas.microsoft.com/office/drawing/2014/main" id="{EC57C245-BF0F-544B-AE3D-8A5F8CE2D245}"/>
+              </a:ext>
+            </a:extLst>
+          </p:cNvPr>
+          <p:cNvPicPr>
+            <a:picLocks noChangeAspect="1"/>
+          </p:cNvPicPr>
+          <p:nvPr/>
+        </p:nvPicPr>
+        <p:blipFill>
+          <a:blip r:embed="rId2"/>
+          <a:stretch>
+            <a:fillRect/>
+          </a:stretch>
+        </p:blipFill>
+        <p:spPr>
+          <a:xfrm>
+            <a:off x="794656" y="2496273"/>
+            <a:ext cx="10526487" cy="3962400"/>
+          </a:xfrm>
+          <a:prstGeom prst="rect">
+            <a:avLst/>
+          </a:prstGeom>
+        </p:spPr>
+      </p:pic>
+    </p:spTree>
+    <p:extLst>
+      <p:ext uri="{BB962C8B-B14F-4D97-AF65-F5344CB8AC3E}">
+        <p14:creationId xmlns:p14="http://schemas.microsoft.com/office/powerpoint/2010/main" val="648470911"/>
+      </p:ext>
+    </p:extLst>
+  </p:cSld>
+  <p:clrMapOvr>
+    <a:masterClrMapping/>
+  </p:clrMapOvr>
+</p:sld>
+</file>
+
+<file path=ppt/slides/slide4.xml><?xml version="1.0" encoding="utf-8"?>
+<p:sld xmlns:a="http://schemas.openxmlformats.org/drawingml/2006/main" xmlns:r="http://schemas.openxmlformats.org/officeDocument/2006/relationships" xmlns:p="http://schemas.openxmlformats.org/presentationml/2006/main">
+  <p:cSld>
+    <p:spTree>
+      <p:nvGrpSpPr>
+        <p:cNvPr id="1" name=""/>
+        <p:cNvGrpSpPr/>
+        <p:nvPr/>
+      </p:nvGrpSpPr>
+      <p:grpSpPr>
+        <a:xfrm>
+          <a:off x="0" y="0"/>
+          <a:ext cx="0" cy="0"/>
+          <a:chOff x="0" y="0"/>
+          <a:chExt cx="0" cy="0"/>
+        </a:xfrm>
+      </p:grpSpPr>
+      <p:sp>
+        <p:nvSpPr>
+          <p:cNvPr id="2" name="Title 1"/>
+          <p:cNvSpPr>
+            <a:spLocks noGrp="1"/>
+          </p:cNvSpPr>
+          <p:nvPr>
+            <p:ph type="title"/>
+          </p:nvPr>
+        </p:nvSpPr>
+        <p:spPr/>
+        <p:txBody>
+          <a:bodyPr/>
+          <a:lstStyle/>
+          <a:p>
+            <a:r>
+              <a:rPr lang="en-US" dirty="0"/>
+              <a:t>If Statements</a:t>
+            </a:r>
+          </a:p>
+        </p:txBody>
+      </p:sp>
+      <p:sp>
+        <p:nvSpPr>
+          <p:cNvPr id="3" name="Content Placeholder 2"/>
+          <p:cNvSpPr>
+            <a:spLocks noGrp="1"/>
+          </p:cNvSpPr>
+          <p:nvPr>
+            <p:ph idx="1"/>
+          </p:nvPr>
+        </p:nvSpPr>
+        <p:spPr/>
+        <p:txBody>
+          <a:bodyPr/>
+          <a:lstStyle/>
+          <a:p>
+            <a:pPr marL="0" indent="0">
+              <a:buNone/>
+            </a:pPr>
+            <a:r>
+              <a:rPr lang="en-US" sz="3200" dirty="0"/>
+              <a:t>Will this work?</a:t>
+            </a:r>
+          </a:p>
+          <a:p>
+            <a:pPr marL="0" indent="0">
+              <a:buNone/>
+            </a:pPr>
+            <a:endParaRPr lang="en-US" dirty="0">
+              <a:latin typeface="Courier" charset="0"/>
+              <a:ea typeface="Courier" charset="0"/>
+              <a:cs typeface="Courier" charset="0"/>
+            </a:endParaRPr>
+          </a:p>
+          <a:p>
+            <a:pPr marL="344487" lvl="1" indent="0">
+              <a:buNone/>
+            </a:pPr>
+            <a:r>
+              <a:rPr lang="en-US" dirty="0">
+                <a:latin typeface="Courier" charset="0"/>
+                <a:ea typeface="Courier" charset="0"/>
+                <a:cs typeface="Courier" charset="0"/>
+              </a:rPr>
+              <a:t>while </a:t>
+            </a:r>
+            <a:r>
+              <a:rPr lang="en-US" dirty="0" err="1">
+                <a:latin typeface="Courier" charset="0"/>
+                <a:ea typeface="Courier" charset="0"/>
+                <a:cs typeface="Courier" charset="0"/>
+              </a:rPr>
+              <a:t>front_is_clear</a:t>
+            </a:r>
+            <a:r>
+              <a:rPr lang="en-US" dirty="0">
+                <a:latin typeface="Courier" charset="0"/>
+                <a:ea typeface="Courier" charset="0"/>
+                <a:cs typeface="Courier" charset="0"/>
+              </a:rPr>
+              <a:t>():</a:t>
+            </a:r>
+          </a:p>
+          <a:p>
+            <a:pPr marL="344487" lvl="1" indent="0">
+              <a:buNone/>
+            </a:pPr>
+            <a:r>
+              <a:rPr lang="en-US" dirty="0">
+                <a:latin typeface="Courier" charset="0"/>
+                <a:ea typeface="Courier" charset="0"/>
+                <a:cs typeface="Courier" charset="0"/>
+              </a:rPr>
+              <a:t>	move()</a:t>
+            </a:r>
+          </a:p>
+          <a:p>
+            <a:pPr marL="344487" lvl="1" indent="0">
+              <a:buNone/>
+            </a:pPr>
+            <a:r>
+              <a:rPr lang="en-US" dirty="0">
+                <a:latin typeface="Courier" charset="0"/>
+                <a:ea typeface="Courier" charset="0"/>
+                <a:cs typeface="Courier" charset="0"/>
+              </a:rPr>
+              <a:t>	</a:t>
+            </a:r>
+            <a:r>
+              <a:rPr lang="en-US" dirty="0" err="1">
+                <a:latin typeface="Courier" charset="0"/>
+                <a:ea typeface="Courier" charset="0"/>
+                <a:cs typeface="Courier" charset="0"/>
+              </a:rPr>
+              <a:t>pick_beeper</a:t>
+            </a:r>
+            <a:r>
+              <a:rPr lang="en-US" dirty="0">
+                <a:latin typeface="Courier" charset="0"/>
+                <a:ea typeface="Courier" charset="0"/>
+                <a:cs typeface="Courier" charset="0"/>
+              </a:rPr>
+              <a:t>()</a:t>
+            </a:r>
+          </a:p>
+          <a:p>
+            <a:pPr marL="3175" indent="0">
+              <a:buNone/>
+            </a:pPr>
+            <a:endParaRPr lang="en-US" dirty="0"/>
+          </a:p>
+          <a:p>
+            <a:pPr marL="3175" indent="0">
+              <a:buNone/>
+            </a:pPr>
+            <a:endParaRPr lang="en-US" dirty="0"/>
+          </a:p>
+          <a:p>
+            <a:pPr marL="3175" indent="0">
+              <a:buNone/>
+            </a:pPr>
+            <a:endParaRPr lang="en-US" dirty="0"/>
+          </a:p>
+          <a:p>
+            <a:pPr marL="3175" indent="0">
+              <a:buNone/>
+            </a:pPr>
+            <a:r>
+              <a:rPr lang="en-US" sz="3200" b="1" dirty="0"/>
+              <a:t>No.  </a:t>
+            </a:r>
+            <a:r>
+              <a:rPr lang="en-US" sz="3200" dirty="0"/>
+              <a:t>This may crash, because Karel </a:t>
+            </a:r>
+            <a:r>
+              <a:rPr lang="en-US" sz="3200" i="1" dirty="0"/>
+              <a:t>cannot pick up beepers if there aren’t any</a:t>
+            </a:r>
+            <a:r>
+              <a:rPr lang="en-US" sz="3200" dirty="0"/>
+              <a:t>.  We don’t </a:t>
+            </a:r>
+            <a:r>
+              <a:rPr lang="en-US" sz="3200" b="1" dirty="0"/>
+              <a:t>always</a:t>
+            </a:r>
+            <a:r>
+              <a:rPr lang="en-US" sz="3200" dirty="0"/>
+              <a:t> want Karel to pick up beepers; just when there is a beeper to pick up.</a:t>
+            </a:r>
+            <a:endParaRPr lang="en-US" sz="3200" dirty="0">
+              <a:ea typeface="Courier" charset="0"/>
+              <a:cs typeface="Courier" charset="0"/>
+            </a:endParaRPr>
+          </a:p>
+          <a:p>
+            <a:pPr marL="344487" lvl="1" indent="0">
+              <a:buNone/>
+            </a:pPr>
+            <a:endParaRPr lang="en-US" dirty="0">
+              <a:latin typeface="Courier" charset="0"/>
+              <a:ea typeface="Courier" charset="0"/>
+              <a:cs typeface="Courier" charset="0"/>
+            </a:endParaRPr>
+          </a:p>
+        </p:txBody>
+      </p:sp>
+      <p:pic>
+        <p:nvPicPr>
+          <p:cNvPr id="5" name="Picture 4">
+            <a:extLst>
+              <a:ext uri="{FF2B5EF4-FFF2-40B4-BE49-F238E27FC236}">
+                <a16:creationId xmlns:a16="http://schemas.microsoft.com/office/drawing/2014/main" id="{7AE8EC90-F1E0-8A4A-8919-44122E1036D2}"/>
+              </a:ext>
+            </a:extLst>
+          </p:cNvPr>
+          <p:cNvPicPr>
+            <a:picLocks noChangeAspect="1"/>
+          </p:cNvPicPr>
+          <p:nvPr/>
+        </p:nvPicPr>
+        <p:blipFill>
+          <a:blip r:embed="rId2"/>
+          <a:stretch>
+            <a:fillRect/>
+          </a:stretch>
+        </p:blipFill>
+        <p:spPr>
+          <a:xfrm>
+            <a:off x="5103217" y="1905000"/>
+            <a:ext cx="6631583" cy="2496273"/>
+          </a:xfrm>
+          <a:prstGeom prst="rect">
+            <a:avLst/>
+          </a:prstGeom>
+        </p:spPr>
+      </p:pic>
+    </p:spTree>
+    <p:extLst>
+      <p:ext uri="{BB962C8B-B14F-4D97-AF65-F5344CB8AC3E}">
+        <p14:creationId xmlns:p14="http://schemas.microsoft.com/office/powerpoint/2010/main" val="138051948"/>
+      </p:ext>
+    </p:extLst>
+  </p:cSld>
+  <p:clrMapOvr>
+    <a:masterClrMapping/>
+  </p:clrMapOvr>
+  <p:timing>
+    <p:tnLst>
+      <p:par>
+        <p:cTn id="1" dur="indefinite" restart="never" nodeType="tmRoot">
+          <p:childTnLst>
+            <p:seq concurrent="1" nextAc="seek">
+              <p:cTn id="2" dur="indefinite" nodeType="mainSeq">
+                <p:childTnLst>
+                  <p:par>
+                    <p:cTn id="3" fill="hold">
+                      <p:stCondLst>
+                        <p:cond delay="indefinite"/>
+                      </p:stCondLst>
+                      <p:childTnLst>
+                        <p:par>
+                          <p:cTn id="4" fill="hold">
+                            <p:stCondLst>
+                              <p:cond delay="0"/>
+                            </p:stCondLst>
+                            <p:childTnLst>
+                              <p:par>
+                                <p:cTn id="5" presetID="1" presetClass="entr" presetSubtype="0" fill="hold" nodeType="clickEffect">
+                                  <p:stCondLst>
+                                    <p:cond delay="0"/>
+                                  </p:stCondLst>
+                                  <p:childTnLst>
+                                    <p:set>
+                                      <p:cBhvr>
+                                        <p:cTn id="6" dur="1" fill="hold">
+                                          <p:stCondLst>
+                                            <p:cond delay="0"/>
+                                          </p:stCondLst>
+                                        </p:cTn>
+                                        <p:tgtEl>
+                                          <p:spTgt spid="3">
+                                            <p:txEl>
+                                              <p:pRg st="8" end="8"/>
+                                            </p:txEl>
+                                          </p:spTgt>
+                                        </p:tgtEl>
+                                        <p:attrNameLst>
+                                          <p:attrName>style.visibility</p:attrName>
+                                        </p:attrNameLst>
+                                      </p:cBhvr>
+                                      <p:to>
+                                        <p:strVal val="visible"/>
+                                      </p:to>
+                                    </p:set>
+                                  </p:childTnLst>
+                                </p:cTn>
+                              </p:par>
+                            </p:childTnLst>
+                          </p:cTn>
+                        </p:par>
+                      </p:childTnLst>
+                    </p:cTn>
+                  </p:par>
+                </p:childTnLst>
+              </p:cTn>
+              <p:prevCondLst>
+                <p:cond evt="onPrev" delay="0">
+                  <p:tgtEl>
+                    <p:sldTgt/>
+                  </p:tgtEl>
+                </p:cond>
+              </p:prevCondLst>
+              <p:nextCondLst>
+                <p:cond evt="onNext" delay="0">
+                  <p:tgtEl>
+                    <p:sldTgt/>
+                  </p:tgtEl>
+                </p:cond>
+              </p:nextCondLst>
+            </p:seq>
+          </p:childTnLst>
+        </p:cTn>
+      </p:par>
+    </p:tnLst>
+  </p:timing>
+</p:sld>
+</file>
+
+<file path=ppt/slides/slide5.xml><?xml version="1.0" encoding="utf-8"?>
+<p:sld xmlns:a="http://schemas.openxmlformats.org/drawingml/2006/main" xmlns:r="http://schemas.openxmlformats.org/officeDocument/2006/relationships" xmlns:p="http://schemas.openxmlformats.org/presentationml/2006/main">
+  <p:cSld>
+    <p:spTree>
+      <p:nvGrpSpPr>
+        <p:cNvPr id="1" name=""/>
+        <p:cNvGrpSpPr/>
+        <p:nvPr/>
+      </p:nvGrpSpPr>
+      <p:grpSpPr>
+        <a:xfrm>
+          <a:off x="0" y="0"/>
+          <a:ext cx="0" cy="0"/>
+          <a:chOff x="0" y="0"/>
+          <a:chExt cx="0" cy="0"/>
+        </a:xfrm>
+      </p:grpSpPr>
+      <p:sp>
+        <p:nvSpPr>
+          <p:cNvPr id="2" name="Title 1">
+            <a:extLst>
+              <a:ext uri="{FF2B5EF4-FFF2-40B4-BE49-F238E27FC236}">
+                <a16:creationId xmlns:a16="http://schemas.microsoft.com/office/drawing/2014/main" id="{F96E0C3B-3280-4C4B-A55C-3B74AED2EC63}"/>
+              </a:ext>
+            </a:extLst>
+          </p:cNvPr>
+          <p:cNvSpPr>
+            <a:spLocks noGrp="1"/>
+          </p:cNvSpPr>
+          <p:nvPr>
+            <p:ph type="title"/>
+          </p:nvPr>
+        </p:nvSpPr>
+        <p:spPr/>
+        <p:txBody>
+          <a:bodyPr/>
+          <a:lstStyle/>
+          <a:p>
+            <a:r>
+              <a:rPr lang="en-US" dirty="0"/>
+              <a:t>If Statements</a:t>
+            </a:r>
+          </a:p>
+        </p:txBody>
+      </p:sp>
+      <p:pic>
+        <p:nvPicPr>
+          <p:cNvPr id="5" name="Picture 4">
+            <a:extLst>
+              <a:ext uri="{FF2B5EF4-FFF2-40B4-BE49-F238E27FC236}">
+                <a16:creationId xmlns:a16="http://schemas.microsoft.com/office/drawing/2014/main" id="{DEEDA501-79C0-954D-827A-287F7CF29BFF}"/>
+              </a:ext>
+            </a:extLst>
+          </p:cNvPr>
+          <p:cNvPicPr>
+            <a:picLocks noChangeAspect="1"/>
+          </p:cNvPicPr>
+          <p:nvPr/>
+        </p:nvPicPr>
+        <p:blipFill>
+          <a:blip r:embed="rId2"/>
+          <a:stretch>
+            <a:fillRect/>
+          </a:stretch>
+        </p:blipFill>
+        <p:spPr>
+          <a:xfrm>
+            <a:off x="2728471" y="1295400"/>
+            <a:ext cx="6734814" cy="2702560"/>
+          </a:xfrm>
+          <a:prstGeom prst="rect">
+            <a:avLst/>
+          </a:prstGeom>
+        </p:spPr>
+      </p:pic>
+      <p:pic>
+        <p:nvPicPr>
+          <p:cNvPr id="7" name="Picture 6">
+            <a:extLst>
+              <a:ext uri="{FF2B5EF4-FFF2-40B4-BE49-F238E27FC236}">
+                <a16:creationId xmlns:a16="http://schemas.microsoft.com/office/drawing/2014/main" id="{C7321020-8896-CC4A-B9DC-DBFA06A39498}"/>
+              </a:ext>
+            </a:extLst>
+          </p:cNvPr>
+          <p:cNvPicPr>
+            <a:picLocks noChangeAspect="1"/>
+          </p:cNvPicPr>
+          <p:nvPr/>
+        </p:nvPicPr>
+        <p:blipFill>
+          <a:blip r:embed="rId3"/>
+          <a:stretch>
+            <a:fillRect/>
+          </a:stretch>
+        </p:blipFill>
+        <p:spPr>
+          <a:xfrm>
+            <a:off x="3809877" y="3176088"/>
+            <a:ext cx="4572001" cy="1643743"/>
+          </a:xfrm>
+          <a:prstGeom prst="rect">
+            <a:avLst/>
+          </a:prstGeom>
+          <a:effectLst>
+            <a:outerShdw blurRad="508000" dist="266700" dir="5400000" algn="t" rotWithShape="0">
+              <a:prstClr val="black">
+                <a:alpha val="40000"/>
+              </a:prstClr>
+            </a:outerShdw>
+          </a:effectLst>
+        </p:spPr>
+      </p:pic>
+      <p:pic>
+        <p:nvPicPr>
+          <p:cNvPr id="11" name="Picture 10">
+            <a:extLst>
+              <a:ext uri="{FF2B5EF4-FFF2-40B4-BE49-F238E27FC236}">
+                <a16:creationId xmlns:a16="http://schemas.microsoft.com/office/drawing/2014/main" id="{9C0C08B2-8EDE-2D44-9340-DBD2C9234DAF}"/>
+              </a:ext>
+            </a:extLst>
+          </p:cNvPr>
+          <p:cNvPicPr>
+            <a:picLocks noChangeAspect="1"/>
+          </p:cNvPicPr>
+          <p:nvPr/>
+        </p:nvPicPr>
+        <p:blipFill>
+          <a:blip r:embed="rId4"/>
+          <a:stretch>
+            <a:fillRect/>
+          </a:stretch>
+        </p:blipFill>
+        <p:spPr>
+          <a:xfrm>
+            <a:off x="825377" y="5046544"/>
+            <a:ext cx="10541000" cy="1854200"/>
+          </a:xfrm>
+          <a:prstGeom prst="rect">
+            <a:avLst/>
+          </a:prstGeom>
+        </p:spPr>
+      </p:pic>
+    </p:spTree>
+    <p:extLst>
+      <p:ext uri="{BB962C8B-B14F-4D97-AF65-F5344CB8AC3E}">
+        <p14:creationId xmlns:p14="http://schemas.microsoft.com/office/powerpoint/2010/main" val="2293307528"/>
+      </p:ext>
+    </p:extLst>
+  </p:cSld>
+  <p:clrMapOvr>
+    <a:masterClrMapping/>
+  </p:clrMapOvr>
+  <p:timing>
+    <p:tnLst>
+      <p:par>
+        <p:cTn id="1" dur="indefinite" restart="never" nodeType="tmRoot">
+          <p:childTnLst>
+            <p:seq concurrent="1" nextAc="seek">
+              <p:cTn id="2" dur="indefinite" nodeType="mainSeq">
+                <p:childTnLst>
+                  <p:par>
+                    <p:cTn id="3" fill="hold">
+                      <p:stCondLst>
+                        <p:cond delay="indefinite"/>
+                      </p:stCondLst>
+                      <p:childTnLst>
+                        <p:par>
+                          <p:cTn id="4" fill="hold">
+                            <p:stCondLst>
+                              <p:cond delay="0"/>
+                            </p:stCondLst>
+                            <p:childTnLst>
+                              <p:par>
+                                <p:cTn id="5" presetID="55" presetClass="entr" presetSubtype="0" fill="hold" nodeType="clickEffect">
+                                  <p:stCondLst>
+                                    <p:cond delay="0"/>
+                                  </p:stCondLst>
+                                  <p:childTnLst>
+                                    <p:set>
+                                      <p:cBhvr>
+                                        <p:cTn id="6" dur="1" fill="hold">
+                                          <p:stCondLst>
+                                            <p:cond delay="0"/>
+                                          </p:stCondLst>
+                                        </p:cTn>
+                                        <p:tgtEl>
+                                          <p:spTgt spid="7"/>
+                                        </p:tgtEl>
+                                        <p:attrNameLst>
+                                          <p:attrName>style.visibility</p:attrName>
+                                        </p:attrNameLst>
+                                      </p:cBhvr>
+                                      <p:to>
+                                        <p:strVal val="visible"/>
+                                      </p:to>
+                                    </p:set>
+                                    <p:anim calcmode="lin" valueType="num">
+                                      <p:cBhvr>
+                                        <p:cTn id="7" dur="500" fill="hold"/>
+                                        <p:tgtEl>
+                                          <p:spTgt spid="7"/>
+                                        </p:tgtEl>
+                                        <p:attrNameLst>
+                                          <p:attrName>ppt_w</p:attrName>
+                                        </p:attrNameLst>
+                                      </p:cBhvr>
+                                      <p:tavLst>
+                                        <p:tav tm="0">
+                                          <p:val>
+                                            <p:strVal val="#ppt_w*0.70"/>
+                                          </p:val>
+                                        </p:tav>
+                                        <p:tav tm="100000">
+                                          <p:val>
+                                            <p:strVal val="#ppt_w"/>
+                                          </p:val>
+                                        </p:tav>
+                                      </p:tavLst>
+                                    </p:anim>
+                                    <p:anim calcmode="lin" valueType="num">
+                                      <p:cBhvr>
+                                        <p:cTn id="8" dur="500" fill="hold"/>
+                                        <p:tgtEl>
+                                          <p:spTgt spid="7"/>
+                                        </p:tgtEl>
+                                        <p:attrNameLst>
+                                          <p:attrName>ppt_h</p:attrName>
+                                        </p:attrNameLst>
+                                      </p:cBhvr>
+                                      <p:tavLst>
+                                        <p:tav tm="0">
+                                          <p:val>
+                                            <p:strVal val="#ppt_h"/>
+                                          </p:val>
+                                        </p:tav>
+                                        <p:tav tm="100000">
+                                          <p:val>
+                                            <p:strVal val="#ppt_h"/>
+                                          </p:val>
+                                        </p:tav>
+                                      </p:tavLst>
+                                    </p:anim>
+                                    <p:animEffect transition="in" filter="fade">
+                                      <p:cBhvr>
+                                        <p:cTn id="9" dur="500"/>
+                                        <p:tgtEl>
+                                          <p:spTgt spid="7"/>
+                                        </p:tgtEl>
+                                      </p:cBhvr>
+                                    </p:animEffect>
+                                  </p:childTnLst>
+                                </p:cTn>
+                              </p:par>
+                            </p:childTnLst>
+                          </p:cTn>
+                        </p:par>
+                      </p:childTnLst>
+                    </p:cTn>
+                  </p:par>
+                  <p:par>
+                    <p:cTn id="10" fill="hold">
+                      <p:stCondLst>
+                        <p:cond delay="indefinite"/>
+                      </p:stCondLst>
+                      <p:childTnLst>
+                        <p:par>
+                          <p:cTn id="11" fill="hold">
+                            <p:stCondLst>
+                              <p:cond delay="0"/>
+                            </p:stCondLst>
+                            <p:childTnLst>
+                              <p:par>
+                                <p:cTn id="12" presetID="10" presetClass="entr" presetSubtype="0" fill="hold" nodeType="clickEffect">
+                                  <p:stCondLst>
+                                    <p:cond delay="0"/>
+                                  </p:stCondLst>
+                                  <p:childTnLst>
+                                    <p:set>
+                                      <p:cBhvr>
+                                        <p:cTn id="13" dur="1" fill="hold">
+                                          <p:stCondLst>
+                                            <p:cond delay="0"/>
+                                          </p:stCondLst>
+                                        </p:cTn>
+                                        <p:tgtEl>
+                                          <p:spTgt spid="11"/>
+                                        </p:tgtEl>
+                                        <p:attrNameLst>
+                                          <p:attrName>style.visibility</p:attrName>
+                                        </p:attrNameLst>
+                                      </p:cBhvr>
+                                      <p:to>
+                                        <p:strVal val="visible"/>
+                                      </p:to>
+                                    </p:set>
+                                    <p:animEffect transition="in" filter="fade">
+                                      <p:cBhvr>
+                                        <p:cTn id="14" dur="500"/>
+                                        <p:tgtEl>
+                                          <p:spTgt spid="11"/>
+                                        </p:tgtEl>
+                                      </p:cBhvr>
+                                    </p:animEffect>
+                                  </p:childTnLst>
+                                </p:cTn>
+                              </p:par>
+                            </p:childTnLst>
+                          </p:cTn>
+                        </p:par>
+                      </p:childTnLst>
+                    </p:cTn>
+                  </p:par>
+                </p:childTnLst>
+              </p:cTn>
+              <p:prevCondLst>
+                <p:cond evt="onPrev" delay="0">
+                  <p:tgtEl>
+                    <p:sldTgt/>
+                  </p:tgtEl>
+                </p:cond>
+              </p:prevCondLst>
+              <p:nextCondLst>
+                <p:cond evt="onNext" delay="0">
+                  <p:tgtEl>
+                    <p:sldTgt/>
+                  </p:tgtEl>
+                </p:cond>
+              </p:nextCondLst>
+            </p:seq>
+          </p:childTnLst>
+        </p:cTn>
+      </p:par>
+    </p:tnLst>
+  </p:timing>
+</p:sld>
+</file>
+
+<file path=ppt/slides/slide6.xml><?xml version="1.0" encoding="utf-8"?>
+<p:sld xmlns:a="http://schemas.openxmlformats.org/drawingml/2006/main" xmlns:r="http://schemas.openxmlformats.org/officeDocument/2006/relationships" xmlns:p="http://schemas.openxmlformats.org/presentationml/2006/main">
+  <p:cSld>
+    <p:spTree>
+      <p:nvGrpSpPr>
+        <p:cNvPr id="1" name=""/>
+        <p:cNvGrpSpPr/>
+        <p:nvPr/>
+      </p:nvGrpSpPr>
+      <p:grpSpPr>
+        <a:xfrm>
+          <a:off x="0" y="0"/>
+          <a:ext cx="0" cy="0"/>
+          <a:chOff x="0" y="0"/>
+          <a:chExt cx="0" cy="0"/>
+        </a:xfrm>
+      </p:grpSpPr>
+      <p:sp>
+        <p:nvSpPr>
+          <p:cNvPr id="2" name="Title 1"/>
+          <p:cNvSpPr>
+            <a:spLocks noGrp="1"/>
+          </p:cNvSpPr>
+          <p:nvPr>
+            <p:ph type="title"/>
+          </p:nvPr>
+        </p:nvSpPr>
+        <p:spPr/>
+        <p:txBody>
+          <a:bodyPr/>
+          <a:lstStyle/>
+          <a:p>
+            <a:r>
+              <a:rPr lang="en-US" dirty="0"/>
+              <a:t>If Statements</a:t>
+            </a:r>
+          </a:p>
+        </p:txBody>
+      </p:sp>
+      <p:sp>
+        <p:nvSpPr>
+          <p:cNvPr id="8" name="Content Placeholder 2"/>
+          <p:cNvSpPr>
+            <a:spLocks noGrp="1"/>
+          </p:cNvSpPr>
+          <p:nvPr>
+            <p:ph idx="1"/>
+          </p:nvPr>
+        </p:nvSpPr>
+        <p:spPr>
+          <a:xfrm>
+            <a:off x="152400" y="1295400"/>
+            <a:ext cx="11887200" cy="5181600"/>
+          </a:xfrm>
+        </p:spPr>
+        <p:txBody>
+          <a:bodyPr/>
+          <a:lstStyle/>
+          <a:p>
+            <a:pPr marL="0" indent="0">
+              <a:buNone/>
+            </a:pPr>
+            <a:r>
+              <a:rPr lang="en-US" sz="3200" dirty="0"/>
+              <a:t>Instead, use an </a:t>
+            </a:r>
+            <a:r>
+              <a:rPr lang="en-US" sz="3200" b="1" dirty="0"/>
+              <a:t>if </a:t>
+            </a:r>
+            <a:r>
+              <a:rPr lang="en-US" sz="3200" dirty="0"/>
+              <a:t>statement:</a:t>
+            </a:r>
+          </a:p>
+          <a:p>
+            <a:pPr marL="0" indent="0">
+              <a:buNone/>
+            </a:pPr>
+            <a:endParaRPr lang="en-US" sz="2600" dirty="0"/>
+          </a:p>
+          <a:p>
+            <a:pPr marL="344487" lvl="1" indent="0">
+              <a:buNone/>
+            </a:pPr>
+            <a:r>
+              <a:rPr lang="en-US" dirty="0">
+                <a:latin typeface="Courier" charset="0"/>
+                <a:ea typeface="Courier" charset="0"/>
+                <a:cs typeface="Courier" charset="0"/>
+              </a:rPr>
+              <a:t>if </a:t>
+            </a:r>
+            <a:r>
+              <a:rPr lang="en-US" b="1" i="1" dirty="0">
+                <a:latin typeface="Courier" charset="0"/>
+                <a:ea typeface="Courier" charset="0"/>
+                <a:cs typeface="Courier" charset="0"/>
+              </a:rPr>
+              <a:t>condition</a:t>
+            </a:r>
+            <a:r>
+              <a:rPr lang="en-US" dirty="0">
+                <a:latin typeface="Courier" charset="0"/>
+                <a:ea typeface="Courier" charset="0"/>
+                <a:cs typeface="Courier" charset="0"/>
+              </a:rPr>
+              <a:t>:</a:t>
+            </a:r>
+          </a:p>
+          <a:p>
+            <a:pPr marL="344487" lvl="1" indent="0">
+              <a:buNone/>
+            </a:pPr>
+            <a:r>
+              <a:rPr lang="en-US" dirty="0">
+                <a:latin typeface="Courier" charset="0"/>
+                <a:ea typeface="Courier" charset="0"/>
+                <a:cs typeface="Courier" charset="0"/>
+              </a:rPr>
+              <a:t>	</a:t>
+            </a:r>
+            <a:r>
+              <a:rPr lang="en-US" b="1" i="1" dirty="0">
+                <a:latin typeface="Courier" charset="0"/>
+                <a:ea typeface="Courier" charset="0"/>
+                <a:cs typeface="Courier" charset="0"/>
+              </a:rPr>
+              <a:t>statement</a:t>
+            </a:r>
+            <a:endParaRPr lang="en-US" dirty="0">
+              <a:latin typeface="Courier" charset="0"/>
+              <a:ea typeface="Courier" charset="0"/>
+              <a:cs typeface="Courier" charset="0"/>
+            </a:endParaRPr>
+          </a:p>
+          <a:p>
+            <a:pPr marL="344487" lvl="1" indent="0">
+              <a:buNone/>
+            </a:pPr>
+            <a:r>
+              <a:rPr lang="en-US" dirty="0">
+                <a:latin typeface="Courier" charset="0"/>
+                <a:ea typeface="Courier" charset="0"/>
+                <a:cs typeface="Courier" charset="0"/>
+              </a:rPr>
+              <a:t>	</a:t>
+            </a:r>
+            <a:r>
+              <a:rPr lang="en-US" b="1" i="1" dirty="0">
+                <a:latin typeface="Courier" charset="0"/>
+                <a:ea typeface="Courier" charset="0"/>
+                <a:cs typeface="Courier" charset="0"/>
+              </a:rPr>
+              <a:t>statement</a:t>
+            </a:r>
+            <a:endParaRPr lang="en-US" dirty="0">
+              <a:latin typeface="Courier" charset="0"/>
+              <a:ea typeface="Courier" charset="0"/>
+              <a:cs typeface="Courier" charset="0"/>
+            </a:endParaRPr>
+          </a:p>
+          <a:p>
+            <a:pPr marL="344487" lvl="1" indent="0">
+              <a:buNone/>
+            </a:pPr>
+            <a:r>
+              <a:rPr lang="en-US" dirty="0">
+                <a:latin typeface="Courier" charset="0"/>
+                <a:ea typeface="Courier" charset="0"/>
+                <a:cs typeface="Courier" charset="0"/>
+              </a:rPr>
+              <a:t>	...</a:t>
+            </a:r>
+          </a:p>
+          <a:p>
+            <a:pPr marL="3175" indent="0">
+              <a:buNone/>
+            </a:pPr>
+            <a:endParaRPr lang="en-US" dirty="0"/>
+          </a:p>
+          <a:p>
+            <a:pPr marL="3175" indent="0">
+              <a:buNone/>
+            </a:pPr>
+            <a:r>
+              <a:rPr lang="en-US" sz="3200" dirty="0"/>
+              <a:t>Runs the statements in the body </a:t>
+            </a:r>
+            <a:r>
+              <a:rPr lang="en-US" sz="3200" i="1" dirty="0"/>
+              <a:t>once</a:t>
+            </a:r>
+            <a:r>
+              <a:rPr lang="en-US" sz="3200" dirty="0"/>
+              <a:t> if </a:t>
+            </a:r>
+            <a:r>
+              <a:rPr lang="en-US" sz="3200" b="1" i="1" dirty="0"/>
+              <a:t>condition</a:t>
+            </a:r>
+            <a:r>
+              <a:rPr lang="en-US" sz="3200" dirty="0"/>
+              <a:t> is true.  These are the same conditions you can use for </a:t>
+            </a:r>
+            <a:r>
+              <a:rPr lang="en-US" sz="3200" b="1" dirty="0"/>
+              <a:t>while </a:t>
+            </a:r>
+            <a:r>
+              <a:rPr lang="en-US" sz="3200" dirty="0"/>
+              <a:t>loops!</a:t>
+            </a:r>
+            <a:endParaRPr lang="en-US" sz="3200" dirty="0">
+              <a:ea typeface="Courier" charset="0"/>
+              <a:cs typeface="Courier" charset="0"/>
+            </a:endParaRPr>
+          </a:p>
+          <a:p>
+            <a:pPr marL="344487" lvl="1" indent="0">
+              <a:buNone/>
+            </a:pPr>
+            <a:endParaRPr lang="en-US" dirty="0">
+              <a:latin typeface="Courier" charset="0"/>
+              <a:ea typeface="Courier" charset="0"/>
+              <a:cs typeface="Courier" charset="0"/>
+            </a:endParaRPr>
+          </a:p>
+        </p:txBody>
+      </p:sp>
+    </p:spTree>
+    <p:extLst>
+      <p:ext uri="{BB962C8B-B14F-4D97-AF65-F5344CB8AC3E}">
+        <p14:creationId xmlns:p14="http://schemas.microsoft.com/office/powerpoint/2010/main" val="4097390314"/>
+      </p:ext>
+    </p:extLst>
+  </p:cSld>
+  <p:clrMapOvr>
+    <a:masterClrMapping/>
+  </p:clrMapOvr>
+</p:sld>
+</file>
+
+<file path=ppt/slides/slide7.xml><?xml version="1.0" encoding="utf-8"?>
+<p:sld xmlns:a="http://schemas.openxmlformats.org/drawingml/2006/main" xmlns:r="http://schemas.openxmlformats.org/officeDocument/2006/relationships" xmlns:p="http://schemas.openxmlformats.org/presentationml/2006/main">
+  <p:cSld>
+    <p:spTree>
+      <p:nvGrpSpPr>
+        <p:cNvPr id="1" name=""/>
+        <p:cNvGrpSpPr/>
+        <p:nvPr/>
+      </p:nvGrpSpPr>
+      <p:grpSpPr>
+        <a:xfrm>
+          <a:off x="0" y="0"/>
+          <a:ext cx="0" cy="0"/>
+          <a:chOff x="0" y="0"/>
+          <a:chExt cx="0" cy="0"/>
+        </a:xfrm>
+      </p:grpSpPr>
+      <p:sp>
+        <p:nvSpPr>
+          <p:cNvPr id="2" name="Title 1"/>
+          <p:cNvSpPr>
+            <a:spLocks noGrp="1"/>
+          </p:cNvSpPr>
+          <p:nvPr>
+            <p:ph type="title"/>
+          </p:nvPr>
+        </p:nvSpPr>
+        <p:spPr/>
+        <p:txBody>
+          <a:bodyPr/>
+          <a:lstStyle/>
+          <a:p>
+            <a:r>
+              <a:rPr lang="en-US" dirty="0"/>
+              <a:t>If Statements</a:t>
+            </a:r>
+          </a:p>
+        </p:txBody>
+      </p:sp>
+      <p:sp>
+        <p:nvSpPr>
+          <p:cNvPr id="3" name="Content Placeholder 2"/>
+          <p:cNvSpPr>
+            <a:spLocks noGrp="1"/>
+          </p:cNvSpPr>
+          <p:nvPr>
+            <p:ph idx="1"/>
+          </p:nvPr>
+        </p:nvSpPr>
+        <p:spPr/>
+        <p:txBody>
+          <a:bodyPr/>
+          <a:lstStyle/>
+          <a:p>
+            <a:pPr marL="0" indent="0">
+              <a:buNone/>
+            </a:pPr>
+            <a:r>
+              <a:rPr lang="en-US" sz="3200" dirty="0"/>
+              <a:t>Now we can say:</a:t>
+            </a:r>
+          </a:p>
+          <a:p>
+            <a:pPr marL="0" indent="0">
+              <a:buNone/>
+            </a:pPr>
+            <a:endParaRPr lang="en-US" dirty="0">
+              <a:latin typeface="Courier" charset="0"/>
+              <a:ea typeface="Courier" charset="0"/>
+              <a:cs typeface="Courier" charset="0"/>
+            </a:endParaRPr>
+          </a:p>
+          <a:p>
+            <a:pPr marL="344487" lvl="1" indent="0">
+              <a:buNone/>
+            </a:pPr>
+            <a:r>
+              <a:rPr lang="en-US" dirty="0">
+                <a:latin typeface="Courier" charset="0"/>
+                <a:ea typeface="Courier" charset="0"/>
+                <a:cs typeface="Courier" charset="0"/>
+              </a:rPr>
+              <a:t>while </a:t>
+            </a:r>
+            <a:r>
+              <a:rPr lang="en-US" dirty="0" err="1">
+                <a:latin typeface="Courier" charset="0"/>
+                <a:ea typeface="Courier" charset="0"/>
+                <a:cs typeface="Courier" charset="0"/>
+              </a:rPr>
+              <a:t>front_is_clear</a:t>
+            </a:r>
+            <a:r>
+              <a:rPr lang="en-US" dirty="0">
+                <a:latin typeface="Courier" charset="0"/>
+                <a:ea typeface="Courier" charset="0"/>
+                <a:cs typeface="Courier" charset="0"/>
+              </a:rPr>
+              <a:t>():</a:t>
+            </a:r>
+          </a:p>
+          <a:p>
+            <a:pPr marL="344487" lvl="1" indent="0">
+              <a:buNone/>
+            </a:pPr>
+            <a:r>
+              <a:rPr lang="en-US" dirty="0">
+                <a:latin typeface="Courier" charset="0"/>
+                <a:ea typeface="Courier" charset="0"/>
+                <a:cs typeface="Courier" charset="0"/>
+              </a:rPr>
+              <a:t>	move()</a:t>
+            </a:r>
+          </a:p>
+          <a:p>
+            <a:pPr marL="344487" lvl="1" indent="0">
+              <a:buNone/>
+            </a:pPr>
+            <a:r>
+              <a:rPr lang="en-US" dirty="0">
+                <a:latin typeface="Courier" charset="0"/>
+                <a:ea typeface="Courier" charset="0"/>
+                <a:cs typeface="Courier" charset="0"/>
+              </a:rPr>
+              <a:t>   if </a:t>
+            </a:r>
+            <a:r>
+              <a:rPr lang="en-US" dirty="0" err="1">
+                <a:latin typeface="Courier" charset="0"/>
+                <a:ea typeface="Courier" charset="0"/>
+                <a:cs typeface="Courier" charset="0"/>
+              </a:rPr>
+              <a:t>beepers_present</a:t>
+            </a:r>
+            <a:r>
+              <a:rPr lang="en-US" dirty="0">
+                <a:latin typeface="Courier" charset="0"/>
+                <a:ea typeface="Courier" charset="0"/>
+                <a:cs typeface="Courier" charset="0"/>
+              </a:rPr>
+              <a:t>():</a:t>
+            </a:r>
+          </a:p>
+          <a:p>
+            <a:pPr marL="344487" lvl="1" indent="0">
+              <a:buNone/>
+            </a:pPr>
+            <a:r>
+              <a:rPr lang="en-US" dirty="0">
+                <a:latin typeface="Courier" charset="0"/>
+                <a:ea typeface="Courier" charset="0"/>
+                <a:cs typeface="Courier" charset="0"/>
+              </a:rPr>
+              <a:t>       </a:t>
+            </a:r>
+            <a:r>
+              <a:rPr lang="en-US" dirty="0" err="1">
+                <a:latin typeface="Courier" charset="0"/>
+                <a:ea typeface="Courier" charset="0"/>
+                <a:cs typeface="Courier" charset="0"/>
+              </a:rPr>
+              <a:t>pick_beeper</a:t>
+            </a:r>
+            <a:r>
+              <a:rPr lang="en-US" dirty="0">
+                <a:latin typeface="Courier" charset="0"/>
+                <a:ea typeface="Courier" charset="0"/>
+                <a:cs typeface="Courier" charset="0"/>
+              </a:rPr>
+              <a:t>()</a:t>
+            </a:r>
+          </a:p>
+          <a:p>
+            <a:pPr marL="3175" indent="0">
+              <a:buNone/>
+            </a:pPr>
+            <a:endParaRPr lang="en-US" dirty="0"/>
+          </a:p>
+          <a:p>
+            <a:pPr marL="3175" indent="0">
+              <a:buNone/>
+            </a:pPr>
+            <a:endParaRPr lang="en-US" dirty="0"/>
+          </a:p>
+          <a:p>
+            <a:pPr marL="3175" indent="0">
+              <a:buNone/>
+            </a:pPr>
+            <a:endParaRPr lang="en-US" dirty="0"/>
+          </a:p>
+          <a:p>
+            <a:pPr marL="3175" indent="0">
+              <a:buNone/>
+            </a:pPr>
+            <a:r>
+              <a:rPr lang="en-US" sz="3200" dirty="0"/>
+              <a:t>Karel won’t crash because it will only pick up a beeper if there is one.</a:t>
+            </a:r>
+            <a:endParaRPr lang="en-US" dirty="0">
+              <a:latin typeface="Courier" charset="0"/>
+              <a:ea typeface="Courier" charset="0"/>
+              <a:cs typeface="Courier" charset="0"/>
+            </a:endParaRPr>
+          </a:p>
+        </p:txBody>
+      </p:sp>
+      <p:pic>
+        <p:nvPicPr>
+          <p:cNvPr id="5" name="Picture 4">
+            <a:extLst>
+              <a:ext uri="{FF2B5EF4-FFF2-40B4-BE49-F238E27FC236}">
+                <a16:creationId xmlns:a16="http://schemas.microsoft.com/office/drawing/2014/main" id="{7AE8EC90-F1E0-8A4A-8919-44122E1036D2}"/>
+              </a:ext>
+            </a:extLst>
+          </p:cNvPr>
+          <p:cNvPicPr>
+            <a:picLocks noChangeAspect="1"/>
+          </p:cNvPicPr>
+          <p:nvPr/>
+        </p:nvPicPr>
+        <p:blipFill>
+          <a:blip r:embed="rId2"/>
+          <a:stretch>
+            <a:fillRect/>
+          </a:stretch>
+        </p:blipFill>
+        <p:spPr>
+          <a:xfrm>
+            <a:off x="5103217" y="1905000"/>
+            <a:ext cx="6631583" cy="2496273"/>
+          </a:xfrm>
+          <a:prstGeom prst="rect">
+            <a:avLst/>
+          </a:prstGeom>
+        </p:spPr>
+      </p:pic>
+    </p:spTree>
+    <p:extLst>
+      <p:ext uri="{BB962C8B-B14F-4D97-AF65-F5344CB8AC3E}">
+        <p14:creationId xmlns:p14="http://schemas.microsoft.com/office/powerpoint/2010/main" val="2093008154"/>
+      </p:ext>
+    </p:extLst>
+  </p:cSld>
+  <p:clrMapOvr>
+    <a:masterClrMapping/>
+  </p:clrMapOvr>
+</p:sld>
+</file>
+
+<file path=ppt/slides/slide8.xml><?xml version="1.0" encoding="utf-8"?>
+<p:sld xmlns:a="http://schemas.openxmlformats.org/drawingml/2006/main" xmlns:r="http://schemas.openxmlformats.org/officeDocument/2006/relationships" xmlns:p="http://schemas.openxmlformats.org/presentationml/2006/main">
+  <p:cSld>
+    <p:spTree>
+      <p:nvGrpSpPr>
+        <p:cNvPr id="1" name=""/>
+        <p:cNvGrpSpPr/>
+        <p:nvPr/>
+      </p:nvGrpSpPr>
+      <p:grpSpPr>
+        <a:xfrm>
+          <a:off x="0" y="0"/>
+          <a:ext cx="0" cy="0"/>
+          <a:chOff x="0" y="0"/>
+          <a:chExt cx="0" cy="0"/>
+        </a:xfrm>
+      </p:grpSpPr>
+      <p:sp>
+        <p:nvSpPr>
+          <p:cNvPr id="2" name="Title 1">
+            <a:extLst>
+              <a:ext uri="{FF2B5EF4-FFF2-40B4-BE49-F238E27FC236}">
+                <a16:creationId xmlns:a16="http://schemas.microsoft.com/office/drawing/2014/main" id="{D7FA3375-A0D3-AC4C-86E5-47B30CC02718}"/>
+              </a:ext>
+            </a:extLst>
+          </p:cNvPr>
+          <p:cNvSpPr>
+            <a:spLocks noGrp="1"/>
+          </p:cNvSpPr>
+          <p:nvPr>
+            <p:ph type="title"/>
+          </p:nvPr>
+        </p:nvSpPr>
+        <p:spPr/>
+        <p:txBody>
+          <a:bodyPr/>
+          <a:lstStyle/>
+          <a:p>
+            <a:r>
+              <a:rPr lang="en-US" dirty="0"/>
+              <a:t>If Statements and Indentation</a:t>
+            </a:r>
+          </a:p>
+        </p:txBody>
+      </p:sp>
+      <p:sp>
+        <p:nvSpPr>
+          <p:cNvPr id="4" name="Rectangle 3">
+            <a:extLst>
+              <a:ext uri="{FF2B5EF4-FFF2-40B4-BE49-F238E27FC236}">
+                <a16:creationId xmlns:a16="http://schemas.microsoft.com/office/drawing/2014/main" id="{6944E024-F19E-2F48-956D-D756C2CE9C08}"/>
+              </a:ext>
+            </a:extLst>
+          </p:cNvPr>
+          <p:cNvSpPr txBox="1">
+            <a:spLocks noChangeArrowheads="1"/>
+          </p:cNvSpPr>
+          <p:nvPr/>
+        </p:nvSpPr>
+        <p:spPr bwMode="auto">
+          <a:xfrm>
+            <a:off x="320675" y="1223963"/>
+            <a:ext cx="8670925" cy="5049837"/>
+          </a:xfrm>
+          <a:prstGeom prst="rect">
+            <a:avLst/>
+          </a:prstGeom>
+          <a:noFill/>
+          <a:ln>
+            <a:noFill/>
+          </a:ln>
+          <a:effectLst/>
+          <a:extLst>
+            <a:ext uri="{909E8E84-426E-40DD-AFC4-6F175D3DCCD1}">
+              <a14:hiddenFill xmlns:a14="http://schemas.microsoft.com/office/drawing/2010/main">
+                <a:solidFill>
+                  <a:schemeClr val="accent1"/>
+                </a:solidFill>
+              </a14:hiddenFill>
+            </a:ext>
+            <a:ext uri="{91240B29-F687-4F45-9708-019B960494DF}">
+              <a14:hiddenLine xmlns:a14="http://schemas.microsoft.com/office/drawing/2010/main" w="9525">
+                <a:solidFill>
+                  <a:schemeClr val="tx1"/>
+                </a:solidFill>
+                <a:miter lim="800000"/>
+                <a:headEnd/>
+                <a:tailEnd/>
+              </a14:hiddenLine>
+            </a:ext>
+            <a:ext uri="{AF507438-7753-43E0-B8FC-AC1667EBCBE1}">
+              <a14:hiddenEffects xmlns:a14="http://schemas.microsoft.com/office/drawing/2010/main">
+                <a:effectLst>
+                  <a:outerShdw blurRad="63500" dist="38099" dir="2700000" algn="ctr" rotWithShape="0">
+                    <a:schemeClr val="bg2">
+                      <a:alpha val="74998"/>
+                    </a:schemeClr>
+                  </a:outerShdw>
+                </a:effectLst>
+              </a14:hiddenEffects>
+            </a:ext>
+            <a:ext uri="{FAA26D3D-D897-4be2-8F04-BA451C77F1D7}">
+              <ma14:placeholderFlag xmlns="" xmlns:ma14="http://schemas.microsoft.com/office/mac/drawingml/2011/main" val="1"/>
+            </a:ext>
+          </a:extLst>
+        </p:spPr>
+        <p:txBody>
+          <a:bodyPr vert="horz" wrap="square" lIns="90487" tIns="44450" rIns="90487" bIns="44450" numCol="1" anchor="t" anchorCtr="0" compatLnSpc="1">
+            <a:prstTxWarp prst="textNoShape">
+              <a:avLst/>
+            </a:prstTxWarp>
+          </a:bodyPr>
+          <a:lstStyle>
+            <a:lvl1pPr marL="228600" indent="-228600" algn="l" defTabSz="914400" rtl="0" eaLnBrk="1" latinLnBrk="0" hangingPunct="1">
+              <a:lnSpc>
+                <a:spcPct val="90000"/>
+              </a:lnSpc>
+              <a:spcBef>
+                <a:spcPts val="1000"/>
+              </a:spcBef>
+              <a:buFont typeface="Arial" panose="020B0604020202020204" pitchFamily="34" charset="0"/>
+              <a:buChar char="•"/>
+              <a:defRPr sz="2800" kern="1200">
+                <a:solidFill>
+                  <a:schemeClr val="tx1"/>
+                </a:solidFill>
+                <a:latin typeface="+mn-lt"/>
+                <a:ea typeface="+mn-ea"/>
+                <a:cs typeface="+mn-cs"/>
+              </a:defRPr>
+            </a:lvl1pPr>
+            <a:lvl2pPr marL="685800" indent="-228600" algn="l" defTabSz="914400" rtl="0" eaLnBrk="1" latinLnBrk="0" hangingPunct="1">
+              <a:lnSpc>
+                <a:spcPct val="90000"/>
+              </a:lnSpc>
+              <a:spcBef>
+                <a:spcPts val="500"/>
+              </a:spcBef>
+              <a:buFont typeface="Arial" panose="020B0604020202020204" pitchFamily="34" charset="0"/>
+              <a:buChar char="•"/>
+              <a:defRPr sz="2400" kern="1200">
+                <a:solidFill>
+                  <a:schemeClr val="tx1"/>
+                </a:solidFill>
+                <a:latin typeface="+mn-lt"/>
+                <a:ea typeface="+mn-ea"/>
+                <a:cs typeface="+mn-cs"/>
+              </a:defRPr>
+            </a:lvl2pPr>
+            <a:lvl3pPr marL="1143000" indent="-228600" algn="l" defTabSz="914400" rtl="0" eaLnBrk="1" latinLnBrk="0" hangingPunct="1">
+              <a:lnSpc>
+                <a:spcPct val="90000"/>
+              </a:lnSpc>
+              <a:spcBef>
+                <a:spcPts val="500"/>
+              </a:spcBef>
+              <a:buFont typeface="Arial" panose="020B0604020202020204" pitchFamily="34" charset="0"/>
+              <a:buChar char="•"/>
+              <a:defRPr sz="2000" kern="1200">
+                <a:solidFill>
+                  <a:schemeClr val="tx1"/>
+                </a:solidFill>
+                <a:latin typeface="+mn-lt"/>
+                <a:ea typeface="+mn-ea"/>
+                <a:cs typeface="+mn-cs"/>
+              </a:defRPr>
+            </a:lvl3pPr>
+            <a:lvl4pPr marL="1600200" indent="-228600" algn="l" defTabSz="914400" rtl="0" eaLnBrk="1" latinLnBrk="0" hangingPunct="1">
+              <a:lnSpc>
+                <a:spcPct val="90000"/>
+              </a:lnSpc>
+              <a:spcBef>
+                <a:spcPts val="500"/>
+              </a:spcBef>
+              <a:buFont typeface="Arial" panose="020B0604020202020204" pitchFamily="34" charset="0"/>
+              <a:buChar char="•"/>
+              <a:defRPr sz="1800" kern="1200">
+                <a:solidFill>
+                  <a:schemeClr val="tx1"/>
+                </a:solidFill>
+                <a:latin typeface="+mn-lt"/>
+                <a:ea typeface="+mn-ea"/>
+                <a:cs typeface="+mn-cs"/>
+              </a:defRPr>
+            </a:lvl4pPr>
+            <a:lvl5pPr marL="2057400" indent="-228600" algn="l" defTabSz="914400" rtl="0" eaLnBrk="1" latinLnBrk="0" hangingPunct="1">
+              <a:lnSpc>
+                <a:spcPct val="90000"/>
+              </a:lnSpc>
+              <a:spcBef>
+                <a:spcPts val="500"/>
+              </a:spcBef>
+              <a:buFont typeface="Arial" panose="020B0604020202020204" pitchFamily="34" charset="0"/>
+              <a:buChar char="•"/>
+              <a:defRPr sz="1800" kern="1200">
+                <a:solidFill>
+                  <a:schemeClr val="tx1"/>
+                </a:solidFill>
+                <a:latin typeface="+mn-lt"/>
+                <a:ea typeface="+mn-ea"/>
+                <a:cs typeface="+mn-cs"/>
+              </a:defRPr>
+            </a:lvl5pPr>
+            <a:lvl6pPr marL="2514600" indent="-228600" algn="l" defTabSz="914400" rtl="0" eaLnBrk="1" latinLnBrk="0" hangingPunct="1">
+              <a:lnSpc>
+                <a:spcPct val="90000"/>
+              </a:lnSpc>
+              <a:spcBef>
+                <a:spcPts val="500"/>
+              </a:spcBef>
+              <a:buFont typeface="Arial" panose="020B0604020202020204" pitchFamily="34" charset="0"/>
+              <a:buChar char="•"/>
+              <a:defRPr sz="1800" kern="1200">
+                <a:solidFill>
+                  <a:schemeClr val="tx1"/>
+                </a:solidFill>
+                <a:latin typeface="+mn-lt"/>
+                <a:ea typeface="+mn-ea"/>
+                <a:cs typeface="+mn-cs"/>
+              </a:defRPr>
+            </a:lvl6pPr>
+            <a:lvl7pPr marL="2971800" indent="-228600" algn="l" defTabSz="914400" rtl="0" eaLnBrk="1" latinLnBrk="0" hangingPunct="1">
+              <a:lnSpc>
+                <a:spcPct val="90000"/>
+              </a:lnSpc>
+              <a:spcBef>
+                <a:spcPts val="500"/>
+              </a:spcBef>
+              <a:buFont typeface="Arial" panose="020B0604020202020204" pitchFamily="34" charset="0"/>
+              <a:buChar char="•"/>
+              <a:defRPr sz="1800" kern="1200">
+                <a:solidFill>
+                  <a:schemeClr val="tx1"/>
+                </a:solidFill>
+                <a:latin typeface="+mn-lt"/>
+                <a:ea typeface="+mn-ea"/>
+                <a:cs typeface="+mn-cs"/>
+              </a:defRPr>
+            </a:lvl7pPr>
+            <a:lvl8pPr marL="3429000" indent="-228600" algn="l" defTabSz="914400" rtl="0" eaLnBrk="1" latinLnBrk="0" hangingPunct="1">
+              <a:lnSpc>
+                <a:spcPct val="90000"/>
+              </a:lnSpc>
+              <a:spcBef>
+                <a:spcPts val="500"/>
+              </a:spcBef>
+              <a:buFont typeface="Arial" panose="020B0604020202020204" pitchFamily="34" charset="0"/>
+              <a:buChar char="•"/>
+              <a:defRPr sz="1800" kern="1200">
+                <a:solidFill>
+                  <a:schemeClr val="tx1"/>
+                </a:solidFill>
+                <a:latin typeface="+mn-lt"/>
+                <a:ea typeface="+mn-ea"/>
+                <a:cs typeface="+mn-cs"/>
+              </a:defRPr>
+            </a:lvl8pPr>
+            <a:lvl9pPr marL="3886200" indent="-228600" algn="l" defTabSz="914400" rtl="0" eaLnBrk="1" latinLnBrk="0" hangingPunct="1">
+              <a:lnSpc>
+                <a:spcPct val="90000"/>
+              </a:lnSpc>
+              <a:spcBef>
+                <a:spcPts val="500"/>
+              </a:spcBef>
+              <a:buFont typeface="Arial" panose="020B0604020202020204" pitchFamily="34" charset="0"/>
+              <a:buChar char="•"/>
+              <a:defRPr sz="1800" kern="1200">
+                <a:solidFill>
+                  <a:schemeClr val="tx1"/>
+                </a:solidFill>
+                <a:latin typeface="+mn-lt"/>
+                <a:ea typeface="+mn-ea"/>
+                <a:cs typeface="+mn-cs"/>
+              </a:defRPr>
+            </a:lvl9pPr>
+          </a:lstStyle>
+          <a:p>
+            <a:pPr>
+              <a:spcBef>
+                <a:spcPct val="0"/>
+              </a:spcBef>
+              <a:buClr>
+                <a:schemeClr val="bg2"/>
+              </a:buClr>
+              <a:buFontTx/>
+              <a:buNone/>
+            </a:pPr>
+            <a:r>
+              <a:rPr lang="en-US" altLang="en-US" b="1" dirty="0">
+                <a:latin typeface="Courier New" panose="02070309020205020404" pitchFamily="49" charset="0"/>
+              </a:rPr>
+              <a:t>	</a:t>
+            </a:r>
+          </a:p>
+          <a:p>
+            <a:pPr>
+              <a:spcBef>
+                <a:spcPct val="0"/>
+              </a:spcBef>
+              <a:buClr>
+                <a:schemeClr val="bg2"/>
+              </a:buClr>
+              <a:buFont typeface="Arial" panose="020B0604020202020204" pitchFamily="34" charset="0"/>
+              <a:buNone/>
+            </a:pPr>
+            <a:r>
+              <a:rPr lang="en-US" altLang="en-US" b="1" dirty="0">
+                <a:latin typeface="Courier New" panose="02070309020205020404" pitchFamily="49" charset="0"/>
+              </a:rPr>
+              <a:t>	if </a:t>
+            </a:r>
+            <a:r>
+              <a:rPr lang="en-US" altLang="en-US" b="1" i="1" u="sng" dirty="0">
+                <a:latin typeface="Times New Roman" panose="02020603050405020304" pitchFamily="18" charset="0"/>
+              </a:rPr>
+              <a:t>condition</a:t>
+            </a:r>
+            <a:r>
+              <a:rPr lang="en-US" altLang="en-US" b="1" dirty="0">
+                <a:latin typeface="Courier New" panose="02070309020205020404" pitchFamily="49" charset="0"/>
+              </a:rPr>
+              <a:t>:</a:t>
+            </a:r>
+          </a:p>
+          <a:p>
+            <a:pPr>
+              <a:spcBef>
+                <a:spcPct val="0"/>
+              </a:spcBef>
+              <a:buClr>
+                <a:schemeClr val="bg2"/>
+              </a:buClr>
+              <a:buFontTx/>
+              <a:buNone/>
+            </a:pPr>
+            <a:r>
+              <a:rPr lang="en-US" altLang="en-US" b="1" i="1" dirty="0">
+                <a:latin typeface="Times New Roman" panose="02020603050405020304" pitchFamily="18" charset="0"/>
+              </a:rPr>
+              <a:t>	</a:t>
+            </a:r>
+            <a:r>
+              <a:rPr lang="en-US" altLang="en-US" b="1" dirty="0">
+                <a:latin typeface="Courier New" panose="02070309020205020404" pitchFamily="49" charset="0"/>
+              </a:rPr>
+              <a:t>    </a:t>
+            </a:r>
+            <a:r>
+              <a:rPr lang="en-US" altLang="en-US" b="1" i="1" dirty="0">
+                <a:latin typeface="Times New Roman" panose="02020603050405020304" pitchFamily="18" charset="0"/>
+              </a:rPr>
+              <a:t>statements</a:t>
+            </a:r>
+            <a:r>
+              <a:rPr lang="en-US" altLang="en-US" b="1" dirty="0">
+                <a:latin typeface="Courier New" panose="02070309020205020404" pitchFamily="49" charset="0"/>
+              </a:rPr>
+              <a:t> 		  # note indenting</a:t>
+            </a:r>
+            <a:endParaRPr lang="en-US" altLang="en-US" b="1" i="1" dirty="0">
+              <a:latin typeface="Times New Roman" panose="02020603050405020304" pitchFamily="18" charset="0"/>
+            </a:endParaRPr>
+          </a:p>
+          <a:p>
+            <a:pPr>
+              <a:spcBef>
+                <a:spcPct val="0"/>
+              </a:spcBef>
+              <a:buClr>
+                <a:schemeClr val="bg2"/>
+              </a:buClr>
+              <a:buFontTx/>
+              <a:buNone/>
+            </a:pPr>
+            <a:endParaRPr lang="en-US" altLang="en-US" b="1" dirty="0">
+              <a:latin typeface="Courier New" panose="02070309020205020404" pitchFamily="49" charset="0"/>
+            </a:endParaRPr>
+          </a:p>
+          <a:p>
+            <a:pPr>
+              <a:spcBef>
+                <a:spcPct val="0"/>
+              </a:spcBef>
+              <a:buClr>
+                <a:schemeClr val="bg2"/>
+              </a:buClr>
+              <a:buFontTx/>
+              <a:buNone/>
+            </a:pPr>
+            <a:endParaRPr lang="en-US" altLang="en-US" b="1" dirty="0">
+              <a:latin typeface="Courier New" panose="02070309020205020404" pitchFamily="49" charset="0"/>
+            </a:endParaRPr>
+          </a:p>
+          <a:p>
+            <a:pPr>
+              <a:spcBef>
+                <a:spcPct val="0"/>
+              </a:spcBef>
+              <a:buClr>
+                <a:schemeClr val="bg2"/>
+              </a:buClr>
+              <a:buFontTx/>
+              <a:buNone/>
+            </a:pPr>
+            <a:endParaRPr lang="en-US" altLang="en-US" b="1" dirty="0">
+              <a:latin typeface="Courier New" panose="02070309020205020404" pitchFamily="49" charset="0"/>
+            </a:endParaRPr>
+          </a:p>
+          <a:p>
+            <a:pPr>
+              <a:spcBef>
+                <a:spcPct val="0"/>
+              </a:spcBef>
+              <a:buClr>
+                <a:schemeClr val="bg2"/>
+              </a:buClr>
+              <a:buFontTx/>
+              <a:buNone/>
+            </a:pPr>
+            <a:r>
+              <a:rPr lang="en-US" altLang="en-US" b="1" dirty="0">
+                <a:latin typeface="Courier New" panose="02070309020205020404" pitchFamily="49" charset="0"/>
+              </a:rPr>
+              <a:t>	def </a:t>
+            </a:r>
+            <a:r>
+              <a:rPr lang="en-US" altLang="en-US" b="1" dirty="0" err="1">
+                <a:latin typeface="Courier New" panose="02070309020205020404" pitchFamily="49" charset="0"/>
+              </a:rPr>
+              <a:t>safe_pick_up</a:t>
+            </a:r>
+            <a:r>
+              <a:rPr lang="en-US" altLang="en-US" b="1" dirty="0">
+                <a:latin typeface="Courier New" panose="02070309020205020404" pitchFamily="49" charset="0"/>
+              </a:rPr>
+              <a:t>():</a:t>
+            </a:r>
+          </a:p>
+          <a:p>
+            <a:pPr>
+              <a:spcBef>
+                <a:spcPct val="0"/>
+              </a:spcBef>
+              <a:buClr>
+                <a:schemeClr val="bg2"/>
+              </a:buClr>
+              <a:buFontTx/>
+              <a:buNone/>
+            </a:pPr>
+            <a:r>
+              <a:rPr lang="en-US" altLang="en-US" b="1" dirty="0">
+                <a:latin typeface="Courier New" panose="02070309020205020404" pitchFamily="49" charset="0"/>
+              </a:rPr>
+              <a:t>	    if </a:t>
+            </a:r>
+            <a:r>
+              <a:rPr lang="en-US" altLang="en-US" b="1" dirty="0" err="1">
+                <a:latin typeface="Courier New" panose="02070309020205020404" pitchFamily="49" charset="0"/>
+              </a:rPr>
+              <a:t>beepers_present</a:t>
+            </a:r>
+            <a:r>
+              <a:rPr lang="en-US" altLang="en-US" b="1" dirty="0">
+                <a:latin typeface="Courier New" panose="02070309020205020404" pitchFamily="49" charset="0"/>
+              </a:rPr>
+              <a:t>():</a:t>
+            </a:r>
+          </a:p>
+          <a:p>
+            <a:pPr>
+              <a:spcBef>
+                <a:spcPct val="0"/>
+              </a:spcBef>
+              <a:buClr>
+                <a:schemeClr val="bg2"/>
+              </a:buClr>
+              <a:buFontTx/>
+              <a:buNone/>
+            </a:pPr>
+            <a:r>
+              <a:rPr lang="en-US" altLang="en-US" b="1" dirty="0">
+                <a:latin typeface="Courier New" panose="02070309020205020404" pitchFamily="49" charset="0"/>
+              </a:rPr>
+              <a:t>	        </a:t>
+            </a:r>
+            <a:r>
+              <a:rPr lang="en-US" altLang="en-US" b="1" dirty="0" err="1">
+                <a:latin typeface="Courier New" panose="02070309020205020404" pitchFamily="49" charset="0"/>
+              </a:rPr>
+              <a:t>pick_beeper</a:t>
+            </a:r>
+            <a:r>
+              <a:rPr lang="en-US" altLang="en-US" b="1" dirty="0">
+                <a:latin typeface="Courier New" panose="02070309020205020404" pitchFamily="49" charset="0"/>
+              </a:rPr>
+              <a:t>() # note indenting</a:t>
+            </a:r>
+          </a:p>
+          <a:p>
+            <a:pPr>
+              <a:spcBef>
+                <a:spcPct val="0"/>
+              </a:spcBef>
+              <a:buClr>
+                <a:schemeClr val="bg2"/>
+              </a:buClr>
+              <a:buFontTx/>
+              <a:buNone/>
+            </a:pPr>
+            <a:endParaRPr lang="en-US" altLang="en-US" b="1" dirty="0">
+              <a:latin typeface="Courier New" panose="02070309020205020404" pitchFamily="49" charset="0"/>
+            </a:endParaRPr>
+          </a:p>
+          <a:p>
+            <a:pPr>
+              <a:spcBef>
+                <a:spcPct val="0"/>
+              </a:spcBef>
+              <a:buClr>
+                <a:schemeClr val="bg2"/>
+              </a:buClr>
+              <a:buFontTx/>
+              <a:buNone/>
+            </a:pPr>
+            <a:endParaRPr lang="en-US" altLang="en-US" b="1" dirty="0">
+              <a:latin typeface="Courier New" panose="02070309020205020404" pitchFamily="49" charset="0"/>
+            </a:endParaRPr>
+          </a:p>
+          <a:p>
+            <a:pPr>
+              <a:spcBef>
+                <a:spcPct val="0"/>
+              </a:spcBef>
+              <a:buClr>
+                <a:schemeClr val="bg2"/>
+              </a:buClr>
+              <a:buFontTx/>
+              <a:buNone/>
+            </a:pPr>
+            <a:endParaRPr lang="en-US" altLang="en-US" b="1" dirty="0">
+              <a:latin typeface="Courier New" panose="02070309020205020404" pitchFamily="49" charset="0"/>
+            </a:endParaRPr>
+          </a:p>
+          <a:p>
+            <a:pPr>
+              <a:spcBef>
+                <a:spcPct val="0"/>
+              </a:spcBef>
+              <a:buClr>
+                <a:schemeClr val="bg2"/>
+              </a:buClr>
+              <a:buFontTx/>
+              <a:buNone/>
+            </a:pPr>
+            <a:endParaRPr lang="en-US" altLang="en-US" b="1" dirty="0">
+              <a:latin typeface="Courier New" panose="02070309020205020404" pitchFamily="49" charset="0"/>
+            </a:endParaRPr>
+          </a:p>
+        </p:txBody>
+      </p:sp>
+      <p:cxnSp>
+        <p:nvCxnSpPr>
+          <p:cNvPr id="5" name="Straight Connector 4">
+            <a:extLst>
+              <a:ext uri="{FF2B5EF4-FFF2-40B4-BE49-F238E27FC236}">
+                <a16:creationId xmlns:a16="http://schemas.microsoft.com/office/drawing/2014/main" id="{89CC0B12-F4ED-6243-A4C4-7892E1E2C3AE}"/>
+              </a:ext>
+            </a:extLst>
+          </p:cNvPr>
+          <p:cNvCxnSpPr>
+            <a:cxnSpLocks noChangeShapeType="1"/>
+          </p:cNvCxnSpPr>
+          <p:nvPr/>
+        </p:nvCxnSpPr>
+        <p:spPr bwMode="auto">
+          <a:xfrm>
+            <a:off x="457200" y="3429000"/>
+            <a:ext cx="8305800" cy="0"/>
+          </a:xfrm>
+          <a:prstGeom prst="line">
+            <a:avLst/>
+          </a:prstGeom>
+          <a:noFill/>
+          <a:ln w="38100" algn="ctr">
+            <a:solidFill>
+              <a:schemeClr val="tx1"/>
+            </a:solidFill>
+            <a:round/>
+            <a:headEnd type="none" w="sm" len="sm"/>
+            <a:tailEnd type="none" w="sm" len="sm"/>
+          </a:ln>
+          <a:extLst>
+            <a:ext uri="{909E8E84-426E-40DD-AFC4-6F175D3DCCD1}">
+              <a14:hiddenFill xmlns:a14="http://schemas.microsoft.com/office/drawing/2010/main">
+                <a:noFill/>
+              </a14:hiddenFill>
+            </a:ext>
+          </a:extLst>
+        </p:spPr>
+      </p:cxnSp>
+      <p:sp>
+        <p:nvSpPr>
+          <p:cNvPr id="6" name="Rounded Rectangle 11">
+            <a:extLst>
+              <a:ext uri="{FF2B5EF4-FFF2-40B4-BE49-F238E27FC236}">
+                <a16:creationId xmlns:a16="http://schemas.microsoft.com/office/drawing/2014/main" id="{EFE668CE-2990-6347-942E-C2313B379E66}"/>
+              </a:ext>
+            </a:extLst>
+          </p:cNvPr>
+          <p:cNvSpPr/>
+          <p:nvPr/>
+        </p:nvSpPr>
+        <p:spPr>
+          <a:xfrm>
+            <a:off x="597196" y="3929538"/>
+            <a:ext cx="857098" cy="914908"/>
+          </a:xfrm>
+          <a:prstGeom prst="roundRect">
+            <a:avLst/>
+          </a:prstGeom>
+          <a:solidFill>
+            <a:srgbClr val="1F497D">
+              <a:lumMod val="20000"/>
+              <a:lumOff val="80000"/>
+            </a:srgbClr>
+          </a:solidFill>
+          <a:ln w="9525" cap="flat" cmpd="sng" algn="ctr">
+            <a:noFill/>
+            <a:prstDash val="solid"/>
+          </a:ln>
+          <a:effectLst/>
+        </p:spPr>
+        <p:txBody>
+          <a:bodyPr rtlCol="0" anchor="ctr"/>
+          <a:lstStyle/>
+          <a:p>
+            <a:pPr marL="0" marR="0" lvl="0" indent="0" algn="ctr" defTabSz="914400" rtl="0" eaLnBrk="1" fontAlgn="auto" latinLnBrk="0" hangingPunct="1">
+              <a:lnSpc>
+                <a:spcPct val="100000"/>
+              </a:lnSpc>
+              <a:spcBef>
+                <a:spcPts val="0"/>
+              </a:spcBef>
+              <a:spcAft>
+                <a:spcPts val="0"/>
+              </a:spcAft>
+              <a:buClrTx/>
+              <a:buSzTx/>
+              <a:buFontTx/>
+              <a:buNone/>
+              <a:tabLst/>
+              <a:defRPr/>
+            </a:pPr>
+            <a:endParaRPr kumimoji="0" lang="en-US" sz="1800" b="0" i="0" u="none" strike="noStrike" kern="0" cap="none" spc="0" normalizeH="0" baseline="0" noProof="0" dirty="0">
+              <a:ln>
+                <a:noFill/>
+              </a:ln>
+              <a:solidFill>
+                <a:prstClr val="white"/>
+              </a:solidFill>
+              <a:effectLst/>
+              <a:uLnTx/>
+              <a:uFillTx/>
+              <a:latin typeface="Calibri"/>
+              <a:ea typeface="+mn-ea"/>
+              <a:cs typeface="+mn-cs"/>
+            </a:endParaRPr>
+          </a:p>
+        </p:txBody>
+      </p:sp>
+      <p:sp>
+        <p:nvSpPr>
+          <p:cNvPr id="7" name="Rounded Rectangle 7">
+            <a:extLst>
+              <a:ext uri="{FF2B5EF4-FFF2-40B4-BE49-F238E27FC236}">
+                <a16:creationId xmlns:a16="http://schemas.microsoft.com/office/drawing/2014/main" id="{9741E473-DDEC-0541-9EF8-8AABDC813BA6}"/>
+              </a:ext>
+            </a:extLst>
+          </p:cNvPr>
+          <p:cNvSpPr/>
+          <p:nvPr/>
+        </p:nvSpPr>
+        <p:spPr>
+          <a:xfrm>
+            <a:off x="1475630" y="4332131"/>
+            <a:ext cx="738438" cy="512315"/>
+          </a:xfrm>
+          <a:prstGeom prst="roundRect">
+            <a:avLst/>
+          </a:prstGeom>
+          <a:solidFill>
+            <a:srgbClr val="9BBB59">
+              <a:lumMod val="20000"/>
+              <a:lumOff val="80000"/>
+            </a:srgbClr>
+          </a:solidFill>
+          <a:ln w="9525" cap="flat" cmpd="sng" algn="ctr">
+            <a:noFill/>
+            <a:prstDash val="solid"/>
+          </a:ln>
+          <a:effectLst/>
+        </p:spPr>
+        <p:txBody>
+          <a:bodyPr rtlCol="0" anchor="ctr"/>
+          <a:lstStyle/>
+          <a:p>
+            <a:pPr marL="0" marR="0" lvl="0" indent="0" algn="ctr" defTabSz="914400" rtl="0" eaLnBrk="1" fontAlgn="auto" latinLnBrk="0" hangingPunct="1">
+              <a:lnSpc>
+                <a:spcPct val="100000"/>
+              </a:lnSpc>
+              <a:spcBef>
+                <a:spcPts val="0"/>
+              </a:spcBef>
+              <a:spcAft>
+                <a:spcPts val="0"/>
+              </a:spcAft>
+              <a:buClrTx/>
+              <a:buSzTx/>
+              <a:buFontTx/>
+              <a:buNone/>
+              <a:tabLst/>
+              <a:defRPr/>
+            </a:pPr>
+            <a:endParaRPr kumimoji="0" lang="en-US" sz="1800" b="0" i="0" u="none" strike="noStrike" kern="0" cap="none" spc="0" normalizeH="0" baseline="0" noProof="0" dirty="0">
+              <a:ln>
+                <a:noFill/>
+              </a:ln>
+              <a:solidFill>
+                <a:prstClr val="white"/>
+              </a:solidFill>
+              <a:effectLst/>
+              <a:uLnTx/>
+              <a:uFillTx/>
+              <a:latin typeface="Calibri"/>
+              <a:ea typeface="+mn-ea"/>
+              <a:cs typeface="+mn-cs"/>
+            </a:endParaRPr>
+          </a:p>
+        </p:txBody>
+      </p:sp>
+      <p:sp>
+        <p:nvSpPr>
+          <p:cNvPr id="8" name="Rounded Rectangle 11">
+            <a:extLst>
+              <a:ext uri="{FF2B5EF4-FFF2-40B4-BE49-F238E27FC236}">
+                <a16:creationId xmlns:a16="http://schemas.microsoft.com/office/drawing/2014/main" id="{28CE6C53-73F8-6940-90D8-8D50B09EEAD5}"/>
+              </a:ext>
+            </a:extLst>
+          </p:cNvPr>
+          <p:cNvSpPr/>
+          <p:nvPr/>
+        </p:nvSpPr>
+        <p:spPr>
+          <a:xfrm>
+            <a:off x="609600" y="2049685"/>
+            <a:ext cx="793999" cy="914908"/>
+          </a:xfrm>
+          <a:prstGeom prst="roundRect">
+            <a:avLst/>
+          </a:prstGeom>
+          <a:solidFill>
+            <a:srgbClr val="1F497D">
+              <a:lumMod val="20000"/>
+              <a:lumOff val="80000"/>
+            </a:srgbClr>
+          </a:solidFill>
+          <a:ln w="9525" cap="flat" cmpd="sng" algn="ctr">
+            <a:noFill/>
+            <a:prstDash val="solid"/>
+          </a:ln>
+          <a:effectLst/>
+        </p:spPr>
+        <p:txBody>
+          <a:bodyPr rtlCol="0" anchor="ctr"/>
+          <a:lstStyle/>
+          <a:p>
+            <a:pPr marL="0" marR="0" lvl="0" indent="0" algn="ctr" defTabSz="914400" rtl="0" eaLnBrk="1" fontAlgn="auto" latinLnBrk="0" hangingPunct="1">
+              <a:lnSpc>
+                <a:spcPct val="100000"/>
+              </a:lnSpc>
+              <a:spcBef>
+                <a:spcPts val="0"/>
+              </a:spcBef>
+              <a:spcAft>
+                <a:spcPts val="0"/>
+              </a:spcAft>
+              <a:buClrTx/>
+              <a:buSzTx/>
+              <a:buFontTx/>
+              <a:buNone/>
+              <a:tabLst/>
+              <a:defRPr/>
+            </a:pPr>
+            <a:endParaRPr kumimoji="0" lang="en-US" sz="1800" b="0" i="0" u="none" strike="noStrike" kern="0" cap="none" spc="0" normalizeH="0" baseline="0" noProof="0" dirty="0">
+              <a:ln>
+                <a:noFill/>
+              </a:ln>
+              <a:solidFill>
+                <a:prstClr val="white"/>
+              </a:solidFill>
+              <a:effectLst/>
+              <a:uLnTx/>
+              <a:uFillTx/>
+              <a:latin typeface="Calibri"/>
+              <a:ea typeface="+mn-ea"/>
+              <a:cs typeface="+mn-cs"/>
+            </a:endParaRPr>
+          </a:p>
+        </p:txBody>
+      </p:sp>
+    </p:spTree>
+    <p:extLst>
+      <p:ext uri="{BB962C8B-B14F-4D97-AF65-F5344CB8AC3E}">
+        <p14:creationId xmlns:p14="http://schemas.microsoft.com/office/powerpoint/2010/main" val="2370450522"/>
+      </p:ext>
+    </p:extLst>
+  </p:cSld>
+  <p:clrMapOvr>
+    <a:masterClrMapping/>
+  </p:clrMapOvr>
+  <p:timing>
+    <p:tnLst>
+      <p:par>
+        <p:cTn id="1" dur="indefinite" restart="never" nodeType="tmRoot">
+          <p:childTnLst>
+            <p:seq concurrent="1" nextAc="seek">
+              <p:cTn id="2" dur="indefinite" nodeType="mainSeq">
+                <p:childTnLst>
+                  <p:par>
+                    <p:cTn id="3" fill="hold">
+                      <p:stCondLst>
+                        <p:cond delay="indefinite"/>
+                      </p:stCondLst>
+                      <p:childTnLst>
+                        <p:par>
+                          <p:cTn id="4" fill="hold">
+                            <p:stCondLst>
+                              <p:cond delay="0"/>
+                            </p:stCondLst>
+                            <p:childTnLst>
+                              <p:par>
+                                <p:cTn id="5" presetID="1" presetClass="entr" presetSubtype="0" fill="hold" nodeType="clickEffect">
+                                  <p:stCondLst>
+                                    <p:cond delay="0"/>
+                                  </p:stCondLst>
+                                  <p:childTnLst>
+                                    <p:set>
+                                      <p:cBhvr>
+                                        <p:cTn id="6" dur="1" fill="hold">
+                                          <p:stCondLst>
+                                            <p:cond delay="0"/>
+                                          </p:stCondLst>
+                                        </p:cTn>
+                                        <p:tgtEl>
+                                          <p:spTgt spid="4">
+                                            <p:txEl>
+                                              <p:pRg st="0" end="0"/>
+                                            </p:txEl>
+                                          </p:spTgt>
+                                        </p:tgtEl>
+                                        <p:attrNameLst>
+                                          <p:attrName>style.visibility</p:attrName>
+                                        </p:attrNameLst>
+                                      </p:cBhvr>
+                                      <p:to>
+                                        <p:strVal val="visible"/>
+                                      </p:to>
+                                    </p:set>
+                                  </p:childTnLst>
+                                </p:cTn>
+                              </p:par>
+                              <p:par>
+                                <p:cTn id="7" presetID="1" presetClass="entr" presetSubtype="0" fill="hold" nodeType="withEffect">
+                                  <p:stCondLst>
+                                    <p:cond delay="0"/>
+                                  </p:stCondLst>
+                                  <p:childTnLst>
+                                    <p:set>
+                                      <p:cBhvr>
+                                        <p:cTn id="8" dur="1" fill="hold">
+                                          <p:stCondLst>
+                                            <p:cond delay="0"/>
+                                          </p:stCondLst>
+                                        </p:cTn>
+                                        <p:tgtEl>
+                                          <p:spTgt spid="4">
+                                            <p:txEl>
+                                              <p:pRg st="1" end="1"/>
+                                            </p:txEl>
+                                          </p:spTgt>
+                                        </p:tgtEl>
+                                        <p:attrNameLst>
+                                          <p:attrName>style.visibility</p:attrName>
+                                        </p:attrNameLst>
+                                      </p:cBhvr>
+                                      <p:to>
+                                        <p:strVal val="visible"/>
+                                      </p:to>
+                                    </p:set>
+                                  </p:childTnLst>
+                                </p:cTn>
+                              </p:par>
+                              <p:par>
+                                <p:cTn id="9" presetID="1" presetClass="entr" presetSubtype="0" fill="hold" nodeType="withEffect">
+                                  <p:stCondLst>
+                                    <p:cond delay="0"/>
+                                  </p:stCondLst>
+                                  <p:childTnLst>
+                                    <p:set>
+                                      <p:cBhvr>
+                                        <p:cTn id="10" dur="1" fill="hold">
+                                          <p:stCondLst>
+                                            <p:cond delay="0"/>
+                                          </p:stCondLst>
+                                        </p:cTn>
+                                        <p:tgtEl>
+                                          <p:spTgt spid="4">
+                                            <p:txEl>
+                                              <p:pRg st="2" end="2"/>
+                                            </p:txEl>
+                                          </p:spTgt>
+                                        </p:tgtEl>
+                                        <p:attrNameLst>
+                                          <p:attrName>style.visibility</p:attrName>
+                                        </p:attrNameLst>
+                                      </p:cBhvr>
+                                      <p:to>
+                                        <p:strVal val="visible"/>
+                                      </p:to>
+                                    </p:set>
+                                  </p:childTnLst>
+                                </p:cTn>
+                              </p:par>
+                            </p:childTnLst>
+                          </p:cTn>
+                        </p:par>
+                      </p:childTnLst>
+                    </p:cTn>
+                  </p:par>
+                  <p:par>
+                    <p:cTn id="11" fill="hold">
+                      <p:stCondLst>
+                        <p:cond delay="indefinite"/>
+                      </p:stCondLst>
+                      <p:childTnLst>
+                        <p:par>
+                          <p:cTn id="12" fill="hold">
+                            <p:stCondLst>
+                              <p:cond delay="0"/>
+                            </p:stCondLst>
+                            <p:childTnLst>
+                              <p:par>
+                                <p:cTn id="13" presetID="1" presetClass="entr" presetSubtype="0" fill="hold" grpId="0" nodeType="clickEffect">
+                                  <p:stCondLst>
+                                    <p:cond delay="0"/>
+                                  </p:stCondLst>
+                                  <p:childTnLst>
+                                    <p:set>
+                                      <p:cBhvr>
+                                        <p:cTn id="14" dur="1" fill="hold">
+                                          <p:stCondLst>
+                                            <p:cond delay="0"/>
+                                          </p:stCondLst>
+                                        </p:cTn>
+                                        <p:tgtEl>
+                                          <p:spTgt spid="8"/>
+                                        </p:tgtEl>
+                                        <p:attrNameLst>
+                                          <p:attrName>style.visibility</p:attrName>
+                                        </p:attrNameLst>
+                                      </p:cBhvr>
+                                      <p:to>
+                                        <p:strVal val="visible"/>
+                                      </p:to>
+                                    </p:set>
+                                  </p:childTnLst>
+                                </p:cTn>
+                              </p:par>
+                            </p:childTnLst>
+                          </p:cTn>
+                        </p:par>
+                      </p:childTnLst>
+                    </p:cTn>
+                  </p:par>
+                  <p:par>
+                    <p:cTn id="15" fill="hold">
+                      <p:stCondLst>
+                        <p:cond delay="indefinite"/>
+                      </p:stCondLst>
+                      <p:childTnLst>
+                        <p:par>
+                          <p:cTn id="16" fill="hold">
+                            <p:stCondLst>
+                              <p:cond delay="0"/>
+                            </p:stCondLst>
+                            <p:childTnLst>
+                              <p:par>
+                                <p:cTn id="17" presetID="1" presetClass="entr" presetSubtype="0" fill="hold" nodeType="clickEffect">
+                                  <p:stCondLst>
+                                    <p:cond delay="0"/>
+                                  </p:stCondLst>
+                                  <p:childTnLst>
+                                    <p:set>
+                                      <p:cBhvr>
+                                        <p:cTn id="18" dur="1" fill="hold">
+                                          <p:stCondLst>
+                                            <p:cond delay="0"/>
+                                          </p:stCondLst>
+                                        </p:cTn>
+                                        <p:tgtEl>
+                                          <p:spTgt spid="5"/>
+                                        </p:tgtEl>
+                                        <p:attrNameLst>
+                                          <p:attrName>style.visibility</p:attrName>
+                                        </p:attrNameLst>
+                                      </p:cBhvr>
+                                      <p:to>
+                                        <p:strVal val="visible"/>
+                                      </p:to>
+                                    </p:set>
+                                  </p:childTnLst>
+                                </p:cTn>
+                              </p:par>
+                              <p:par>
+                                <p:cTn id="19" presetID="1" presetClass="entr" presetSubtype="0" fill="hold" nodeType="withEffect">
+                                  <p:stCondLst>
+                                    <p:cond delay="0"/>
+                                  </p:stCondLst>
+                                  <p:childTnLst>
+                                    <p:set>
+                                      <p:cBhvr>
+                                        <p:cTn id="20" dur="1" fill="hold">
+                                          <p:stCondLst>
+                                            <p:cond delay="0"/>
+                                          </p:stCondLst>
+                                        </p:cTn>
+                                        <p:tgtEl>
+                                          <p:spTgt spid="4">
+                                            <p:txEl>
+                                              <p:pRg st="6" end="6"/>
+                                            </p:txEl>
+                                          </p:spTgt>
+                                        </p:tgtEl>
+                                        <p:attrNameLst>
+                                          <p:attrName>style.visibility</p:attrName>
+                                        </p:attrNameLst>
+                                      </p:cBhvr>
+                                      <p:to>
+                                        <p:strVal val="visible"/>
+                                      </p:to>
+                                    </p:set>
+                                  </p:childTnLst>
+                                </p:cTn>
+                              </p:par>
+                              <p:par>
+                                <p:cTn id="21" presetID="1" presetClass="entr" presetSubtype="0" fill="hold" nodeType="withEffect">
+                                  <p:stCondLst>
+                                    <p:cond delay="0"/>
+                                  </p:stCondLst>
+                                  <p:childTnLst>
+                                    <p:set>
+                                      <p:cBhvr>
+                                        <p:cTn id="22" dur="1" fill="hold">
+                                          <p:stCondLst>
+                                            <p:cond delay="0"/>
+                                          </p:stCondLst>
+                                        </p:cTn>
+                                        <p:tgtEl>
+                                          <p:spTgt spid="4">
+                                            <p:txEl>
+                                              <p:pRg st="7" end="7"/>
+                                            </p:txEl>
+                                          </p:spTgt>
+                                        </p:tgtEl>
+                                        <p:attrNameLst>
+                                          <p:attrName>style.visibility</p:attrName>
+                                        </p:attrNameLst>
+                                      </p:cBhvr>
+                                      <p:to>
+                                        <p:strVal val="visible"/>
+                                      </p:to>
+                                    </p:set>
+                                  </p:childTnLst>
+                                </p:cTn>
+                              </p:par>
+                              <p:par>
+                                <p:cTn id="23" presetID="1" presetClass="entr" presetSubtype="0" fill="hold" nodeType="withEffect">
+                                  <p:stCondLst>
+                                    <p:cond delay="0"/>
+                                  </p:stCondLst>
+                                  <p:childTnLst>
+                                    <p:set>
+                                      <p:cBhvr>
+                                        <p:cTn id="24" dur="1" fill="hold">
+                                          <p:stCondLst>
+                                            <p:cond delay="0"/>
+                                          </p:stCondLst>
+                                        </p:cTn>
+                                        <p:tgtEl>
+                                          <p:spTgt spid="4">
+                                            <p:txEl>
+                                              <p:pRg st="8" end="8"/>
+                                            </p:txEl>
+                                          </p:spTgt>
+                                        </p:tgtEl>
+                                        <p:attrNameLst>
+                                          <p:attrName>style.visibility</p:attrName>
+                                        </p:attrNameLst>
+                                      </p:cBhvr>
+                                      <p:to>
+                                        <p:strVal val="visible"/>
+                                      </p:to>
+                                    </p:set>
+                                  </p:childTnLst>
+                                </p:cTn>
+                              </p:par>
+                            </p:childTnLst>
+                          </p:cTn>
+                        </p:par>
+                      </p:childTnLst>
+                    </p:cTn>
+                  </p:par>
+                  <p:par>
+                    <p:cTn id="25" fill="hold">
+                      <p:stCondLst>
+                        <p:cond delay="indefinite"/>
+                      </p:stCondLst>
+                      <p:childTnLst>
+                        <p:par>
+                          <p:cTn id="26" fill="hold">
+                            <p:stCondLst>
+                              <p:cond delay="0"/>
+                            </p:stCondLst>
+                            <p:childTnLst>
+                              <p:par>
+                                <p:cTn id="27" presetID="1" presetClass="entr" presetSubtype="0" fill="hold" grpId="0" nodeType="clickEffect">
+                                  <p:stCondLst>
+                                    <p:cond delay="0"/>
+                                  </p:stCondLst>
+                                  <p:childTnLst>
+                                    <p:set>
+                                      <p:cBhvr>
+                                        <p:cTn id="28" dur="1" fill="hold">
+                                          <p:stCondLst>
+                                            <p:cond delay="0"/>
+                                          </p:stCondLst>
+                                        </p:cTn>
+                                        <p:tgtEl>
+                                          <p:spTgt spid="6"/>
+                                        </p:tgtEl>
+                                        <p:attrNameLst>
+                                          <p:attrName>style.visibility</p:attrName>
+                                        </p:attrNameLst>
+                                      </p:cBhvr>
+                                      <p:to>
+                                        <p:strVal val="visible"/>
+                                      </p:to>
+                                    </p:set>
+                                  </p:childTnLst>
+                                </p:cTn>
+                              </p:par>
+                            </p:childTnLst>
+                          </p:cTn>
+                        </p:par>
+                      </p:childTnLst>
+                    </p:cTn>
+                  </p:par>
+                  <p:par>
+                    <p:cTn id="29" fill="hold">
+                      <p:stCondLst>
+                        <p:cond delay="indefinite"/>
+                      </p:stCondLst>
+                      <p:childTnLst>
+                        <p:par>
+                          <p:cTn id="30" fill="hold">
+                            <p:stCondLst>
+                              <p:cond delay="0"/>
+                            </p:stCondLst>
+                            <p:childTnLst>
+                              <p:par>
+                                <p:cTn id="31" presetID="1" presetClass="entr" presetSubtype="0" fill="hold" grpId="0" nodeType="clickEffect">
+                                  <p:stCondLst>
+                                    <p:cond delay="0"/>
+                                  </p:stCondLst>
+                                  <p:childTnLst>
+                                    <p:set>
+                                      <p:cBhvr>
+                                        <p:cTn id="32" dur="1" fill="hold">
+                                          <p:stCondLst>
+                                            <p:cond delay="0"/>
+                                          </p:stCondLst>
+                                        </p:cTn>
+                                        <p:tgtEl>
+                                          <p:spTgt spid="7"/>
+                                        </p:tgtEl>
+                                        <p:attrNameLst>
+                                          <p:attrName>style.visibility</p:attrName>
+                                        </p:attrNameLst>
+                                      </p:cBhvr>
+                                      <p:to>
+                                        <p:strVal val="visible"/>
+                                      </p:to>
+                                    </p:set>
+                                  </p:childTnLst>
+                                </p:cTn>
+                              </p:par>
+                            </p:childTnLst>
+                          </p:cTn>
+                        </p:par>
+                      </p:childTnLst>
+                    </p:cTn>
+                  </p:par>
+                </p:childTnLst>
+              </p:cTn>
+              <p:prevCondLst>
+                <p:cond evt="onPrev" delay="0">
+                  <p:tgtEl>
+                    <p:sldTgt/>
+                  </p:tgtEl>
+                </p:cond>
+              </p:prevCondLst>
+              <p:nextCondLst>
+                <p:cond evt="onNext" delay="0">
+                  <p:tgtEl>
+                    <p:sldTgt/>
+                  </p:tgtEl>
+                </p:cond>
+              </p:nextCondLst>
+            </p:seq>
+          </p:childTnLst>
+        </p:cTn>
+      </p:par>
+    </p:tnLst>
+    <p:bldLst>
+      <p:bldP spid="6" grpId="0" animBg="1"/>
+      <p:bldP spid="7" grpId="0" animBg="1"/>
+      <p:bldP spid="8" grpId="0" animBg="1"/>
+    </p:bldLst>
+  </p:timing>
+</p:sld>
+</file>
+
+<file path=ppt/slides/slide9.xml><?xml version="1.0" encoding="utf-8"?>
+<p:sld xmlns:a="http://schemas.openxmlformats.org/drawingml/2006/main" xmlns:r="http://schemas.openxmlformats.org/officeDocument/2006/relationships" xmlns:p="http://schemas.openxmlformats.org/presentationml/2006/main">
+  <p:cSld>
+    <p:spTree>
+      <p:nvGrpSpPr>
+        <p:cNvPr id="1" name=""/>
+        <p:cNvGrpSpPr/>
+        <p:nvPr/>
+      </p:nvGrpSpPr>
+      <p:grpSpPr>
+        <a:xfrm>
+          <a:off x="0" y="0"/>
+          <a:ext cx="0" cy="0"/>
+          <a:chOff x="0" y="0"/>
+          <a:chExt cx="0" cy="0"/>
+        </a:xfrm>
+      </p:grpSpPr>
+      <p:sp>
+        <p:nvSpPr>
+          <p:cNvPr id="2" name="Title 1">
+            <a:extLst>
+              <a:ext uri="{FF2B5EF4-FFF2-40B4-BE49-F238E27FC236}">
+                <a16:creationId xmlns:a16="http://schemas.microsoft.com/office/drawing/2014/main" id="{AC13AEFC-F682-F347-A27C-C3793B530E2C}"/>
+              </a:ext>
+            </a:extLst>
+          </p:cNvPr>
+          <p:cNvSpPr>
+            <a:spLocks noGrp="1"/>
+          </p:cNvSpPr>
+          <p:nvPr>
+            <p:ph type="title"/>
+          </p:nvPr>
+        </p:nvSpPr>
+        <p:spPr/>
+        <p:txBody>
+          <a:bodyPr/>
+          <a:lstStyle/>
+          <a:p>
+            <a:r>
+              <a:rPr lang="en-US" dirty="0"/>
+              <a:t>If/Else Statements</a:t>
+            </a:r>
+          </a:p>
+        </p:txBody>
+      </p:sp>
+      <p:sp>
+        <p:nvSpPr>
+          <p:cNvPr id="3" name="Content Placeholder 2">
+            <a:extLst>
+              <a:ext uri="{FF2B5EF4-FFF2-40B4-BE49-F238E27FC236}">
+                <a16:creationId xmlns:a16="http://schemas.microsoft.com/office/drawing/2014/main" id="{C9A390E0-7A84-274C-82E5-995BA64390E6}"/>
+              </a:ext>
+            </a:extLst>
+          </p:cNvPr>
+          <p:cNvSpPr>
+            <a:spLocks noGrp="1"/>
+          </p:cNvSpPr>
+          <p:nvPr>
+            <p:ph idx="1"/>
+          </p:nvPr>
+        </p:nvSpPr>
+        <p:spPr/>
+        <p:txBody>
+          <a:bodyPr/>
+          <a:lstStyle/>
+          <a:p>
+            <a:pPr marL="0" indent="0">
+              <a:buNone/>
+            </a:pPr>
+            <a:r>
+              <a:rPr lang="en-US" sz="3200" dirty="0"/>
+              <a:t>What if we want to do one thing if some condition is true, and another otherwise?  We can add an </a:t>
+            </a:r>
+            <a:r>
+              <a:rPr lang="en-US" sz="3200" b="1" dirty="0"/>
+              <a:t>else</a:t>
+            </a:r>
+            <a:r>
+              <a:rPr lang="en-US" sz="3200" dirty="0"/>
+              <a:t> statement:</a:t>
+            </a:r>
+          </a:p>
+          <a:p>
+            <a:pPr marL="0" indent="0">
+              <a:buNone/>
+            </a:pPr>
+            <a:endParaRPr lang="en-US" sz="3200" dirty="0"/>
+          </a:p>
+          <a:p>
+            <a:pPr marL="0" indent="0">
+              <a:spcBef>
+                <a:spcPts val="0"/>
+              </a:spcBef>
+              <a:buNone/>
+            </a:pPr>
+            <a:r>
+              <a:rPr lang="en-US" sz="3200" dirty="0">
+                <a:latin typeface="Consolas" panose="020B0609020204030204" pitchFamily="49" charset="0"/>
+                <a:cs typeface="Consolas" panose="020B0609020204030204" pitchFamily="49" charset="0"/>
+              </a:rPr>
+              <a:t>if </a:t>
+            </a:r>
+            <a:r>
+              <a:rPr lang="en-US" sz="3200" b="1" i="1" dirty="0">
+                <a:latin typeface="Consolas" panose="020B0609020204030204" pitchFamily="49" charset="0"/>
+                <a:cs typeface="Consolas" panose="020B0609020204030204" pitchFamily="49" charset="0"/>
+              </a:rPr>
+              <a:t>condition</a:t>
+            </a:r>
+            <a:r>
+              <a:rPr lang="en-US" sz="3200" dirty="0">
+                <a:latin typeface="Consolas" panose="020B0609020204030204" pitchFamily="49" charset="0"/>
+                <a:cs typeface="Consolas" panose="020B0609020204030204" pitchFamily="49" charset="0"/>
+              </a:rPr>
+              <a:t>:</a:t>
+            </a:r>
+          </a:p>
+          <a:p>
+            <a:pPr marL="0" indent="0">
+              <a:spcBef>
+                <a:spcPts val="0"/>
+              </a:spcBef>
+              <a:buNone/>
+            </a:pPr>
+            <a:r>
+              <a:rPr lang="en-US" sz="3200" dirty="0">
+                <a:latin typeface="Consolas" panose="020B0609020204030204" pitchFamily="49" charset="0"/>
+                <a:cs typeface="Consolas" panose="020B0609020204030204" pitchFamily="49" charset="0"/>
+              </a:rPr>
+              <a:t>	statement</a:t>
+            </a:r>
+          </a:p>
+          <a:p>
+            <a:pPr marL="0" indent="0">
+              <a:spcBef>
+                <a:spcPts val="0"/>
+              </a:spcBef>
+              <a:buNone/>
+            </a:pPr>
+            <a:r>
+              <a:rPr lang="en-US" sz="3200" dirty="0">
+                <a:latin typeface="Consolas" panose="020B0609020204030204" pitchFamily="49" charset="0"/>
+                <a:cs typeface="Consolas" panose="020B0609020204030204" pitchFamily="49" charset="0"/>
+              </a:rPr>
+              <a:t>	statement</a:t>
+            </a:r>
+          </a:p>
+          <a:p>
+            <a:pPr marL="0" indent="0">
+              <a:spcBef>
+                <a:spcPts val="0"/>
+              </a:spcBef>
+              <a:buNone/>
+            </a:pPr>
+            <a:r>
+              <a:rPr lang="en-US" sz="3200" dirty="0">
+                <a:latin typeface="Consolas" panose="020B0609020204030204" pitchFamily="49" charset="0"/>
+                <a:cs typeface="Consolas" panose="020B0609020204030204" pitchFamily="49" charset="0"/>
+              </a:rPr>
+              <a:t>	...</a:t>
+            </a:r>
+          </a:p>
+          <a:p>
+            <a:pPr marL="0" indent="0">
+              <a:spcBef>
+                <a:spcPts val="0"/>
+              </a:spcBef>
+              <a:buNone/>
+            </a:pPr>
+            <a:r>
+              <a:rPr lang="en-US" sz="3200" dirty="0">
+                <a:latin typeface="Consolas" panose="020B0609020204030204" pitchFamily="49" charset="0"/>
+                <a:cs typeface="Consolas" panose="020B0609020204030204" pitchFamily="49" charset="0"/>
+              </a:rPr>
+              <a:t>else:</a:t>
+            </a:r>
+          </a:p>
+          <a:p>
+            <a:pPr marL="0" indent="0">
+              <a:spcBef>
+                <a:spcPts val="0"/>
+              </a:spcBef>
+              <a:buNone/>
+            </a:pPr>
+            <a:r>
+              <a:rPr lang="en-US" sz="3200" dirty="0">
+                <a:latin typeface="Consolas" panose="020B0609020204030204" pitchFamily="49" charset="0"/>
+                <a:cs typeface="Consolas" panose="020B0609020204030204" pitchFamily="49" charset="0"/>
+              </a:rPr>
+              <a:t>	statement</a:t>
+            </a:r>
+          </a:p>
+          <a:p>
+            <a:pPr marL="0" indent="0">
+              <a:spcBef>
+                <a:spcPts val="0"/>
+              </a:spcBef>
+              <a:buNone/>
+            </a:pPr>
+            <a:r>
+              <a:rPr lang="en-US" sz="3200" dirty="0">
+                <a:latin typeface="Consolas" panose="020B0609020204030204" pitchFamily="49" charset="0"/>
+                <a:cs typeface="Consolas" panose="020B0609020204030204" pitchFamily="49" charset="0"/>
+              </a:rPr>
+              <a:t>	statement</a:t>
+            </a:r>
+          </a:p>
+          <a:p>
+            <a:pPr marL="0" indent="0">
+              <a:spcBef>
+                <a:spcPts val="0"/>
+              </a:spcBef>
+              <a:buNone/>
+            </a:pPr>
+            <a:r>
+              <a:rPr lang="en-US" sz="3200" dirty="0">
+                <a:latin typeface="Consolas" panose="020B0609020204030204" pitchFamily="49" charset="0"/>
+                <a:cs typeface="Consolas" panose="020B0609020204030204" pitchFamily="49" charset="0"/>
+              </a:rPr>
+              <a:t>	...</a:t>
+            </a:r>
+          </a:p>
+        </p:txBody>
+      </p:sp>
+      <p:sp>
+        <p:nvSpPr>
+          <p:cNvPr id="4" name="Rectangle 3">
+            <a:extLst>
+              <a:ext uri="{FF2B5EF4-FFF2-40B4-BE49-F238E27FC236}">
+                <a16:creationId xmlns:a16="http://schemas.microsoft.com/office/drawing/2014/main" id="{3667D1F5-200A-D94E-BA51-57165D387C4E}"/>
+              </a:ext>
+            </a:extLst>
+          </p:cNvPr>
+          <p:cNvSpPr/>
+          <p:nvPr/>
+        </p:nvSpPr>
+        <p:spPr bwMode="auto">
+          <a:xfrm>
+            <a:off x="5562600" y="3429000"/>
+            <a:ext cx="4648200" cy="1828800"/>
+          </a:xfrm>
+          <a:prstGeom prst="rect">
+            <a:avLst/>
+          </a:prstGeom>
+          <a:solidFill>
+            <a:schemeClr val="accent1">
+              <a:lumMod val="40000"/>
+              <a:lumOff val="60000"/>
+            </a:schemeClr>
+          </a:solidFill>
+          <a:ln w="9525" cap="flat" cmpd="sng" algn="ctr">
+            <a:solidFill>
+              <a:schemeClr val="tx1"/>
+            </a:solidFill>
+            <a:prstDash val="solid"/>
+            <a:round/>
+            <a:headEnd type="none" w="med" len="med"/>
+            <a:tailEnd type="none" w="med" len="med"/>
+          </a:ln>
+          <a:effectLst>
+            <a:outerShdw blurRad="736600" dist="38100" dir="2700000" algn="tl" rotWithShape="0">
+              <a:schemeClr val="tx1">
+                <a:alpha val="40000"/>
+              </a:schemeClr>
+            </a:outerShdw>
+          </a:effectLst>
+        </p:spPr>
+        <p:txBody>
+          <a:bodyPr vert="horz" wrap="square" lIns="91440" tIns="45720" rIns="91440" bIns="45720" numCol="1" rtlCol="0" anchor="t" anchorCtr="0" compatLnSpc="1">
+            <a:prstTxWarp prst="textNoShape">
+              <a:avLst/>
+            </a:prstTxWarp>
+          </a:bodyPr>
+          <a:lstStyle/>
+          <a:p>
+            <a:pPr algn="l" eaLnBrk="1" hangingPunct="1"/>
+            <a:r>
+              <a:rPr lang="en-US" sz="2800" dirty="0">
+                <a:latin typeface="+mn-lt"/>
+                <a:cs typeface="Courier New" panose="02070309020205020404" pitchFamily="49" charset="0"/>
+              </a:rPr>
+              <a:t>This will run the first group of statements if </a:t>
+            </a:r>
+            <a:r>
+              <a:rPr lang="en-US" sz="2800" b="1" i="1" dirty="0">
+                <a:latin typeface="+mn-lt"/>
+                <a:cs typeface="Courier New" panose="02070309020205020404" pitchFamily="49" charset="0"/>
+              </a:rPr>
+              <a:t>condition</a:t>
+            </a:r>
+            <a:r>
+              <a:rPr lang="en-US" sz="2800" dirty="0">
+                <a:latin typeface="+mn-lt"/>
+                <a:cs typeface="Courier New" panose="02070309020205020404" pitchFamily="49" charset="0"/>
+              </a:rPr>
+              <a:t> i</a:t>
+            </a:r>
+            <a:r>
+              <a:rPr lang="en-US" sz="2800" dirty="0">
+                <a:cs typeface="Courier New" panose="02070309020205020404" pitchFamily="49" charset="0"/>
+              </a:rPr>
+              <a:t>s true; otherwise, it runs the second group of statements.</a:t>
+            </a:r>
+            <a:endParaRPr kumimoji="0" lang="en-US" sz="2800" i="0" u="none" strike="noStrike" cap="none" normalizeH="0" baseline="0" dirty="0">
+              <a:ln>
+                <a:noFill/>
+              </a:ln>
+              <a:solidFill>
+                <a:schemeClr val="tx1"/>
+              </a:solidFill>
+              <a:effectLst/>
+              <a:latin typeface="+mn-lt"/>
+              <a:cs typeface="Courier New" panose="02070309020205020404" pitchFamily="49" charset="0"/>
+            </a:endParaRPr>
+          </a:p>
+        </p:txBody>
+      </p:sp>
+    </p:spTree>
+    <p:extLst>
+      <p:ext uri="{BB962C8B-B14F-4D97-AF65-F5344CB8AC3E}">
+        <p14:creationId xmlns:p14="http://schemas.microsoft.com/office/powerpoint/2010/main" val="4193980495"/>
       </p:ext>
     </p:extLst>
   </p:cSld>
